--- a/보고서/보고서_뒷부분.pptx
+++ b/보고서/보고서_뒷부분.pptx
@@ -5,7 +5,7 @@
     <p:sldMasterId id="2147483648" r:id="rId1"/>
   </p:sldMasterIdLst>
   <p:notesMasterIdLst>
-    <p:notesMasterId r:id="rId12"/>
+    <p:notesMasterId r:id="rId9"/>
   </p:notesMasterIdLst>
   <p:sldIdLst>
     <p:sldId id="256" r:id="rId2"/>
@@ -13,11 +13,8 @@
     <p:sldId id="270" r:id="rId4"/>
     <p:sldId id="271" r:id="rId5"/>
     <p:sldId id="279" r:id="rId6"/>
-    <p:sldId id="280" r:id="rId7"/>
-    <p:sldId id="278" r:id="rId8"/>
-    <p:sldId id="274" r:id="rId9"/>
-    <p:sldId id="275" r:id="rId10"/>
-    <p:sldId id="276" r:id="rId11"/>
+    <p:sldId id="281" r:id="rId7"/>
+    <p:sldId id="280" r:id="rId8"/>
   </p:sldIdLst>
   <p:sldSz cx="9144000" cy="6858000" type="screen4x3"/>
   <p:notesSz cx="6858000" cy="9144000"/>
@@ -255,11 +252,11 @@
         </c:dLbls>
         <c:marker val="1"/>
         <c:smooth val="0"/>
-        <c:axId val="76100608"/>
-        <c:axId val="65693376"/>
+        <c:axId val="119750144"/>
+        <c:axId val="90924736"/>
       </c:lineChart>
       <c:catAx>
-        <c:axId val="76100608"/>
+        <c:axId val="119750144"/>
         <c:scaling>
           <c:orientation val="minMax"/>
         </c:scaling>
@@ -280,7 +277,7 @@
             <a:endParaRPr lang="ko-KR"/>
           </a:p>
         </c:txPr>
-        <c:crossAx val="65693376"/>
+        <c:crossAx val="90924736"/>
         <c:crosses val="autoZero"/>
         <c:auto val="1"/>
         <c:lblAlgn val="ctr"/>
@@ -288,7 +285,7 @@
         <c:noMultiLvlLbl val="0"/>
       </c:catAx>
       <c:valAx>
-        <c:axId val="65693376"/>
+        <c:axId val="90924736"/>
         <c:scaling>
           <c:orientation val="minMax"/>
         </c:scaling>
@@ -312,7 +309,7 @@
             <a:endParaRPr lang="ko-KR"/>
           </a:p>
         </c:txPr>
-        <c:crossAx val="76100608"/>
+        <c:crossAx val="119750144"/>
         <c:crosses val="autoZero"/>
         <c:crossBetween val="between"/>
       </c:valAx>
@@ -462,11 +459,11 @@
           <c:showBubbleSize val="0"/>
         </c:dLbls>
         <c:gapWidth val="150"/>
-        <c:axId val="94921216"/>
-        <c:axId val="65695680"/>
+        <c:axId val="118070784"/>
+        <c:axId val="90927040"/>
       </c:barChart>
       <c:catAx>
-        <c:axId val="94921216"/>
+        <c:axId val="118070784"/>
         <c:scaling>
           <c:orientation val="minMax"/>
         </c:scaling>
@@ -485,7 +482,7 @@
             <a:endParaRPr lang="ko-KR"/>
           </a:p>
         </c:txPr>
-        <c:crossAx val="65695680"/>
+        <c:crossAx val="90927040"/>
         <c:crosses val="autoZero"/>
         <c:auto val="1"/>
         <c:lblAlgn val="ctr"/>
@@ -493,7 +490,7 @@
         <c:noMultiLvlLbl val="0"/>
       </c:catAx>
       <c:valAx>
-        <c:axId val="65695680"/>
+        <c:axId val="90927040"/>
         <c:scaling>
           <c:orientation val="minMax"/>
         </c:scaling>
@@ -514,7 +511,7 @@
             <a:endParaRPr lang="ko-KR"/>
           </a:p>
         </c:txPr>
-        <c:crossAx val="94921216"/>
+        <c:crossAx val="118070784"/>
         <c:crosses val="autoZero"/>
         <c:crossBetween val="between"/>
       </c:valAx>
@@ -611,7 +608,7 @@
           <a:p>
             <a:fld id="{77AA00C3-B075-4AD8-BDD5-B7395045C280}" type="datetimeFigureOut">
               <a:rPr lang="ko-KR" altLang="en-US" smtClean="0"/>
-              <a:t>2019-11-05</a:t>
+              <a:t>2019-11-06</a:t>
             </a:fld>
             <a:endParaRPr lang="ko-KR" altLang="en-US"/>
           </a:p>
@@ -1060,7 +1057,7 @@
           <a:p>
             <a:fld id="{E9E89039-DA1B-4BDE-B419-63F4CA33CB7A}" type="datetimeFigureOut">
               <a:rPr lang="ko-KR" altLang="en-US" smtClean="0"/>
-              <a:t>2019-11-05</a:t>
+              <a:t>2019-11-06</a:t>
             </a:fld>
             <a:endParaRPr lang="ko-KR" altLang="en-US"/>
           </a:p>
@@ -1230,7 +1227,7 @@
           <a:p>
             <a:fld id="{E9E89039-DA1B-4BDE-B419-63F4CA33CB7A}" type="datetimeFigureOut">
               <a:rPr lang="ko-KR" altLang="en-US" smtClean="0"/>
-              <a:t>2019-11-05</a:t>
+              <a:t>2019-11-06</a:t>
             </a:fld>
             <a:endParaRPr lang="ko-KR" altLang="en-US"/>
           </a:p>
@@ -1410,7 +1407,7 @@
           <a:p>
             <a:fld id="{E9E89039-DA1B-4BDE-B419-63F4CA33CB7A}" type="datetimeFigureOut">
               <a:rPr lang="ko-KR" altLang="en-US" smtClean="0"/>
-              <a:t>2019-11-05</a:t>
+              <a:t>2019-11-06</a:t>
             </a:fld>
             <a:endParaRPr lang="ko-KR" altLang="en-US"/>
           </a:p>
@@ -1580,7 +1577,7 @@
           <a:p>
             <a:fld id="{E9E89039-DA1B-4BDE-B419-63F4CA33CB7A}" type="datetimeFigureOut">
               <a:rPr lang="ko-KR" altLang="en-US" smtClean="0"/>
-              <a:t>2019-11-05</a:t>
+              <a:t>2019-11-06</a:t>
             </a:fld>
             <a:endParaRPr lang="ko-KR" altLang="en-US"/>
           </a:p>
@@ -1826,7 +1823,7 @@
           <a:p>
             <a:fld id="{E9E89039-DA1B-4BDE-B419-63F4CA33CB7A}" type="datetimeFigureOut">
               <a:rPr lang="ko-KR" altLang="en-US" smtClean="0"/>
-              <a:t>2019-11-05</a:t>
+              <a:t>2019-11-06</a:t>
             </a:fld>
             <a:endParaRPr lang="ko-KR" altLang="en-US"/>
           </a:p>
@@ -2114,7 +2111,7 @@
           <a:p>
             <a:fld id="{E9E89039-DA1B-4BDE-B419-63F4CA33CB7A}" type="datetimeFigureOut">
               <a:rPr lang="ko-KR" altLang="en-US" smtClean="0"/>
-              <a:t>2019-11-05</a:t>
+              <a:t>2019-11-06</a:t>
             </a:fld>
             <a:endParaRPr lang="ko-KR" altLang="en-US"/>
           </a:p>
@@ -2536,7 +2533,7 @@
           <a:p>
             <a:fld id="{E9E89039-DA1B-4BDE-B419-63F4CA33CB7A}" type="datetimeFigureOut">
               <a:rPr lang="ko-KR" altLang="en-US" smtClean="0"/>
-              <a:t>2019-11-05</a:t>
+              <a:t>2019-11-06</a:t>
             </a:fld>
             <a:endParaRPr lang="ko-KR" altLang="en-US"/>
           </a:p>
@@ -2654,7 +2651,7 @@
           <a:p>
             <a:fld id="{E9E89039-DA1B-4BDE-B419-63F4CA33CB7A}" type="datetimeFigureOut">
               <a:rPr lang="ko-KR" altLang="en-US" smtClean="0"/>
-              <a:t>2019-11-05</a:t>
+              <a:t>2019-11-06</a:t>
             </a:fld>
             <a:endParaRPr lang="ko-KR" altLang="en-US"/>
           </a:p>
@@ -2749,7 +2746,7 @@
           <a:p>
             <a:fld id="{E9E89039-DA1B-4BDE-B419-63F4CA33CB7A}" type="datetimeFigureOut">
               <a:rPr lang="ko-KR" altLang="en-US" smtClean="0"/>
-              <a:t>2019-11-05</a:t>
+              <a:t>2019-11-06</a:t>
             </a:fld>
             <a:endParaRPr lang="ko-KR" altLang="en-US"/>
           </a:p>
@@ -3026,7 +3023,7 @@
           <a:p>
             <a:fld id="{E9E89039-DA1B-4BDE-B419-63F4CA33CB7A}" type="datetimeFigureOut">
               <a:rPr lang="ko-KR" altLang="en-US" smtClean="0"/>
-              <a:t>2019-11-05</a:t>
+              <a:t>2019-11-06</a:t>
             </a:fld>
             <a:endParaRPr lang="ko-KR" altLang="en-US"/>
           </a:p>
@@ -3279,7 +3276,7 @@
           <a:p>
             <a:fld id="{E9E89039-DA1B-4BDE-B419-63F4CA33CB7A}" type="datetimeFigureOut">
               <a:rPr lang="ko-KR" altLang="en-US" smtClean="0"/>
-              <a:t>2019-11-05</a:t>
+              <a:t>2019-11-06</a:t>
             </a:fld>
             <a:endParaRPr lang="ko-KR" altLang="en-US"/>
           </a:p>
@@ -3492,7 +3489,7 @@
           <a:p>
             <a:fld id="{E9E89039-DA1B-4BDE-B419-63F4CA33CB7A}" type="datetimeFigureOut">
               <a:rPr lang="ko-KR" altLang="en-US" smtClean="0"/>
-              <a:t>2019-11-05</a:t>
+              <a:t>2019-11-06</a:t>
             </a:fld>
             <a:endParaRPr lang="ko-KR" altLang="en-US"/>
           </a:p>
@@ -4011,661 +4008,6 @@
 </p:sld>
 </file>
 
-<file path=ppt/slides/slide10.xml><?xml version="1.0" encoding="utf-8"?>
-<p:sld xmlns:a="http://schemas.openxmlformats.org/drawingml/2006/main" xmlns:r="http://schemas.openxmlformats.org/officeDocument/2006/relationships" xmlns:p="http://schemas.openxmlformats.org/presentationml/2006/main">
-  <p:cSld>
-    <p:spTree>
-      <p:nvGrpSpPr>
-        <p:cNvPr id="1" name=""/>
-        <p:cNvGrpSpPr/>
-        <p:nvPr/>
-      </p:nvGrpSpPr>
-      <p:grpSpPr>
-        <a:xfrm>
-          <a:off x="0" y="0"/>
-          <a:ext cx="0" cy="0"/>
-          <a:chOff x="0" y="0"/>
-          <a:chExt cx="0" cy="0"/>
-        </a:xfrm>
-      </p:grpSpPr>
-      <p:sp>
-        <p:nvSpPr>
-          <p:cNvPr id="4" name="Rectangle 1"/>
-          <p:cNvSpPr>
-            <a:spLocks noChangeArrowheads="1"/>
-          </p:cNvSpPr>
-          <p:nvPr/>
-        </p:nvSpPr>
-        <p:spPr bwMode="auto">
-          <a:xfrm>
-            <a:off x="0" y="32410"/>
-            <a:ext cx="184731" cy="392379"/>
-          </a:xfrm>
-          <a:prstGeom prst="rect">
-            <a:avLst/>
-          </a:prstGeom>
-          <a:solidFill>
-            <a:srgbClr val="FFFFFF"/>
-          </a:solidFill>
-          <a:ln>
-            <a:noFill/>
-          </a:ln>
-          <a:effectLst/>
-          <a:extLst>
-            <a:ext uri="{91240B29-F687-4F45-9708-019B960494DF}">
-              <a14:hiddenLine xmlns:a14="http://schemas.microsoft.com/office/drawing/2010/main" w="9525">
-                <a:solidFill>
-                  <a:schemeClr val="tx1"/>
-                </a:solidFill>
-                <a:miter lim="800000"/>
-                <a:headEnd/>
-                <a:tailEnd/>
-              </a14:hiddenLine>
-            </a:ext>
-            <a:ext uri="{AF507438-7753-43E0-B8FC-AC1667EBCBE1}">
-              <a14:hiddenEffects xmlns:a14="http://schemas.microsoft.com/office/drawing/2010/main">
-                <a:effectLst>
-                  <a:outerShdw dist="35921" dir="2700000" algn="ctr" rotWithShape="0">
-                    <a:schemeClr val="bg2"/>
-                  </a:outerShdw>
-                </a:effectLst>
-              </a14:hiddenEffects>
-            </a:ext>
-          </a:extLst>
-        </p:spPr>
-        <p:txBody>
-          <a:bodyPr vert="horz" wrap="none" lIns="91440" tIns="0" rIns="91440" bIns="114264" numCol="1" anchor="ctr" anchorCtr="0" compatLnSpc="1">
-            <a:prstTxWarp prst="textNoShape">
-              <a:avLst/>
-            </a:prstTxWarp>
-            <a:spAutoFit/>
-          </a:bodyPr>
-          <a:lstStyle/>
-          <a:p>
-            <a:pPr marL="0" marR="0" lvl="0" indent="0" algn="l" defTabSz="914400" rtl="0" eaLnBrk="0" fontAlgn="base" latinLnBrk="0" hangingPunct="0">
-              <a:lnSpc>
-                <a:spcPct val="100000"/>
-              </a:lnSpc>
-              <a:spcBef>
-                <a:spcPct val="0"/>
-              </a:spcBef>
-              <a:spcAft>
-                <a:spcPct val="0"/>
-              </a:spcAft>
-              <a:buClrTx/>
-              <a:buSzTx/>
-              <a:buFontTx/>
-              <a:buNone/>
-              <a:tabLst/>
-            </a:pPr>
-            <a:endParaRPr kumimoji="1" lang="ko-KR" altLang="ko-KR" sz="1800" b="0" i="0" u="none" strike="noStrike" cap="none" normalizeH="0" baseline="0" dirty="0" smtClean="0">
-              <a:ln>
-                <a:noFill/>
-              </a:ln>
-              <a:solidFill>
-                <a:schemeClr val="tx1"/>
-              </a:solidFill>
-              <a:effectLst/>
-              <a:latin typeface="굴림" pitchFamily="50" charset="-127"/>
-              <a:ea typeface="굴림" pitchFamily="50" charset="-127"/>
-              <a:cs typeface="굴림" pitchFamily="50" charset="-127"/>
-            </a:endParaRPr>
-          </a:p>
-        </p:txBody>
-      </p:sp>
-      <p:sp>
-        <p:nvSpPr>
-          <p:cNvPr id="5" name="직사각형 4"/>
-          <p:cNvSpPr/>
-          <p:nvPr/>
-        </p:nvSpPr>
-        <p:spPr>
-          <a:xfrm>
-            <a:off x="467544" y="751344"/>
-            <a:ext cx="5832648" cy="3508653"/>
-          </a:xfrm>
-          <a:prstGeom prst="rect">
-            <a:avLst/>
-          </a:prstGeom>
-        </p:spPr>
-        <p:txBody>
-          <a:bodyPr wrap="square">
-            <a:spAutoFit/>
-          </a:bodyPr>
-          <a:lstStyle/>
-          <a:p>
-            <a:pPr lvl="0" eaLnBrk="0" fontAlgn="base" latinLnBrk="0" hangingPunct="0">
-              <a:spcBef>
-                <a:spcPct val="0"/>
-              </a:spcBef>
-              <a:spcAft>
-                <a:spcPct val="0"/>
-              </a:spcAft>
-              <a:buFontTx/>
-              <a:buChar char="•"/>
-            </a:pPr>
-            <a:r>
-              <a:rPr kumimoji="1" lang="ko-KR" altLang="ko-KR" sz="1200" b="1" dirty="0" smtClean="0">
-                <a:solidFill>
-                  <a:srgbClr val="333333"/>
-                </a:solidFill>
-                <a:latin typeface="굴림" pitchFamily="50" charset="-127"/>
-                <a:ea typeface="Lato"/>
-                <a:cs typeface="굴림" pitchFamily="50" charset="-127"/>
-              </a:rPr>
-              <a:t>RabbitMQ</a:t>
-            </a:r>
-            <a:r>
-              <a:rPr kumimoji="1" lang="ko-KR" altLang="ko-KR" sz="1200" dirty="0">
-                <a:solidFill>
-                  <a:srgbClr val="333333"/>
-                </a:solidFill>
-                <a:latin typeface="Arial"/>
-                <a:ea typeface="Lato"/>
-                <a:cs typeface="굴림" pitchFamily="50" charset="-127"/>
-              </a:rPr>
-              <a:t> </a:t>
-            </a:r>
-            <a:r>
-              <a:rPr kumimoji="1" lang="ko-KR" altLang="ko-KR" sz="1200" dirty="0">
-                <a:solidFill>
-                  <a:srgbClr val="333333"/>
-                </a:solidFill>
-                <a:latin typeface="굴림" pitchFamily="50" charset="-127"/>
-                <a:ea typeface="Lato"/>
-                <a:cs typeface="굴림" pitchFamily="50" charset="-127"/>
-              </a:rPr>
-              <a:t>는 빠르고 쉽게 구성 할 수 있으며 직관적.</a:t>
-            </a:r>
-          </a:p>
-          <a:p>
-            <a:pPr lvl="1" eaLnBrk="0" fontAlgn="base" latinLnBrk="0" hangingPunct="0">
-              <a:spcBef>
-                <a:spcPct val="0"/>
-              </a:spcBef>
-              <a:spcAft>
-                <a:spcPct val="0"/>
-              </a:spcAft>
-              <a:buFontTx/>
-              <a:buChar char="•"/>
-            </a:pPr>
-            <a:r>
-              <a:rPr kumimoji="1" lang="ko-KR" altLang="ko-KR" sz="1200" dirty="0">
-                <a:solidFill>
-                  <a:srgbClr val="333333"/>
-                </a:solidFill>
-                <a:latin typeface="굴림" pitchFamily="50" charset="-127"/>
-                <a:ea typeface="Lato"/>
-                <a:cs typeface="굴림" pitchFamily="50" charset="-127"/>
-              </a:rPr>
-              <a:t>AMQT 프로토콜을 구현해놓은 프로그램, 신뢰성, 유연한 </a:t>
-            </a:r>
-            <a:r>
-              <a:rPr kumimoji="1" lang="ko-KR" altLang="ko-KR" sz="1200" dirty="0" err="1">
-                <a:solidFill>
-                  <a:srgbClr val="333333"/>
-                </a:solidFill>
-                <a:latin typeface="굴림" pitchFamily="50" charset="-127"/>
-                <a:ea typeface="Lato"/>
-                <a:cs typeface="굴림" pitchFamily="50" charset="-127"/>
-              </a:rPr>
-              <a:t>라우팅</a:t>
-            </a:r>
-            <a:r>
-              <a:rPr kumimoji="1" lang="ko-KR" altLang="ko-KR" sz="1200" dirty="0">
-                <a:solidFill>
-                  <a:srgbClr val="333333"/>
-                </a:solidFill>
-                <a:latin typeface="굴림" pitchFamily="50" charset="-127"/>
-                <a:ea typeface="Lato"/>
-                <a:cs typeface="굴림" pitchFamily="50" charset="-127"/>
-              </a:rPr>
-              <a:t>, 관리 UI의 편리성</a:t>
-            </a:r>
-          </a:p>
-          <a:p>
-            <a:pPr lvl="0" eaLnBrk="0" fontAlgn="base" latinLnBrk="0" hangingPunct="0">
-              <a:spcBef>
-                <a:spcPct val="0"/>
-              </a:spcBef>
-              <a:spcAft>
-                <a:spcPct val="0"/>
-              </a:spcAft>
-              <a:buFontTx/>
-              <a:buChar char="•"/>
-            </a:pPr>
-            <a:r>
-              <a:rPr kumimoji="1" lang="ko-KR" altLang="ko-KR" sz="1200" b="1" dirty="0">
-                <a:solidFill>
-                  <a:srgbClr val="333333"/>
-                </a:solidFill>
-                <a:latin typeface="굴림" pitchFamily="50" charset="-127"/>
-                <a:ea typeface="Lato"/>
-                <a:cs typeface="굴림" pitchFamily="50" charset="-127"/>
-              </a:rPr>
-              <a:t>Kafka</a:t>
-            </a:r>
-            <a:r>
-              <a:rPr kumimoji="1" lang="ko-KR" altLang="ko-KR" sz="1200" dirty="0">
-                <a:solidFill>
-                  <a:srgbClr val="333333"/>
-                </a:solidFill>
-                <a:latin typeface="Arial"/>
-                <a:ea typeface="Lato"/>
-                <a:cs typeface="굴림" pitchFamily="50" charset="-127"/>
-              </a:rPr>
-              <a:t> </a:t>
-            </a:r>
-            <a:r>
-              <a:rPr kumimoji="1" lang="ko-KR" altLang="ko-KR" sz="1200" dirty="0">
-                <a:solidFill>
-                  <a:srgbClr val="333333"/>
-                </a:solidFill>
-                <a:latin typeface="굴림" pitchFamily="50" charset="-127"/>
-                <a:ea typeface="Lato"/>
-                <a:cs typeface="굴림" pitchFamily="50" charset="-127"/>
-              </a:rPr>
-              <a:t>는 </a:t>
-            </a:r>
-            <a:r>
-              <a:rPr kumimoji="1" lang="ko-KR" altLang="ko-KR" sz="1200" dirty="0" err="1">
-                <a:solidFill>
-                  <a:srgbClr val="333333"/>
-                </a:solidFill>
-                <a:latin typeface="굴림" pitchFamily="50" charset="-127"/>
-                <a:ea typeface="Lato"/>
-                <a:cs typeface="굴림" pitchFamily="50" charset="-127"/>
-              </a:rPr>
-              <a:t>확장성</a:t>
-            </a:r>
-            <a:r>
-              <a:rPr kumimoji="1" lang="ko-KR" altLang="ko-KR" sz="1200" dirty="0">
-                <a:solidFill>
-                  <a:srgbClr val="333333"/>
-                </a:solidFill>
-                <a:latin typeface="굴림" pitchFamily="50" charset="-127"/>
-                <a:ea typeface="Lato"/>
-                <a:cs typeface="굴림" pitchFamily="50" charset="-127"/>
-              </a:rPr>
-              <a:t>, 고성능 및 높은 처리량.</a:t>
-            </a:r>
-          </a:p>
-          <a:p>
-            <a:pPr lvl="1" eaLnBrk="0" fontAlgn="base" latinLnBrk="0" hangingPunct="0">
-              <a:spcBef>
-                <a:spcPct val="0"/>
-              </a:spcBef>
-              <a:spcAft>
-                <a:spcPct val="0"/>
-              </a:spcAft>
-              <a:buFontTx/>
-              <a:buChar char="•"/>
-            </a:pPr>
-            <a:r>
-              <a:rPr kumimoji="1" lang="ko-KR" altLang="ko-KR" sz="1200" dirty="0">
-                <a:solidFill>
-                  <a:srgbClr val="333333"/>
-                </a:solidFill>
-                <a:latin typeface="굴림" pitchFamily="50" charset="-127"/>
-                <a:ea typeface="Lato"/>
-                <a:cs typeface="굴림" pitchFamily="50" charset="-127"/>
-              </a:rPr>
-              <a:t>대용량 실시간 로그 처리에 특화, 단순한 메시지 헤더를 지닌 TCP 기반의 프로토콜 사용으로 오버헤드 감소</a:t>
-            </a:r>
-          </a:p>
-          <a:p>
-            <a:pPr lvl="1" eaLnBrk="0" fontAlgn="base" latinLnBrk="0" hangingPunct="0">
-              <a:spcBef>
-                <a:spcPct val="0"/>
-              </a:spcBef>
-              <a:spcAft>
-                <a:spcPct val="0"/>
-              </a:spcAft>
-              <a:buFontTx/>
-              <a:buChar char="•"/>
-            </a:pPr>
-            <a:r>
-              <a:rPr kumimoji="1" lang="ko-KR" altLang="ko-KR" sz="1200" dirty="0">
-                <a:solidFill>
-                  <a:srgbClr val="333333"/>
-                </a:solidFill>
-                <a:latin typeface="굴림" pitchFamily="50" charset="-127"/>
-                <a:ea typeface="Lato"/>
-                <a:cs typeface="굴림" pitchFamily="50" charset="-127"/>
-              </a:rPr>
-              <a:t>분산 시스템으로 인해 분산 및 복제 구성 장점</a:t>
-            </a:r>
-          </a:p>
-          <a:p>
-            <a:pPr lvl="1" eaLnBrk="0" fontAlgn="base" latinLnBrk="0" hangingPunct="0">
-              <a:spcBef>
-                <a:spcPct val="0"/>
-              </a:spcBef>
-              <a:spcAft>
-                <a:spcPct val="0"/>
-              </a:spcAft>
-              <a:buFontTx/>
-              <a:buChar char="•"/>
-            </a:pPr>
-            <a:r>
-              <a:rPr kumimoji="1" lang="ko-KR" altLang="ko-KR" sz="1200" dirty="0">
-                <a:solidFill>
-                  <a:srgbClr val="333333"/>
-                </a:solidFill>
-                <a:latin typeface="굴림" pitchFamily="50" charset="-127"/>
-                <a:ea typeface="Lato"/>
-                <a:cs typeface="굴림" pitchFamily="50" charset="-127"/>
-              </a:rPr>
-              <a:t>그리하여 </a:t>
-            </a:r>
-            <a:r>
-              <a:rPr kumimoji="1" lang="ko-KR" altLang="ko-KR" sz="1200" dirty="0" err="1">
-                <a:solidFill>
-                  <a:srgbClr val="333333"/>
-                </a:solidFill>
-                <a:latin typeface="굴림" pitchFamily="50" charset="-127"/>
-                <a:ea typeface="Lato"/>
-                <a:cs typeface="굴림" pitchFamily="50" charset="-127"/>
-              </a:rPr>
-              <a:t>노드</a:t>
-            </a:r>
-            <a:r>
-              <a:rPr kumimoji="1" lang="ko-KR" altLang="ko-KR" sz="1200" dirty="0">
-                <a:solidFill>
-                  <a:srgbClr val="333333"/>
-                </a:solidFill>
-                <a:latin typeface="굴림" pitchFamily="50" charset="-127"/>
-                <a:ea typeface="Lato"/>
-                <a:cs typeface="굴림" pitchFamily="50" charset="-127"/>
-              </a:rPr>
-              <a:t> 장애에 대한 </a:t>
-            </a:r>
-            <a:r>
-              <a:rPr kumimoji="1" lang="ko-KR" altLang="ko-KR" sz="1200" dirty="0" err="1">
-                <a:solidFill>
-                  <a:srgbClr val="333333"/>
-                </a:solidFill>
-                <a:latin typeface="굴림" pitchFamily="50" charset="-127"/>
-                <a:ea typeface="Lato"/>
-                <a:cs typeface="굴림" pitchFamily="50" charset="-127"/>
-              </a:rPr>
-              <a:t>대응성을</a:t>
-            </a:r>
-            <a:r>
-              <a:rPr kumimoji="1" lang="ko-KR" altLang="ko-KR" sz="1200" dirty="0">
-                <a:solidFill>
-                  <a:srgbClr val="333333"/>
-                </a:solidFill>
-                <a:latin typeface="굴림" pitchFamily="50" charset="-127"/>
-                <a:ea typeface="Lato"/>
-                <a:cs typeface="굴림" pitchFamily="50" charset="-127"/>
-              </a:rPr>
-              <a:t> 가지고 있음</a:t>
-            </a:r>
-          </a:p>
-          <a:p>
-            <a:pPr lvl="1" eaLnBrk="0" fontAlgn="base" latinLnBrk="0" hangingPunct="0">
-              <a:spcBef>
-                <a:spcPct val="0"/>
-              </a:spcBef>
-              <a:spcAft>
-                <a:spcPct val="0"/>
-              </a:spcAft>
-              <a:buFontTx/>
-              <a:buChar char="•"/>
-            </a:pPr>
-            <a:r>
-              <a:rPr kumimoji="1" lang="ko-KR" altLang="ko-KR" sz="1200" dirty="0">
-                <a:solidFill>
-                  <a:srgbClr val="333333"/>
-                </a:solidFill>
-                <a:latin typeface="굴림" pitchFamily="50" charset="-127"/>
-                <a:ea typeface="Lato"/>
-                <a:cs typeface="굴림" pitchFamily="50" charset="-127"/>
-              </a:rPr>
-              <a:t>프로듀서는 각 메시지를 배치로 broker에게 전달하여 TCP/IP 라운드 </a:t>
-            </a:r>
-            <a:r>
-              <a:rPr kumimoji="1" lang="ko-KR" altLang="ko-KR" sz="1200" dirty="0" err="1">
-                <a:solidFill>
-                  <a:srgbClr val="333333"/>
-                </a:solidFill>
-                <a:latin typeface="굴림" pitchFamily="50" charset="-127"/>
-                <a:ea typeface="Lato"/>
-                <a:cs typeface="굴림" pitchFamily="50" charset="-127"/>
-              </a:rPr>
-              <a:t>트립을</a:t>
-            </a:r>
-            <a:r>
-              <a:rPr kumimoji="1" lang="ko-KR" altLang="ko-KR" sz="1200" dirty="0">
-                <a:solidFill>
-                  <a:srgbClr val="333333"/>
-                </a:solidFill>
-                <a:latin typeface="굴림" pitchFamily="50" charset="-127"/>
-                <a:ea typeface="Lato"/>
-                <a:cs typeface="굴림" pitchFamily="50" charset="-127"/>
-              </a:rPr>
-              <a:t> 줄임</a:t>
-            </a:r>
-          </a:p>
-          <a:p>
-            <a:pPr lvl="1" eaLnBrk="0" fontAlgn="base" latinLnBrk="0" hangingPunct="0">
-              <a:spcBef>
-                <a:spcPct val="0"/>
-              </a:spcBef>
-              <a:spcAft>
-                <a:spcPct val="0"/>
-              </a:spcAft>
-              <a:buFontTx/>
-              <a:buChar char="•"/>
-            </a:pPr>
-            <a:r>
-              <a:rPr kumimoji="1" lang="ko-KR" altLang="ko-KR" sz="1200" dirty="0">
-                <a:solidFill>
-                  <a:srgbClr val="333333"/>
-                </a:solidFill>
-                <a:latin typeface="굴림" pitchFamily="50" charset="-127"/>
-                <a:ea typeface="Lato"/>
-                <a:cs typeface="굴림" pitchFamily="50" charset="-127"/>
-              </a:rPr>
-              <a:t>기본적으로는 파일시스템에 저장을 통해 영속성(혹은 수명)을 보장 = </a:t>
-            </a:r>
-            <a:r>
-              <a:rPr kumimoji="1" lang="ko-KR" altLang="ko-KR" sz="1200" dirty="0" err="1">
-                <a:solidFill>
-                  <a:srgbClr val="333333"/>
-                </a:solidFill>
-                <a:latin typeface="굴림" pitchFamily="50" charset="-127"/>
-                <a:ea typeface="Lato"/>
-                <a:cs typeface="굴림" pitchFamily="50" charset="-127"/>
-              </a:rPr>
-              <a:t>오류시</a:t>
-            </a:r>
-            <a:r>
-              <a:rPr kumimoji="1" lang="ko-KR" altLang="ko-KR" sz="1200" dirty="0">
-                <a:solidFill>
-                  <a:srgbClr val="333333"/>
-                </a:solidFill>
-                <a:latin typeface="굴림" pitchFamily="50" charset="-127"/>
-                <a:ea typeface="Lato"/>
-                <a:cs typeface="굴림" pitchFamily="50" charset="-127"/>
-              </a:rPr>
-              <a:t> 오류 지점부터 복구가 가능</a:t>
-            </a:r>
-          </a:p>
-          <a:p>
-            <a:pPr lvl="1" eaLnBrk="0" fontAlgn="base" latinLnBrk="0" hangingPunct="0">
-              <a:spcBef>
-                <a:spcPct val="0"/>
-              </a:spcBef>
-              <a:spcAft>
-                <a:spcPct val="0"/>
-              </a:spcAft>
-              <a:buFontTx/>
-              <a:buChar char="•"/>
-            </a:pPr>
-            <a:r>
-              <a:rPr kumimoji="1" lang="ko-KR" altLang="ko-KR" sz="1200" dirty="0">
-                <a:solidFill>
-                  <a:srgbClr val="333333"/>
-                </a:solidFill>
-                <a:latin typeface="굴림" pitchFamily="50" charset="-127"/>
-                <a:ea typeface="Lato"/>
-                <a:cs typeface="굴림" pitchFamily="50" charset="-127"/>
-              </a:rPr>
-              <a:t>Kafka, Kinesis(aws)는 window 단위의 데이터를 넣고 꺼낼 수 있다</a:t>
-            </a:r>
-          </a:p>
-          <a:p>
-            <a:pPr lvl="0" eaLnBrk="0" fontAlgn="base" latinLnBrk="0" hangingPunct="0">
-              <a:spcBef>
-                <a:spcPct val="0"/>
-              </a:spcBef>
-              <a:spcAft>
-                <a:spcPct val="0"/>
-              </a:spcAft>
-              <a:buFontTx/>
-              <a:buChar char="•"/>
-            </a:pPr>
-            <a:r>
-              <a:rPr kumimoji="1" lang="ko-KR" altLang="ko-KR" sz="1200" b="1" dirty="0">
-                <a:solidFill>
-                  <a:srgbClr val="333333"/>
-                </a:solidFill>
-                <a:latin typeface="굴림" pitchFamily="50" charset="-127"/>
-                <a:ea typeface="Lato"/>
-                <a:cs typeface="굴림" pitchFamily="50" charset="-127"/>
-              </a:rPr>
-              <a:t>ActiveMQ</a:t>
-            </a:r>
-            <a:r>
-              <a:rPr kumimoji="1" lang="ko-KR" altLang="ko-KR" sz="1200" dirty="0">
-                <a:solidFill>
-                  <a:srgbClr val="333333"/>
-                </a:solidFill>
-                <a:latin typeface="Arial"/>
-                <a:ea typeface="Lato"/>
-                <a:cs typeface="굴림" pitchFamily="50" charset="-127"/>
-              </a:rPr>
-              <a:t> </a:t>
-            </a:r>
-            <a:r>
-              <a:rPr kumimoji="1" lang="ko-KR" altLang="ko-KR" sz="1200" dirty="0">
-                <a:solidFill>
-                  <a:srgbClr val="333333"/>
-                </a:solidFill>
-                <a:latin typeface="굴림" pitchFamily="50" charset="-127"/>
-                <a:ea typeface="Lato"/>
-                <a:cs typeface="굴림" pitchFamily="50" charset="-127"/>
-              </a:rPr>
-              <a:t>는 효율적이고 사용하기 쉬운 오픈 소스.</a:t>
-            </a:r>
-          </a:p>
-          <a:p>
-            <a:pPr lvl="1" eaLnBrk="0" fontAlgn="base" latinLnBrk="0" hangingPunct="0">
-              <a:spcBef>
-                <a:spcPct val="0"/>
-              </a:spcBef>
-              <a:spcAft>
-                <a:spcPct val="0"/>
-              </a:spcAft>
-              <a:buFontTx/>
-              <a:buChar char="•"/>
-            </a:pPr>
-            <a:r>
-              <a:rPr kumimoji="1" lang="ko-KR" altLang="ko-KR" sz="1200" dirty="0">
-                <a:solidFill>
-                  <a:srgbClr val="333333"/>
-                </a:solidFill>
-                <a:latin typeface="굴림" pitchFamily="50" charset="-127"/>
-                <a:ea typeface="Lato"/>
-                <a:cs typeface="굴림" pitchFamily="50" charset="-127"/>
-              </a:rPr>
-              <a:t>자바로 만든 </a:t>
-            </a:r>
-            <a:r>
-              <a:rPr kumimoji="1" lang="ko-KR" altLang="ko-KR" sz="1200" dirty="0" err="1">
-                <a:solidFill>
-                  <a:srgbClr val="333333"/>
-                </a:solidFill>
-                <a:latin typeface="굴림" pitchFamily="50" charset="-127"/>
-                <a:ea typeface="Lato"/>
-                <a:cs typeface="굴림" pitchFamily="50" charset="-127"/>
-              </a:rPr>
-              <a:t>오픈소스</a:t>
-            </a:r>
-            <a:r>
-              <a:rPr kumimoji="1" lang="ko-KR" altLang="ko-KR" sz="1200" dirty="0">
-                <a:solidFill>
-                  <a:srgbClr val="333333"/>
-                </a:solidFill>
-                <a:latin typeface="굴림" pitchFamily="50" charset="-127"/>
-                <a:ea typeface="Lato"/>
-                <a:cs typeface="굴림" pitchFamily="50" charset="-127"/>
-              </a:rPr>
-              <a:t> 메시지 브로커</a:t>
-            </a:r>
-          </a:p>
-          <a:p>
-            <a:pPr lvl="1" eaLnBrk="0" fontAlgn="base" latinLnBrk="0" hangingPunct="0">
-              <a:spcBef>
-                <a:spcPct val="0"/>
-              </a:spcBef>
-              <a:spcAft>
-                <a:spcPct val="0"/>
-              </a:spcAft>
-              <a:buFontTx/>
-              <a:buChar char="•"/>
-            </a:pPr>
-            <a:r>
-              <a:rPr kumimoji="1" lang="ko-KR" altLang="ko-KR" sz="1200" dirty="0">
-                <a:solidFill>
-                  <a:srgbClr val="333333"/>
-                </a:solidFill>
-                <a:latin typeface="굴림" pitchFamily="50" charset="-127"/>
-                <a:ea typeface="Lato"/>
-                <a:cs typeface="굴림" pitchFamily="50" charset="-127"/>
-              </a:rPr>
-              <a:t>다양한 언어와 프로토콜을 지원(Java, C, C++, C#, Ruby, Perl, Python, 그리고 PHP 클라이언트)</a:t>
-            </a:r>
-          </a:p>
-          <a:p>
-            <a:pPr lvl="0" eaLnBrk="0" fontAlgn="base" latinLnBrk="0" hangingPunct="0">
-              <a:spcBef>
-                <a:spcPct val="0"/>
-              </a:spcBef>
-              <a:spcAft>
-                <a:spcPct val="0"/>
-              </a:spcAft>
-            </a:pPr>
-            <a:endParaRPr kumimoji="1" lang="ko-KR" altLang="ko-KR" dirty="0">
-              <a:latin typeface="굴림" pitchFamily="50" charset="-127"/>
-              <a:ea typeface="굴림" pitchFamily="50" charset="-127"/>
-              <a:cs typeface="굴림" pitchFamily="50" charset="-127"/>
-            </a:endParaRPr>
-          </a:p>
-        </p:txBody>
-      </p:sp>
-    </p:spTree>
-    <p:extLst>
-      <p:ext uri="{BB962C8B-B14F-4D97-AF65-F5344CB8AC3E}">
-        <p14:creationId xmlns:p14="http://schemas.microsoft.com/office/powerpoint/2010/main" val="1417677069"/>
-      </p:ext>
-    </p:extLst>
-  </p:cSld>
-  <p:clrMapOvr>
-    <a:masterClrMapping/>
-  </p:clrMapOvr>
-  <p:timing>
-    <p:tnLst>
-      <p:par>
-        <p:cTn id="1" dur="indefinite" restart="never" nodeType="tmRoot"/>
-      </p:par>
-    </p:tnLst>
-  </p:timing>
-</p:sld>
-</file>
-
 <file path=ppt/slides/slide2.xml><?xml version="1.0" encoding="utf-8"?>
 <p:sld xmlns:a="http://schemas.openxmlformats.org/drawingml/2006/main" xmlns:r="http://schemas.openxmlformats.org/officeDocument/2006/relationships" xmlns:p="http://schemas.openxmlformats.org/presentationml/2006/main">
   <p:cSld>
@@ -4683,41 +4025,6 @@
           <a:chExt cx="0" cy="0"/>
         </a:xfrm>
       </p:grpSpPr>
-      <p:cxnSp>
-        <p:nvCxnSpPr>
-          <p:cNvPr id="14" name="직선 연결선 13"/>
-          <p:cNvCxnSpPr/>
-          <p:nvPr/>
-        </p:nvCxnSpPr>
-        <p:spPr>
-          <a:xfrm>
-            <a:off x="251520" y="692696"/>
-            <a:ext cx="8892480" cy="0"/>
-          </a:xfrm>
-          <a:prstGeom prst="line">
-            <a:avLst/>
-          </a:prstGeom>
-          <a:ln w="28575">
-            <a:solidFill>
-              <a:srgbClr val="00B0F0"/>
-            </a:solidFill>
-          </a:ln>
-        </p:spPr>
-        <p:style>
-          <a:lnRef idx="1">
-            <a:schemeClr val="accent6"/>
-          </a:lnRef>
-          <a:fillRef idx="0">
-            <a:schemeClr val="accent6"/>
-          </a:fillRef>
-          <a:effectRef idx="0">
-            <a:schemeClr val="accent6"/>
-          </a:effectRef>
-          <a:fontRef idx="minor">
-            <a:schemeClr val="tx1"/>
-          </a:fontRef>
-        </p:style>
-      </p:cxnSp>
       <p:sp>
         <p:nvSpPr>
           <p:cNvPr id="16" name="TextBox 15"/>
@@ -5177,41 +4484,6 @@
           <a:chExt cx="0" cy="0"/>
         </a:xfrm>
       </p:grpSpPr>
-      <p:cxnSp>
-        <p:nvCxnSpPr>
-          <p:cNvPr id="12" name="직선 연결선 11"/>
-          <p:cNvCxnSpPr/>
-          <p:nvPr/>
-        </p:nvCxnSpPr>
-        <p:spPr>
-          <a:xfrm>
-            <a:off x="251520" y="692696"/>
-            <a:ext cx="8892480" cy="0"/>
-          </a:xfrm>
-          <a:prstGeom prst="line">
-            <a:avLst/>
-          </a:prstGeom>
-          <a:ln w="28575">
-            <a:solidFill>
-              <a:srgbClr val="00B0F0"/>
-            </a:solidFill>
-          </a:ln>
-        </p:spPr>
-        <p:style>
-          <a:lnRef idx="1">
-            <a:schemeClr val="accent6"/>
-          </a:lnRef>
-          <a:fillRef idx="0">
-            <a:schemeClr val="accent6"/>
-          </a:fillRef>
-          <a:effectRef idx="0">
-            <a:schemeClr val="accent6"/>
-          </a:effectRef>
-          <a:fontRef idx="minor">
-            <a:schemeClr val="tx1"/>
-          </a:fontRef>
-        </p:style>
-      </p:cxnSp>
       <p:sp>
         <p:nvSpPr>
           <p:cNvPr id="13" name="TextBox 12"/>
@@ -5648,41 +4920,6 @@
           <a:chExt cx="0" cy="0"/>
         </a:xfrm>
       </p:grpSpPr>
-      <p:cxnSp>
-        <p:nvCxnSpPr>
-          <p:cNvPr id="8" name="직선 연결선 7"/>
-          <p:cNvCxnSpPr/>
-          <p:nvPr/>
-        </p:nvCxnSpPr>
-        <p:spPr>
-          <a:xfrm>
-            <a:off x="251520" y="692696"/>
-            <a:ext cx="8892480" cy="0"/>
-          </a:xfrm>
-          <a:prstGeom prst="line">
-            <a:avLst/>
-          </a:prstGeom>
-          <a:ln w="28575">
-            <a:solidFill>
-              <a:srgbClr val="00B0F0"/>
-            </a:solidFill>
-          </a:ln>
-        </p:spPr>
-        <p:style>
-          <a:lnRef idx="1">
-            <a:schemeClr val="accent6"/>
-          </a:lnRef>
-          <a:fillRef idx="0">
-            <a:schemeClr val="accent6"/>
-          </a:fillRef>
-          <a:effectRef idx="0">
-            <a:schemeClr val="accent6"/>
-          </a:effectRef>
-          <a:fontRef idx="minor">
-            <a:schemeClr val="tx1"/>
-          </a:fontRef>
-        </p:style>
-      </p:cxnSp>
       <p:sp>
         <p:nvSpPr>
           <p:cNvPr id="9" name="TextBox 8"/>
@@ -6733,46 +5970,13 @@
       </p:sp>
       <p:sp>
         <p:nvSpPr>
-          <p:cNvPr id="16" name="TextBox 15"/>
+          <p:cNvPr id="10" name="TextBox 9"/>
           <p:cNvSpPr txBox="1"/>
           <p:nvPr/>
         </p:nvSpPr>
         <p:spPr>
           <a:xfrm>
-            <a:off x="619944" y="3676962"/>
-            <a:ext cx="3183392" cy="400110"/>
-          </a:xfrm>
-          <a:prstGeom prst="rect">
-            <a:avLst/>
-          </a:prstGeom>
-          <a:noFill/>
-        </p:spPr>
-        <p:txBody>
-          <a:bodyPr wrap="square" rtlCol="0">
-            <a:spAutoFit/>
-          </a:bodyPr>
-          <a:lstStyle/>
-          <a:p>
-            <a:r>
-              <a:rPr lang="ko-KR" altLang="en-US" sz="2000" b="1" dirty="0" smtClean="0">
-                <a:latin typeface="KoPubWorld돋움체_Pro Bold" pitchFamily="50" charset="-127"/>
-                <a:ea typeface="KoPubWorld돋움체_Pro Bold" pitchFamily="50" charset="-127"/>
-                <a:cs typeface="KoPubWorld돋움체_Pro Bold" pitchFamily="50" charset="-127"/>
-              </a:rPr>
-              <a:t>한계점</a:t>
-            </a:r>
-          </a:p>
-        </p:txBody>
-      </p:sp>
-      <p:sp>
-        <p:nvSpPr>
-          <p:cNvPr id="17" name="TextBox 16"/>
-          <p:cNvSpPr txBox="1"/>
-          <p:nvPr/>
-        </p:nvSpPr>
-        <p:spPr>
-          <a:xfrm>
-            <a:off x="683568" y="4149080"/>
+            <a:off x="683568" y="3789040"/>
             <a:ext cx="7344816" cy="400110"/>
           </a:xfrm>
           <a:prstGeom prst="rect">
@@ -6787,12 +5991,20 @@
           <a:lstStyle/>
           <a:p>
             <a:r>
+              <a:rPr lang="en-US" altLang="ko-KR" sz="2000" b="1" dirty="0">
+                <a:latin typeface="KoPubWorld돋움체_Pro Bold" pitchFamily="50" charset="-127"/>
+                <a:ea typeface="KoPubWorld돋움체_Pro Bold" pitchFamily="50" charset="-127"/>
+                <a:cs typeface="KoPubWorld돋움체_Pro Bold" pitchFamily="50" charset="-127"/>
+              </a:rPr>
+              <a:t>2</a:t>
+            </a:r>
+            <a:r>
               <a:rPr lang="en-US" altLang="ko-KR" sz="2000" b="1" dirty="0" smtClean="0">
                 <a:latin typeface="KoPubWorld돋움체_Pro Bold" pitchFamily="50" charset="-127"/>
                 <a:ea typeface="KoPubWorld돋움체_Pro Bold" pitchFamily="50" charset="-127"/>
                 <a:cs typeface="KoPubWorld돋움체_Pro Bold" pitchFamily="50" charset="-127"/>
               </a:rPr>
-              <a:t>1. </a:t>
+              <a:t>. </a:t>
             </a:r>
             <a:r>
               <a:rPr lang="ko-KR" altLang="en-US" sz="2000" b="1" dirty="0" smtClean="0">
@@ -6800,7 +6012,7 @@
                 <a:ea typeface="KoPubWorld돋움체_Pro Bold" pitchFamily="50" charset="-127"/>
                 <a:cs typeface="KoPubWorld돋움체_Pro Bold" pitchFamily="50" charset="-127"/>
               </a:rPr>
-              <a:t>대용량 실시간 로그를 처에 특화된 카프카 구현 불가능</a:t>
+              <a:t>다양한 기술 습득</a:t>
             </a:r>
             <a:endParaRPr lang="en-US" altLang="ko-KR" sz="2000" b="1" dirty="0">
               <a:latin typeface="KoPubWorld돋움체_Pro Bold" pitchFamily="50" charset="-127"/>
@@ -6812,14 +6024,14 @@
       </p:sp>
       <p:sp>
         <p:nvSpPr>
-          <p:cNvPr id="18" name="직사각형 17"/>
+          <p:cNvPr id="12" name="직사각형 11"/>
           <p:cNvSpPr/>
           <p:nvPr/>
         </p:nvSpPr>
         <p:spPr>
           <a:xfrm>
-            <a:off x="1043608" y="4638035"/>
-            <a:ext cx="6984776" cy="1477328"/>
+            <a:off x="1043608" y="4277995"/>
+            <a:ext cx="6984776" cy="369332"/>
           </a:xfrm>
           <a:prstGeom prst="rect">
             <a:avLst/>
@@ -6832,92 +6044,10 @@
           <a:lstStyle/>
           <a:p>
             <a:r>
-              <a:rPr lang="en-US" altLang="ko-KR" dirty="0" err="1" smtClean="0">
-                <a:ea typeface="KoPubWorld돋움체_Pro Bold"/>
-              </a:rPr>
-              <a:t>RabbitMQ</a:t>
-            </a:r>
-            <a:r>
-              <a:rPr lang="ko-KR" altLang="en-US" dirty="0" smtClean="0">
-                <a:ea typeface="KoPubWorld돋움체_Pro Bold"/>
-              </a:rPr>
-              <a:t>나 </a:t>
-            </a:r>
-            <a:r>
-              <a:rPr lang="en-US" altLang="ko-KR" dirty="0" err="1" smtClean="0">
-                <a:ea typeface="KoPubWorld돋움체_Pro Bold"/>
-              </a:rPr>
-              <a:t>ActiveMQ</a:t>
-            </a:r>
-            <a:r>
-              <a:rPr lang="en-US" altLang="ko-KR" dirty="0" smtClean="0">
-                <a:ea typeface="KoPubWorld돋움체_Pro Bold"/>
-              </a:rPr>
-              <a:t> </a:t>
-            </a:r>
-            <a:r>
-              <a:rPr lang="ko-KR" altLang="en-US" dirty="0" smtClean="0">
-                <a:ea typeface="KoPubWorld돋움체_Pro Bold"/>
-              </a:rPr>
-              <a:t>효율적이며 구성하기 쉽지만 대용량을 </a:t>
-            </a:r>
-            <a:r>
               <a:rPr lang="ko-KR" altLang="en-US" dirty="0" err="1" smtClean="0">
                 <a:ea typeface="KoPubWorld돋움체_Pro Bold"/>
               </a:rPr>
-              <a:t>처리하는것에는</a:t>
-            </a:r>
-            <a:r>
-              <a:rPr lang="ko-KR" altLang="en-US" dirty="0" smtClean="0">
-                <a:ea typeface="KoPubWorld돋움체_Pro Bold"/>
-              </a:rPr>
-              <a:t> </a:t>
-            </a:r>
-            <a:r>
-              <a:rPr lang="en-US" altLang="ko-KR" dirty="0" smtClean="0">
-                <a:ea typeface="KoPubWorld돋움체_Pro Bold"/>
-              </a:rPr>
-              <a:t>Kafka</a:t>
-            </a:r>
-            <a:r>
-              <a:rPr lang="ko-KR" altLang="en-US" dirty="0" smtClean="0">
-                <a:ea typeface="KoPubWorld돋움체_Pro Bold"/>
-              </a:rPr>
-              <a:t>가 더 뛰어남</a:t>
-            </a:r>
-            <a:endParaRPr lang="en-US" altLang="ko-KR" dirty="0" smtClean="0">
-              <a:ea typeface="KoPubWorld돋움체_Pro Bold"/>
-            </a:endParaRPr>
-          </a:p>
-          <a:p>
-            <a:endParaRPr lang="en-US" altLang="ko-KR" dirty="0">
-              <a:ea typeface="KoPubWorld돋움체_Pro Bold"/>
-            </a:endParaRPr>
-          </a:p>
-          <a:p>
-            <a:r>
-              <a:rPr lang="ko-KR" altLang="en-US" dirty="0" err="1" smtClean="0">
-                <a:ea typeface="KoPubWorld돋움체_Pro Bold"/>
-              </a:rPr>
-              <a:t>플럼에서</a:t>
-            </a:r>
-            <a:r>
-              <a:rPr lang="ko-KR" altLang="en-US" dirty="0" smtClean="0">
-                <a:ea typeface="KoPubWorld돋움체_Pro Bold"/>
-              </a:rPr>
-              <a:t> 바로 </a:t>
-            </a:r>
-            <a:r>
-              <a:rPr lang="ko-KR" altLang="en-US" dirty="0" err="1" smtClean="0">
-                <a:ea typeface="KoPubWorld돋움체_Pro Bold"/>
-              </a:rPr>
-              <a:t>하둡으로</a:t>
-            </a:r>
-            <a:r>
-              <a:rPr lang="ko-KR" altLang="en-US" dirty="0" smtClean="0">
-                <a:ea typeface="KoPubWorld돋움체_Pro Bold"/>
-              </a:rPr>
-              <a:t> 적재하려고 시도했으나 과부하가 걸리면서 데이터 유실 발생</a:t>
+              <a:t>ㅁㄴㅇ리ㅏㅓㅣㅏㅓㅏ어ㅑ</a:t>
             </a:r>
             <a:endParaRPr lang="ko-KR" altLang="en-US" dirty="0">
               <a:ea typeface="KoPubWorld돋움체_Pro Bold"/>
@@ -6946,82 +6076,6 @@
 </file>
 
 <file path=ppt/slides/slide6.xml><?xml version="1.0" encoding="utf-8"?>
-<p:sld xmlns:a="http://schemas.openxmlformats.org/drawingml/2006/main" xmlns:r="http://schemas.openxmlformats.org/officeDocument/2006/relationships" xmlns:p="http://schemas.openxmlformats.org/presentationml/2006/main">
-  <p:cSld>
-    <p:spTree>
-      <p:nvGrpSpPr>
-        <p:cNvPr id="1" name=""/>
-        <p:cNvGrpSpPr/>
-        <p:nvPr/>
-      </p:nvGrpSpPr>
-      <p:grpSpPr>
-        <a:xfrm>
-          <a:off x="0" y="0"/>
-          <a:ext cx="0" cy="0"/>
-          <a:chOff x="0" y="0"/>
-          <a:chExt cx="0" cy="0"/>
-        </a:xfrm>
-      </p:grpSpPr>
-      <p:sp>
-        <p:nvSpPr>
-          <p:cNvPr id="7" name="TextBox 6"/>
-          <p:cNvSpPr txBox="1"/>
-          <p:nvPr/>
-        </p:nvSpPr>
-        <p:spPr>
-          <a:xfrm>
-            <a:off x="0" y="3429000"/>
-            <a:ext cx="9144000" cy="400110"/>
-          </a:xfrm>
-          <a:prstGeom prst="rect">
-            <a:avLst/>
-          </a:prstGeom>
-          <a:noFill/>
-        </p:spPr>
-        <p:txBody>
-          <a:bodyPr wrap="square" rtlCol="0">
-            <a:spAutoFit/>
-          </a:bodyPr>
-          <a:lstStyle/>
-          <a:p>
-            <a:pPr algn="ctr"/>
-            <a:r>
-              <a:rPr lang="en-US" altLang="ko-KR" sz="2000" b="1" dirty="0" smtClean="0">
-                <a:latin typeface="KoPubWorld돋움체_Pro Bold" pitchFamily="50" charset="-127"/>
-                <a:ea typeface="KoPubWorld돋움체_Pro Bold" pitchFamily="50" charset="-127"/>
-                <a:cs typeface="KoPubWorld돋움체_Pro Bold" pitchFamily="50" charset="-127"/>
-              </a:rPr>
-              <a:t>Q&amp;A</a:t>
-            </a:r>
-            <a:endParaRPr lang="en-US" altLang="ko-KR" sz="2000" b="1" dirty="0" smtClean="0">
-              <a:latin typeface="KoPubWorld돋움체_Pro Bold" pitchFamily="50" charset="-127"/>
-              <a:ea typeface="KoPubWorld돋움체_Pro Bold" pitchFamily="50" charset="-127"/>
-              <a:cs typeface="KoPubWorld돋움체_Pro Bold" pitchFamily="50" charset="-127"/>
-            </a:endParaRPr>
-          </a:p>
-        </p:txBody>
-      </p:sp>
-    </p:spTree>
-    <p:extLst>
-      <p:ext uri="{BB962C8B-B14F-4D97-AF65-F5344CB8AC3E}">
-        <p14:creationId xmlns:p14="http://schemas.microsoft.com/office/powerpoint/2010/main" val="1716019209"/>
-      </p:ext>
-    </p:extLst>
-  </p:cSld>
-  <p:clrMapOvr>
-    <a:masterClrMapping/>
-  </p:clrMapOvr>
-  <p:timing>
-    <p:tnLst>
-      <p:par>
-        <p:cTn id="1" dur="indefinite" restart="never" nodeType="tmRoot"/>
-      </p:par>
-    </p:tnLst>
-  </p:timing>
-</p:sld>
-</file>
-
-<file path=ppt/slides/slide7.xml><?xml version="1.0" encoding="utf-8"?>
 <p:sld xmlns:a="http://schemas.openxmlformats.org/drawingml/2006/main" xmlns:r="http://schemas.openxmlformats.org/officeDocument/2006/relationships" xmlns:p="http://schemas.openxmlformats.org/presentationml/2006/main">
   <p:cSld>
     <p:spTree>
@@ -7113,141 +6167,7 @@
       </p:sp>
       <p:sp>
         <p:nvSpPr>
-          <p:cNvPr id="11" name="TextBox 10"/>
-          <p:cNvSpPr txBox="1"/>
-          <p:nvPr/>
-        </p:nvSpPr>
-        <p:spPr>
-          <a:xfrm>
-            <a:off x="683568" y="4829090"/>
-            <a:ext cx="6408712" cy="707886"/>
-          </a:xfrm>
-          <a:prstGeom prst="rect">
-            <a:avLst/>
-          </a:prstGeom>
-          <a:noFill/>
-        </p:spPr>
-        <p:txBody>
-          <a:bodyPr wrap="square" rtlCol="0">
-            <a:spAutoFit/>
-          </a:bodyPr>
-          <a:lstStyle/>
-          <a:p>
-            <a:pPr marL="457200" indent="-457200">
-              <a:buAutoNum type="arabicPeriod"/>
-            </a:pPr>
-            <a:r>
-              <a:rPr lang="ko-KR" altLang="en-US" sz="2000" b="1" dirty="0" smtClean="0">
-                <a:latin typeface="KoPubWorld돋움체_Pro Bold" pitchFamily="50" charset="-127"/>
-                <a:ea typeface="KoPubWorld돋움체_Pro Bold" pitchFamily="50" charset="-127"/>
-                <a:cs typeface="KoPubWorld돋움체_Pro Bold" pitchFamily="50" charset="-127"/>
-              </a:rPr>
-              <a:t>대용량 데이터를 수집</a:t>
-            </a:r>
-            <a:r>
-              <a:rPr lang="en-US" altLang="ko-KR" sz="2000" b="1" dirty="0" smtClean="0">
-                <a:latin typeface="KoPubWorld돋움체_Pro Bold" pitchFamily="50" charset="-127"/>
-                <a:ea typeface="KoPubWorld돋움체_Pro Bold" pitchFamily="50" charset="-127"/>
-                <a:cs typeface="KoPubWorld돋움체_Pro Bold" pitchFamily="50" charset="-127"/>
-              </a:rPr>
-              <a:t>, </a:t>
-            </a:r>
-            <a:r>
-              <a:rPr lang="ko-KR" altLang="en-US" sz="2000" b="1" dirty="0" smtClean="0">
-                <a:latin typeface="KoPubWorld돋움체_Pro Bold" pitchFamily="50" charset="-127"/>
-                <a:ea typeface="KoPubWorld돋움체_Pro Bold" pitchFamily="50" charset="-127"/>
-                <a:cs typeface="KoPubWorld돋움체_Pro Bold" pitchFamily="50" charset="-127"/>
-              </a:rPr>
-              <a:t>적재</a:t>
-            </a:r>
-            <a:r>
-              <a:rPr lang="en-US" altLang="ko-KR" sz="2000" b="1" dirty="0" smtClean="0">
-                <a:latin typeface="KoPubWorld돋움체_Pro Bold" pitchFamily="50" charset="-127"/>
-                <a:ea typeface="KoPubWorld돋움체_Pro Bold" pitchFamily="50" charset="-127"/>
-                <a:cs typeface="KoPubWorld돋움체_Pro Bold" pitchFamily="50" charset="-127"/>
-              </a:rPr>
-              <a:t>, </a:t>
-            </a:r>
-            <a:r>
-              <a:rPr lang="ko-KR" altLang="en-US" sz="2000" b="1" dirty="0" smtClean="0">
-                <a:latin typeface="KoPubWorld돋움체_Pro Bold" pitchFamily="50" charset="-127"/>
-                <a:ea typeface="KoPubWorld돋움체_Pro Bold" pitchFamily="50" charset="-127"/>
-                <a:cs typeface="KoPubWorld돋움체_Pro Bold" pitchFamily="50" charset="-127"/>
-              </a:rPr>
-              <a:t>탐색</a:t>
-            </a:r>
-            <a:r>
-              <a:rPr lang="en-US" altLang="ko-KR" sz="2000" b="1" dirty="0" smtClean="0">
-                <a:latin typeface="KoPubWorld돋움체_Pro Bold" pitchFamily="50" charset="-127"/>
-                <a:ea typeface="KoPubWorld돋움체_Pro Bold" pitchFamily="50" charset="-127"/>
-                <a:cs typeface="KoPubWorld돋움체_Pro Bold" pitchFamily="50" charset="-127"/>
-              </a:rPr>
-              <a:t>(</a:t>
-            </a:r>
-            <a:r>
-              <a:rPr lang="ko-KR" altLang="en-US" sz="2000" b="1" dirty="0" smtClean="0">
-                <a:latin typeface="KoPubWorld돋움체_Pro Bold" pitchFamily="50" charset="-127"/>
-                <a:ea typeface="KoPubWorld돋움체_Pro Bold" pitchFamily="50" charset="-127"/>
-                <a:cs typeface="KoPubWorld돋움체_Pro Bold" pitchFamily="50" charset="-127"/>
-              </a:rPr>
-              <a:t>처리</a:t>
-            </a:r>
-            <a:r>
-              <a:rPr lang="en-US" altLang="ko-KR" sz="2000" b="1" dirty="0" smtClean="0">
-                <a:latin typeface="KoPubWorld돋움체_Pro Bold" pitchFamily="50" charset="-127"/>
-                <a:ea typeface="KoPubWorld돋움체_Pro Bold" pitchFamily="50" charset="-127"/>
-                <a:cs typeface="KoPubWorld돋움체_Pro Bold" pitchFamily="50" charset="-127"/>
-              </a:rPr>
-              <a:t>), </a:t>
-            </a:r>
-            <a:r>
-              <a:rPr lang="ko-KR" altLang="en-US" sz="2000" b="1" dirty="0" smtClean="0">
-                <a:latin typeface="KoPubWorld돋움체_Pro Bold" pitchFamily="50" charset="-127"/>
-                <a:ea typeface="KoPubWorld돋움체_Pro Bold" pitchFamily="50" charset="-127"/>
-                <a:cs typeface="KoPubWorld돋움체_Pro Bold" pitchFamily="50" charset="-127"/>
-              </a:rPr>
-              <a:t>분석</a:t>
-            </a:r>
-            <a:r>
-              <a:rPr lang="en-US" altLang="ko-KR" sz="2000" b="1" dirty="0" smtClean="0">
-                <a:latin typeface="KoPubWorld돋움체_Pro Bold" pitchFamily="50" charset="-127"/>
-                <a:ea typeface="KoPubWorld돋움체_Pro Bold" pitchFamily="50" charset="-127"/>
-                <a:cs typeface="KoPubWorld돋움체_Pro Bold" pitchFamily="50" charset="-127"/>
-              </a:rPr>
-              <a:t>(</a:t>
-            </a:r>
-            <a:r>
-              <a:rPr lang="ko-KR" altLang="en-US" sz="2000" b="1" dirty="0" smtClean="0">
-                <a:latin typeface="KoPubWorld돋움체_Pro Bold" pitchFamily="50" charset="-127"/>
-                <a:ea typeface="KoPubWorld돋움체_Pro Bold" pitchFamily="50" charset="-127"/>
-                <a:cs typeface="KoPubWorld돋움체_Pro Bold" pitchFamily="50" charset="-127"/>
-              </a:rPr>
-              <a:t>응용</a:t>
-            </a:r>
-            <a:r>
-              <a:rPr lang="en-US" altLang="ko-KR" sz="2000" b="1" dirty="0" smtClean="0">
-                <a:latin typeface="KoPubWorld돋움체_Pro Bold" pitchFamily="50" charset="-127"/>
-                <a:ea typeface="KoPubWorld돋움체_Pro Bold" pitchFamily="50" charset="-127"/>
-                <a:cs typeface="KoPubWorld돋움체_Pro Bold" pitchFamily="50" charset="-127"/>
-              </a:rPr>
-              <a:t>)</a:t>
-            </a:r>
-          </a:p>
-          <a:p>
-            <a:pPr marL="457200" indent="-457200">
-              <a:buAutoNum type="arabicPeriod"/>
-            </a:pPr>
-            <a:endParaRPr lang="en-US" altLang="ko-KR" sz="2000" b="1" dirty="0" smtClean="0">
-              <a:latin typeface="KoPubWorld돋움체_Pro Bold" pitchFamily="50" charset="-127"/>
-              <a:ea typeface="KoPubWorld돋움체_Pro Bold" pitchFamily="50" charset="-127"/>
-              <a:cs typeface="KoPubWorld돋움체_Pro Bold" pitchFamily="50" charset="-127"/>
-            </a:endParaRPr>
-          </a:p>
-        </p:txBody>
-      </p:sp>
-      <p:sp>
-        <p:nvSpPr>
-          <p:cNvPr id="8" name="TextBox 7"/>
+          <p:cNvPr id="15" name="TextBox 14"/>
           <p:cNvSpPr txBox="1"/>
           <p:nvPr/>
         </p:nvSpPr>
@@ -7273,930 +6193,181 @@
                 <a:ea typeface="KoPubWorld돋움체_Pro Bold" pitchFamily="50" charset="-127"/>
                 <a:cs typeface="KoPubWorld돋움체_Pro Bold" pitchFamily="50" charset="-127"/>
               </a:rPr>
-              <a:t>결론</a:t>
-            </a:r>
-          </a:p>
-        </p:txBody>
-      </p:sp>
-      <p:grpSp>
-        <p:nvGrpSpPr>
-          <p:cNvPr id="13" name="그룹 12"/>
-          <p:cNvGrpSpPr/>
+              <a:t>한계점</a:t>
+            </a:r>
+            <a:endParaRPr lang="en-US" altLang="ko-KR" sz="2000" b="1" dirty="0" smtClean="0">
+              <a:latin typeface="KoPubWorld돋움체_Pro Bold" pitchFamily="50" charset="-127"/>
+              <a:ea typeface="KoPubWorld돋움체_Pro Bold" pitchFamily="50" charset="-127"/>
+              <a:cs typeface="KoPubWorld돋움체_Pro Bold" pitchFamily="50" charset="-127"/>
+            </a:endParaRPr>
+          </a:p>
+        </p:txBody>
+      </p:sp>
+      <p:sp>
+        <p:nvSpPr>
+          <p:cNvPr id="18" name="직사각형 17"/>
+          <p:cNvSpPr/>
           <p:nvPr/>
-        </p:nvGrpSpPr>
-        <p:grpSpPr>
+        </p:nvSpPr>
+        <p:spPr>
           <a:xfrm>
-            <a:off x="144430" y="1340768"/>
-            <a:ext cx="8845936" cy="3176077"/>
-            <a:chOff x="46544" y="1876762"/>
-            <a:chExt cx="8958700" cy="3176077"/>
+            <a:off x="1043608" y="1916832"/>
+            <a:ext cx="6984776" cy="1477328"/>
           </a:xfrm>
-        </p:grpSpPr>
-        <p:sp>
-          <p:nvSpPr>
-            <p:cNvPr id="14" name="직사각형 13"/>
-            <p:cNvSpPr/>
-            <p:nvPr/>
-          </p:nvSpPr>
-          <p:spPr>
-            <a:xfrm>
-              <a:off x="2211640" y="2430292"/>
-              <a:ext cx="2000320" cy="2622547"/>
-            </a:xfrm>
-            <a:prstGeom prst="rect">
-              <a:avLst/>
-            </a:prstGeom>
-            <a:solidFill>
-              <a:schemeClr val="accent5">
-                <a:lumMod val="75000"/>
-                <a:alpha val="20000"/>
-              </a:schemeClr>
-            </a:solidFill>
-            <a:ln w="19050">
-              <a:solidFill>
-                <a:srgbClr val="00B0F0"/>
-              </a:solidFill>
-            </a:ln>
-          </p:spPr>
-          <p:style>
-            <a:lnRef idx="2">
-              <a:schemeClr val="accent1">
-                <a:shade val="50000"/>
-              </a:schemeClr>
-            </a:lnRef>
-            <a:fillRef idx="1">
-              <a:schemeClr val="accent1"/>
-            </a:fillRef>
-            <a:effectRef idx="0">
-              <a:schemeClr val="accent1"/>
-            </a:effectRef>
-            <a:fontRef idx="minor">
-              <a:schemeClr val="lt1"/>
-            </a:fontRef>
-          </p:style>
-          <p:txBody>
-            <a:bodyPr rtlCol="0" anchor="ctr"/>
-            <a:lstStyle/>
-            <a:p>
-              <a:pPr algn="ctr"/>
-              <a:endParaRPr lang="ko-KR" altLang="en-US" sz="1600" b="1" dirty="0">
-                <a:solidFill>
-                  <a:schemeClr val="tx1"/>
-                </a:solidFill>
+          <a:prstGeom prst="rect">
+            <a:avLst/>
+          </a:prstGeom>
+        </p:spPr>
+        <p:txBody>
+          <a:bodyPr wrap="square">
+            <a:spAutoFit/>
+          </a:bodyPr>
+          <a:lstStyle/>
+          <a:p>
+            <a:r>
+              <a:rPr lang="en-US" altLang="ko-KR" dirty="0" err="1" smtClean="0">
                 <a:ea typeface="KoPubWorld돋움체_Pro Bold"/>
-              </a:endParaRPr>
-            </a:p>
-          </p:txBody>
-        </p:sp>
-        <p:sp>
-          <p:nvSpPr>
-            <p:cNvPr id="15" name="직사각형 14"/>
-            <p:cNvSpPr/>
-            <p:nvPr/>
-          </p:nvSpPr>
-          <p:spPr>
-            <a:xfrm>
-              <a:off x="4855832" y="2430292"/>
-              <a:ext cx="1978680" cy="2622547"/>
-            </a:xfrm>
-            <a:prstGeom prst="rect">
-              <a:avLst/>
-            </a:prstGeom>
-            <a:solidFill>
-              <a:schemeClr val="accent5">
-                <a:lumMod val="75000"/>
-                <a:alpha val="20000"/>
-              </a:schemeClr>
-            </a:solidFill>
-            <a:ln w="19050">
-              <a:solidFill>
-                <a:srgbClr val="00B0F0"/>
-              </a:solidFill>
-            </a:ln>
-          </p:spPr>
-          <p:style>
-            <a:lnRef idx="2">
-              <a:schemeClr val="accent1">
-                <a:shade val="50000"/>
-              </a:schemeClr>
-            </a:lnRef>
-            <a:fillRef idx="1">
-              <a:schemeClr val="accent1"/>
-            </a:fillRef>
-            <a:effectRef idx="0">
-              <a:schemeClr val="accent1"/>
-            </a:effectRef>
-            <a:fontRef idx="minor">
-              <a:schemeClr val="lt1"/>
-            </a:fontRef>
-          </p:style>
-          <p:txBody>
-            <a:bodyPr rtlCol="0" anchor="ctr"/>
-            <a:lstStyle/>
-            <a:p>
-              <a:pPr algn="ctr"/>
-              <a:endParaRPr lang="ko-KR" altLang="en-US" sz="1600" b="1" dirty="0">
-                <a:solidFill>
-                  <a:schemeClr val="tx1"/>
-                </a:solidFill>
+              </a:rPr>
+              <a:t>RabbitMQ</a:t>
+            </a:r>
+            <a:r>
+              <a:rPr lang="ko-KR" altLang="en-US" dirty="0" smtClean="0">
                 <a:ea typeface="KoPubWorld돋움체_Pro Bold"/>
-              </a:endParaRPr>
-            </a:p>
-          </p:txBody>
-        </p:sp>
-        <p:sp>
-          <p:nvSpPr>
-            <p:cNvPr id="16" name="직사각형 15"/>
-            <p:cNvSpPr/>
-            <p:nvPr/>
-          </p:nvSpPr>
-          <p:spPr>
-            <a:xfrm>
-              <a:off x="46544" y="2564904"/>
-              <a:ext cx="1521920" cy="720080"/>
-            </a:xfrm>
-            <a:prstGeom prst="rect">
-              <a:avLst/>
-            </a:prstGeom>
-            <a:solidFill>
-              <a:schemeClr val="bg1">
-                <a:lumMod val="75000"/>
-                <a:alpha val="20000"/>
-              </a:schemeClr>
-            </a:solidFill>
-            <a:ln w="19050">
-              <a:solidFill>
-                <a:schemeClr val="tx1">
-                  <a:lumMod val="50000"/>
-                  <a:lumOff val="50000"/>
-                </a:schemeClr>
-              </a:solidFill>
-            </a:ln>
-          </p:spPr>
-          <p:style>
-            <a:lnRef idx="2">
-              <a:schemeClr val="accent1">
-                <a:shade val="50000"/>
-              </a:schemeClr>
-            </a:lnRef>
-            <a:fillRef idx="1">
-              <a:schemeClr val="accent1"/>
-            </a:fillRef>
-            <a:effectRef idx="0">
-              <a:schemeClr val="accent1"/>
-            </a:effectRef>
-            <a:fontRef idx="minor">
-              <a:schemeClr val="lt1"/>
-            </a:fontRef>
-          </p:style>
-          <p:txBody>
-            <a:bodyPr rtlCol="0" anchor="ctr"/>
-            <a:lstStyle/>
-            <a:p>
-              <a:pPr algn="ctr"/>
-              <a:r>
-                <a:rPr lang="ko-KR" altLang="en-US" sz="1600" b="1" dirty="0" err="1" smtClean="0">
-                  <a:solidFill>
-                    <a:schemeClr val="tx1"/>
-                  </a:solidFill>
-                  <a:ea typeface="KoPubWorld돋움체_Pro Bold"/>
-                </a:rPr>
-                <a:t>빅데이터</a:t>
-              </a:r>
-              <a:r>
-                <a:rPr lang="ko-KR" altLang="en-US" sz="1600" b="1" dirty="0" smtClean="0">
-                  <a:solidFill>
-                    <a:schemeClr val="tx1"/>
-                  </a:solidFill>
-                  <a:ea typeface="KoPubWorld돋움체_Pro Bold"/>
-                </a:rPr>
-                <a:t> 수집</a:t>
-              </a:r>
-              <a:endParaRPr lang="ko-KR" altLang="en-US" sz="1600" b="1" dirty="0">
-                <a:solidFill>
-                  <a:schemeClr val="tx1"/>
-                </a:solidFill>
+              </a:rPr>
+              <a:t>나 </a:t>
+            </a:r>
+            <a:r>
+              <a:rPr lang="en-US" altLang="ko-KR" dirty="0" err="1" smtClean="0">
                 <a:ea typeface="KoPubWorld돋움체_Pro Bold"/>
-              </a:endParaRPr>
-            </a:p>
-          </p:txBody>
-        </p:sp>
-        <p:sp>
-          <p:nvSpPr>
-            <p:cNvPr id="17" name="직사각형 16"/>
-            <p:cNvSpPr/>
-            <p:nvPr/>
-          </p:nvSpPr>
-          <p:spPr>
-            <a:xfrm>
-              <a:off x="7483324" y="2560591"/>
-              <a:ext cx="1521920" cy="720080"/>
-            </a:xfrm>
-            <a:prstGeom prst="rect">
-              <a:avLst/>
-            </a:prstGeom>
-            <a:solidFill>
-              <a:schemeClr val="bg1">
-                <a:lumMod val="75000"/>
-                <a:alpha val="20000"/>
-              </a:schemeClr>
-            </a:solidFill>
-            <a:ln w="19050">
-              <a:solidFill>
-                <a:schemeClr val="tx1">
-                  <a:lumMod val="50000"/>
-                  <a:lumOff val="50000"/>
-                </a:schemeClr>
-              </a:solidFill>
-            </a:ln>
-          </p:spPr>
-          <p:style>
-            <a:lnRef idx="2">
-              <a:schemeClr val="accent1">
-                <a:shade val="50000"/>
-              </a:schemeClr>
-            </a:lnRef>
-            <a:fillRef idx="1">
-              <a:schemeClr val="accent1"/>
-            </a:fillRef>
-            <a:effectRef idx="0">
-              <a:schemeClr val="accent1"/>
-            </a:effectRef>
-            <a:fontRef idx="minor">
-              <a:schemeClr val="lt1"/>
-            </a:fontRef>
-          </p:style>
-          <p:txBody>
-            <a:bodyPr rtlCol="0" anchor="ctr"/>
-            <a:lstStyle/>
-            <a:p>
-              <a:pPr algn="ctr"/>
-              <a:r>
-                <a:rPr lang="ko-KR" altLang="en-US" sz="1600" b="1" dirty="0" err="1" smtClean="0">
-                  <a:solidFill>
-                    <a:schemeClr val="tx1"/>
-                  </a:solidFill>
-                  <a:ea typeface="KoPubWorld돋움체_Pro Bold"/>
-                </a:rPr>
-                <a:t>빅데이터</a:t>
-              </a:r>
-              <a:endParaRPr lang="en-US" altLang="ko-KR" sz="1600" b="1" dirty="0" smtClean="0">
-                <a:solidFill>
-                  <a:schemeClr val="tx1"/>
-                </a:solidFill>
+              </a:rPr>
+              <a:t>ActiveMQ</a:t>
+            </a:r>
+            <a:r>
+              <a:rPr lang="en-US" altLang="ko-KR" dirty="0" smtClean="0">
                 <a:ea typeface="KoPubWorld돋움체_Pro Bold"/>
-              </a:endParaRPr>
-            </a:p>
-            <a:p>
-              <a:pPr algn="ctr"/>
-              <a:r>
-                <a:rPr lang="ko-KR" altLang="en-US" sz="1600" b="1" dirty="0" smtClean="0">
-                  <a:solidFill>
-                    <a:schemeClr val="tx1"/>
-                  </a:solidFill>
-                  <a:ea typeface="KoPubWorld돋움체_Pro Bold"/>
-                </a:rPr>
-                <a:t>시각화</a:t>
-              </a:r>
-              <a:r>
-                <a:rPr lang="en-US" altLang="ko-KR" sz="1600" b="1" dirty="0" smtClean="0">
-                  <a:solidFill>
-                    <a:schemeClr val="tx1"/>
-                  </a:solidFill>
-                  <a:ea typeface="KoPubWorld돋움체_Pro Bold"/>
-                </a:rPr>
-                <a:t>/</a:t>
-              </a:r>
-              <a:r>
-                <a:rPr lang="ko-KR" altLang="en-US" sz="1600" b="1" dirty="0" smtClean="0">
-                  <a:solidFill>
-                    <a:schemeClr val="tx1"/>
-                  </a:solidFill>
-                  <a:ea typeface="KoPubWorld돋움체_Pro Bold"/>
-                </a:rPr>
-                <a:t>정보화</a:t>
-              </a:r>
-              <a:endParaRPr lang="ko-KR" altLang="en-US" sz="1600" b="1" dirty="0">
-                <a:solidFill>
-                  <a:schemeClr val="tx1"/>
-                </a:solidFill>
+              </a:rPr>
+              <a:t> </a:t>
+            </a:r>
+            <a:r>
+              <a:rPr lang="ko-KR" altLang="en-US" dirty="0" smtClean="0">
                 <a:ea typeface="KoPubWorld돋움체_Pro Bold"/>
-              </a:endParaRPr>
-            </a:p>
-          </p:txBody>
-        </p:sp>
-        <p:sp>
-          <p:nvSpPr>
-            <p:cNvPr id="18" name="직사각형 17"/>
-            <p:cNvSpPr/>
-            <p:nvPr/>
-          </p:nvSpPr>
-          <p:spPr>
-            <a:xfrm>
-              <a:off x="2382500" y="2614504"/>
-              <a:ext cx="1709936" cy="639688"/>
-            </a:xfrm>
-            <a:prstGeom prst="rect">
-              <a:avLst/>
-            </a:prstGeom>
-            <a:solidFill>
-              <a:srgbClr val="E4E923">
-                <a:alpha val="20000"/>
-              </a:srgbClr>
-            </a:solidFill>
-            <a:ln w="19050">
-              <a:solidFill>
-                <a:srgbClr val="FFC000"/>
-              </a:solidFill>
-            </a:ln>
-          </p:spPr>
-          <p:style>
-            <a:lnRef idx="2">
-              <a:schemeClr val="accent1">
-                <a:shade val="50000"/>
-              </a:schemeClr>
-            </a:lnRef>
-            <a:fillRef idx="1">
-              <a:schemeClr val="accent1"/>
-            </a:fillRef>
-            <a:effectRef idx="0">
-              <a:schemeClr val="accent1"/>
-            </a:effectRef>
-            <a:fontRef idx="minor">
-              <a:schemeClr val="lt1"/>
-            </a:fontRef>
-          </p:style>
-          <p:txBody>
-            <a:bodyPr rtlCol="0" anchor="ctr"/>
-            <a:lstStyle/>
-            <a:p>
-              <a:pPr algn="ctr"/>
-              <a:r>
-                <a:rPr lang="ko-KR" altLang="en-US" sz="1600" b="1" dirty="0" err="1" smtClean="0">
-                  <a:solidFill>
-                    <a:schemeClr val="tx1"/>
-                  </a:solidFill>
-                  <a:ea typeface="KoPubWorld돋움체_Pro Bold"/>
-                </a:rPr>
-                <a:t>빅데이터</a:t>
-              </a:r>
-              <a:r>
-                <a:rPr lang="ko-KR" altLang="en-US" sz="1600" b="1" dirty="0" smtClean="0">
-                  <a:solidFill>
-                    <a:schemeClr val="tx1"/>
-                  </a:solidFill>
-                  <a:ea typeface="KoPubWorld돋움체_Pro Bold"/>
-                </a:rPr>
-                <a:t> 처리</a:t>
-              </a:r>
-              <a:endParaRPr lang="ko-KR" altLang="en-US" sz="1600" b="1" dirty="0">
-                <a:solidFill>
-                  <a:schemeClr val="tx1"/>
-                </a:solidFill>
+              </a:rPr>
+              <a:t>효율적이며 구성하기 쉽지만 대용량을 </a:t>
+            </a:r>
+            <a:r>
+              <a:rPr lang="ko-KR" altLang="en-US" dirty="0" err="1" smtClean="0">
                 <a:ea typeface="KoPubWorld돋움체_Pro Bold"/>
-              </a:endParaRPr>
-            </a:p>
-          </p:txBody>
-        </p:sp>
-        <p:sp>
-          <p:nvSpPr>
-            <p:cNvPr id="19" name="직사각형 18"/>
-            <p:cNvSpPr/>
-            <p:nvPr/>
-          </p:nvSpPr>
-          <p:spPr>
-            <a:xfrm>
-              <a:off x="2382500" y="3486984"/>
-              <a:ext cx="1709936" cy="639688"/>
-            </a:xfrm>
-            <a:prstGeom prst="rect">
-              <a:avLst/>
-            </a:prstGeom>
-            <a:solidFill>
-              <a:srgbClr val="E4E923">
-                <a:alpha val="20000"/>
-              </a:srgbClr>
-            </a:solidFill>
-            <a:ln w="19050">
-              <a:solidFill>
-                <a:srgbClr val="FFC000"/>
-              </a:solidFill>
-            </a:ln>
-          </p:spPr>
-          <p:style>
-            <a:lnRef idx="2">
-              <a:schemeClr val="accent1">
-                <a:shade val="50000"/>
-              </a:schemeClr>
-            </a:lnRef>
-            <a:fillRef idx="1">
-              <a:schemeClr val="accent1"/>
-            </a:fillRef>
-            <a:effectRef idx="0">
-              <a:schemeClr val="accent1"/>
-            </a:effectRef>
-            <a:fontRef idx="minor">
-              <a:schemeClr val="lt1"/>
-            </a:fontRef>
-          </p:style>
-          <p:txBody>
-            <a:bodyPr rtlCol="0" anchor="ctr"/>
-            <a:lstStyle/>
-            <a:p>
-              <a:pPr algn="ctr"/>
-              <a:r>
-                <a:rPr lang="ko-KR" altLang="en-US" sz="1600" b="1" dirty="0" err="1" smtClean="0">
-                  <a:solidFill>
-                    <a:schemeClr val="tx1"/>
-                  </a:solidFill>
-                  <a:ea typeface="KoPubWorld돋움체_Pro Bold"/>
-                </a:rPr>
-                <a:t>빅데이터</a:t>
-              </a:r>
-              <a:endParaRPr lang="en-US" altLang="ko-KR" sz="1600" b="1" dirty="0" smtClean="0">
-                <a:solidFill>
-                  <a:schemeClr val="tx1"/>
-                </a:solidFill>
+              </a:rPr>
+              <a:t>처리하는것에는</a:t>
+            </a:r>
+            <a:r>
+              <a:rPr lang="ko-KR" altLang="en-US" dirty="0" smtClean="0">
                 <a:ea typeface="KoPubWorld돋움체_Pro Bold"/>
-              </a:endParaRPr>
-            </a:p>
-            <a:p>
-              <a:pPr algn="ctr"/>
-              <a:r>
-                <a:rPr lang="ko-KR" altLang="en-US" sz="1600" b="1" dirty="0" smtClean="0">
-                  <a:solidFill>
-                    <a:schemeClr val="tx1"/>
-                  </a:solidFill>
-                  <a:ea typeface="KoPubWorld돋움체_Pro Bold"/>
-                </a:rPr>
-                <a:t>저장소 선정</a:t>
-              </a:r>
-              <a:endParaRPr lang="ko-KR" altLang="en-US" sz="1600" b="1" dirty="0">
-                <a:solidFill>
-                  <a:schemeClr val="tx1"/>
-                </a:solidFill>
+              </a:rPr>
+              <a:t> </a:t>
+            </a:r>
+            <a:r>
+              <a:rPr lang="en-US" altLang="ko-KR" dirty="0" smtClean="0">
                 <a:ea typeface="KoPubWorld돋움체_Pro Bold"/>
-              </a:endParaRPr>
-            </a:p>
-          </p:txBody>
-        </p:sp>
-        <p:sp>
-          <p:nvSpPr>
-            <p:cNvPr id="20" name="직사각형 19"/>
-            <p:cNvSpPr/>
-            <p:nvPr/>
-          </p:nvSpPr>
-          <p:spPr>
-            <a:xfrm>
-              <a:off x="2382500" y="4300590"/>
-              <a:ext cx="1709936" cy="639688"/>
-            </a:xfrm>
-            <a:prstGeom prst="rect">
-              <a:avLst/>
-            </a:prstGeom>
-            <a:noFill/>
-            <a:ln w="19050">
-              <a:noFill/>
-            </a:ln>
-          </p:spPr>
-          <p:style>
-            <a:lnRef idx="2">
-              <a:schemeClr val="accent1">
-                <a:shade val="50000"/>
-              </a:schemeClr>
-            </a:lnRef>
-            <a:fillRef idx="1">
-              <a:schemeClr val="accent1"/>
-            </a:fillRef>
-            <a:effectRef idx="0">
-              <a:schemeClr val="accent1"/>
-            </a:effectRef>
-            <a:fontRef idx="minor">
-              <a:schemeClr val="lt1"/>
-            </a:fontRef>
-          </p:style>
-          <p:txBody>
-            <a:bodyPr rtlCol="0" anchor="ctr"/>
-            <a:lstStyle/>
-            <a:p>
-              <a:pPr algn="ctr"/>
-              <a:r>
-                <a:rPr lang="ko-KR" altLang="en-US" sz="1600" b="1" dirty="0" err="1" smtClean="0">
-                  <a:solidFill>
-                    <a:schemeClr val="tx1"/>
-                  </a:solidFill>
-                  <a:ea typeface="KoPubWorld돋움체_Pro Bold"/>
-                </a:rPr>
-                <a:t>빅데이터</a:t>
-              </a:r>
-              <a:r>
-                <a:rPr lang="ko-KR" altLang="en-US" sz="1600" b="1" dirty="0" smtClean="0">
-                  <a:solidFill>
-                    <a:schemeClr val="tx1"/>
-                  </a:solidFill>
-                  <a:ea typeface="KoPubWorld돋움체_Pro Bold"/>
-                </a:rPr>
-                <a:t> 전처리</a:t>
-              </a:r>
-              <a:endParaRPr lang="en-US" altLang="ko-KR" sz="1600" b="1" dirty="0">
-                <a:solidFill>
-                  <a:schemeClr val="tx1"/>
-                </a:solidFill>
+              </a:rPr>
+              <a:t>Kafka</a:t>
+            </a:r>
+            <a:r>
+              <a:rPr lang="ko-KR" altLang="en-US" dirty="0" smtClean="0">
                 <a:ea typeface="KoPubWorld돋움체_Pro Bold"/>
-              </a:endParaRPr>
-            </a:p>
-          </p:txBody>
-        </p:sp>
-        <p:sp>
-          <p:nvSpPr>
-            <p:cNvPr id="21" name="직사각형 20"/>
-            <p:cNvSpPr/>
-            <p:nvPr/>
-          </p:nvSpPr>
-          <p:spPr>
-            <a:xfrm>
-              <a:off x="4958010" y="2620143"/>
-              <a:ext cx="1709936" cy="638758"/>
-            </a:xfrm>
-            <a:prstGeom prst="rect">
-              <a:avLst/>
-            </a:prstGeom>
-            <a:solidFill>
-              <a:srgbClr val="E4E923">
-                <a:alpha val="20000"/>
-              </a:srgbClr>
-            </a:solidFill>
-            <a:ln w="19050">
-              <a:solidFill>
-                <a:srgbClr val="FFC000"/>
-              </a:solidFill>
-            </a:ln>
-          </p:spPr>
-          <p:style>
-            <a:lnRef idx="2">
-              <a:schemeClr val="accent1">
-                <a:shade val="50000"/>
-              </a:schemeClr>
-            </a:lnRef>
-            <a:fillRef idx="1">
-              <a:schemeClr val="accent1"/>
-            </a:fillRef>
-            <a:effectRef idx="0">
-              <a:schemeClr val="accent1"/>
-            </a:effectRef>
-            <a:fontRef idx="minor">
-              <a:schemeClr val="lt1"/>
-            </a:fontRef>
-          </p:style>
-          <p:txBody>
-            <a:bodyPr rtlCol="0" anchor="ctr"/>
-            <a:lstStyle/>
-            <a:p>
-              <a:pPr algn="ctr"/>
-              <a:r>
-                <a:rPr lang="ko-KR" altLang="en-US" sz="1600" b="1" dirty="0" err="1" smtClean="0">
-                  <a:solidFill>
-                    <a:schemeClr val="tx1"/>
-                  </a:solidFill>
-                  <a:ea typeface="KoPubWorld돋움체_Pro Bold"/>
-                </a:rPr>
-                <a:t>빅데이터</a:t>
-              </a:r>
-              <a:r>
-                <a:rPr lang="ko-KR" altLang="en-US" sz="1600" b="1" dirty="0" smtClean="0">
-                  <a:solidFill>
-                    <a:schemeClr val="tx1"/>
-                  </a:solidFill>
-                  <a:ea typeface="KoPubWorld돋움체_Pro Bold"/>
-                </a:rPr>
-                <a:t> 저장</a:t>
-              </a:r>
-              <a:endParaRPr lang="ko-KR" altLang="en-US" sz="1600" b="1" dirty="0">
-                <a:solidFill>
-                  <a:schemeClr val="tx1"/>
-                </a:solidFill>
+              </a:rPr>
+              <a:t>가 더 뛰어남</a:t>
+            </a:r>
+            <a:endParaRPr lang="en-US" altLang="ko-KR" dirty="0" smtClean="0">
+              <a:ea typeface="KoPubWorld돋움체_Pro Bold"/>
+            </a:endParaRPr>
+          </a:p>
+          <a:p>
+            <a:endParaRPr lang="en-US" altLang="ko-KR" dirty="0">
+              <a:ea typeface="KoPubWorld돋움체_Pro Bold"/>
+            </a:endParaRPr>
+          </a:p>
+          <a:p>
+            <a:r>
+              <a:rPr lang="ko-KR" altLang="en-US" dirty="0" err="1" smtClean="0">
                 <a:ea typeface="KoPubWorld돋움체_Pro Bold"/>
-              </a:endParaRPr>
-            </a:p>
-          </p:txBody>
-        </p:sp>
-        <p:sp>
-          <p:nvSpPr>
-            <p:cNvPr id="22" name="직사각형 21"/>
-            <p:cNvSpPr/>
-            <p:nvPr/>
-          </p:nvSpPr>
-          <p:spPr>
-            <a:xfrm>
-              <a:off x="4958010" y="3486586"/>
-              <a:ext cx="1709936" cy="638758"/>
-            </a:xfrm>
-            <a:prstGeom prst="rect">
-              <a:avLst/>
-            </a:prstGeom>
-            <a:solidFill>
-              <a:srgbClr val="E4E923">
-                <a:alpha val="20000"/>
-              </a:srgbClr>
-            </a:solidFill>
-            <a:ln w="19050">
-              <a:solidFill>
-                <a:srgbClr val="FFC000"/>
-              </a:solidFill>
-            </a:ln>
-          </p:spPr>
-          <p:style>
-            <a:lnRef idx="2">
-              <a:schemeClr val="accent1">
-                <a:shade val="50000"/>
-              </a:schemeClr>
-            </a:lnRef>
-            <a:fillRef idx="1">
-              <a:schemeClr val="accent1"/>
-            </a:fillRef>
-            <a:effectRef idx="0">
-              <a:schemeClr val="accent1"/>
-            </a:effectRef>
-            <a:fontRef idx="minor">
-              <a:schemeClr val="lt1"/>
-            </a:fontRef>
-          </p:style>
-          <p:txBody>
-            <a:bodyPr rtlCol="0" anchor="ctr"/>
-            <a:lstStyle/>
-            <a:p>
-              <a:pPr algn="ctr"/>
-              <a:r>
-                <a:rPr lang="ko-KR" altLang="en-US" sz="1600" b="1" dirty="0" err="1" smtClean="0">
-                  <a:solidFill>
-                    <a:schemeClr val="tx1"/>
-                  </a:solidFill>
-                  <a:ea typeface="KoPubWorld돋움체_Pro Bold"/>
-                </a:rPr>
-                <a:t>빅데이터</a:t>
-              </a:r>
-              <a:endParaRPr lang="en-US" altLang="ko-KR" sz="1600" b="1" dirty="0" smtClean="0">
-                <a:solidFill>
-                  <a:schemeClr val="tx1"/>
-                </a:solidFill>
+              </a:rPr>
+              <a:t>플럼에서</a:t>
+            </a:r>
+            <a:r>
+              <a:rPr lang="ko-KR" altLang="en-US" dirty="0" smtClean="0">
                 <a:ea typeface="KoPubWorld돋움체_Pro Bold"/>
-              </a:endParaRPr>
-            </a:p>
-            <a:p>
-              <a:pPr algn="ctr"/>
-              <a:r>
-                <a:rPr lang="ko-KR" altLang="en-US" sz="1600" b="1" dirty="0" smtClean="0">
-                  <a:solidFill>
-                    <a:schemeClr val="tx1"/>
-                  </a:solidFill>
-                  <a:ea typeface="KoPubWorld돋움체_Pro Bold"/>
-                </a:rPr>
-                <a:t>품질관</a:t>
-              </a:r>
-              <a:r>
-                <a:rPr lang="ko-KR" altLang="en-US" sz="1600" b="1" dirty="0">
-                  <a:solidFill>
-                    <a:schemeClr val="tx1"/>
-                  </a:solidFill>
-                  <a:ea typeface="KoPubWorld돋움체_Pro Bold"/>
-                </a:rPr>
-                <a:t>리</a:t>
-              </a:r>
-            </a:p>
-          </p:txBody>
-        </p:sp>
-        <p:sp>
-          <p:nvSpPr>
-            <p:cNvPr id="23" name="직사각형 22"/>
-            <p:cNvSpPr/>
-            <p:nvPr/>
-          </p:nvSpPr>
-          <p:spPr>
-            <a:xfrm>
-              <a:off x="4962304" y="4301684"/>
-              <a:ext cx="1709936" cy="638758"/>
-            </a:xfrm>
-            <a:prstGeom prst="rect">
-              <a:avLst/>
-            </a:prstGeom>
-            <a:noFill/>
-            <a:ln w="19050">
-              <a:noFill/>
-            </a:ln>
-          </p:spPr>
-          <p:style>
-            <a:lnRef idx="2">
-              <a:schemeClr val="accent1">
-                <a:shade val="50000"/>
-              </a:schemeClr>
-            </a:lnRef>
-            <a:fillRef idx="1">
-              <a:schemeClr val="accent1"/>
-            </a:fillRef>
-            <a:effectRef idx="0">
-              <a:schemeClr val="accent1"/>
-            </a:effectRef>
-            <a:fontRef idx="minor">
-              <a:schemeClr val="lt1"/>
-            </a:fontRef>
-          </p:style>
-          <p:txBody>
-            <a:bodyPr rtlCol="0" anchor="ctr"/>
-            <a:lstStyle/>
-            <a:p>
-              <a:pPr algn="ctr"/>
-              <a:r>
-                <a:rPr lang="ko-KR" altLang="en-US" sz="1600" b="1" dirty="0" err="1" smtClean="0">
-                  <a:solidFill>
-                    <a:schemeClr val="tx1"/>
-                  </a:solidFill>
-                  <a:ea typeface="KoPubWorld돋움체_Pro Bold"/>
-                </a:rPr>
-                <a:t>빅데이터</a:t>
-              </a:r>
-              <a:r>
-                <a:rPr lang="ko-KR" altLang="en-US" sz="1600" b="1" dirty="0" smtClean="0">
-                  <a:solidFill>
-                    <a:schemeClr val="tx1"/>
-                  </a:solidFill>
-                  <a:ea typeface="KoPubWorld돋움체_Pro Bold"/>
-                </a:rPr>
-                <a:t> 후처리</a:t>
-              </a:r>
-              <a:endParaRPr lang="en-US" altLang="ko-KR" sz="1600" b="1" dirty="0">
-                <a:solidFill>
-                  <a:schemeClr val="tx1"/>
-                </a:solidFill>
+              </a:rPr>
+              <a:t> 바로 </a:t>
+            </a:r>
+            <a:r>
+              <a:rPr lang="ko-KR" altLang="en-US" dirty="0" err="1" smtClean="0">
                 <a:ea typeface="KoPubWorld돋움체_Pro Bold"/>
-              </a:endParaRPr>
-            </a:p>
-          </p:txBody>
-        </p:sp>
-        <p:cxnSp>
-          <p:nvCxnSpPr>
-            <p:cNvPr id="24" name="직선 화살표 연결선 23"/>
-            <p:cNvCxnSpPr>
-              <a:stCxn id="16" idx="3"/>
-            </p:cNvCxnSpPr>
-            <p:nvPr/>
-          </p:nvCxnSpPr>
-          <p:spPr>
-            <a:xfrm>
-              <a:off x="1568464" y="2924944"/>
-              <a:ext cx="638320" cy="0"/>
-            </a:xfrm>
-            <a:prstGeom prst="straightConnector1">
-              <a:avLst/>
-            </a:prstGeom>
-            <a:ln w="19050">
-              <a:solidFill>
-                <a:schemeClr val="tx1">
-                  <a:lumMod val="50000"/>
-                  <a:lumOff val="50000"/>
-                </a:schemeClr>
-              </a:solidFill>
-              <a:tailEnd type="arrow"/>
-            </a:ln>
-          </p:spPr>
-          <p:style>
-            <a:lnRef idx="1">
-              <a:schemeClr val="accent1"/>
-            </a:lnRef>
-            <a:fillRef idx="0">
-              <a:schemeClr val="accent1"/>
-            </a:fillRef>
-            <a:effectRef idx="0">
-              <a:schemeClr val="accent1"/>
-            </a:effectRef>
-            <a:fontRef idx="minor">
-              <a:schemeClr val="tx1"/>
-            </a:fontRef>
-          </p:style>
-        </p:cxnSp>
-        <p:cxnSp>
-          <p:nvCxnSpPr>
-            <p:cNvPr id="25" name="직선 화살표 연결선 24"/>
-            <p:cNvCxnSpPr>
-              <a:endCxn id="17" idx="1"/>
-            </p:cNvCxnSpPr>
-            <p:nvPr/>
-          </p:nvCxnSpPr>
-          <p:spPr>
-            <a:xfrm>
-              <a:off x="6834914" y="2920631"/>
-              <a:ext cx="648410" cy="0"/>
-            </a:xfrm>
-            <a:prstGeom prst="straightConnector1">
-              <a:avLst/>
-            </a:prstGeom>
-            <a:ln w="19050">
-              <a:solidFill>
-                <a:schemeClr val="tx1">
-                  <a:lumMod val="50000"/>
-                  <a:lumOff val="50000"/>
-                </a:schemeClr>
-              </a:solidFill>
-              <a:tailEnd type="arrow"/>
-            </a:ln>
-          </p:spPr>
-          <p:style>
-            <a:lnRef idx="1">
-              <a:schemeClr val="accent1"/>
-            </a:lnRef>
-            <a:fillRef idx="0">
-              <a:schemeClr val="accent1"/>
-            </a:fillRef>
-            <a:effectRef idx="0">
-              <a:schemeClr val="accent1"/>
-            </a:effectRef>
-            <a:fontRef idx="minor">
-              <a:schemeClr val="tx1"/>
-            </a:fontRef>
-          </p:style>
-        </p:cxnSp>
-        <p:cxnSp>
-          <p:nvCxnSpPr>
-            <p:cNvPr id="26" name="직선 화살표 연결선 25"/>
-            <p:cNvCxnSpPr/>
-            <p:nvPr/>
-          </p:nvCxnSpPr>
-          <p:spPr>
-            <a:xfrm>
-              <a:off x="4211960" y="2924944"/>
-              <a:ext cx="643871" cy="0"/>
-            </a:xfrm>
-            <a:prstGeom prst="straightConnector1">
-              <a:avLst/>
-            </a:prstGeom>
-            <a:ln w="19050">
-              <a:solidFill>
-                <a:srgbClr val="FFC000"/>
-              </a:solidFill>
-              <a:tailEnd type="arrow"/>
-            </a:ln>
-          </p:spPr>
-          <p:style>
-            <a:lnRef idx="1">
-              <a:schemeClr val="accent1"/>
-            </a:lnRef>
-            <a:fillRef idx="0">
-              <a:schemeClr val="accent1"/>
-            </a:fillRef>
-            <a:effectRef idx="0">
-              <a:schemeClr val="accent1"/>
-            </a:effectRef>
-            <a:fontRef idx="minor">
-              <a:schemeClr val="tx1"/>
-            </a:fontRef>
-          </p:style>
-        </p:cxnSp>
-        <p:sp>
-          <p:nvSpPr>
-            <p:cNvPr id="27" name="TextBox 26"/>
-            <p:cNvSpPr txBox="1"/>
-            <p:nvPr/>
-          </p:nvSpPr>
-          <p:spPr>
-            <a:xfrm>
-              <a:off x="2944469" y="1876762"/>
-              <a:ext cx="3183392" cy="400110"/>
-            </a:xfrm>
-            <a:prstGeom prst="rect">
-              <a:avLst/>
-            </a:prstGeom>
-            <a:noFill/>
-          </p:spPr>
-          <p:txBody>
-            <a:bodyPr wrap="square" rtlCol="0">
-              <a:spAutoFit/>
-            </a:bodyPr>
-            <a:lstStyle/>
-            <a:p>
-              <a:pPr algn="ctr"/>
-              <a:r>
-                <a:rPr lang="ko-KR" altLang="en-US" sz="2000" b="1" dirty="0" err="1" smtClean="0">
-                  <a:latin typeface="KoPubWorld돋움체_Pro Bold" pitchFamily="50" charset="-127"/>
-                  <a:ea typeface="KoPubWorld돋움체_Pro Bold" pitchFamily="50" charset="-127"/>
-                  <a:cs typeface="KoPubWorld돋움체_Pro Bold" pitchFamily="50" charset="-127"/>
-                </a:rPr>
-                <a:t>빅데이터</a:t>
-              </a:r>
-              <a:r>
-                <a:rPr lang="ko-KR" altLang="en-US" sz="2000" b="1" dirty="0" smtClean="0">
-                  <a:latin typeface="KoPubWorld돋움체_Pro Bold" pitchFamily="50" charset="-127"/>
-                  <a:ea typeface="KoPubWorld돋움체_Pro Bold" pitchFamily="50" charset="-127"/>
-                  <a:cs typeface="KoPubWorld돋움체_Pro Bold" pitchFamily="50" charset="-127"/>
-                </a:rPr>
-                <a:t> 정제</a:t>
-              </a:r>
-            </a:p>
-          </p:txBody>
-        </p:sp>
-      </p:grpSp>
+              </a:rPr>
+              <a:t>하둡으로</a:t>
+            </a:r>
+            <a:r>
+              <a:rPr lang="ko-KR" altLang="en-US" dirty="0" smtClean="0">
+                <a:ea typeface="KoPubWorld돋움체_Pro Bold"/>
+              </a:rPr>
+              <a:t> 적재하려고 시도했으나 과부하가 걸리면서 데이터 유실 발생</a:t>
+            </a:r>
+            <a:endParaRPr lang="ko-KR" altLang="en-US" dirty="0">
+              <a:ea typeface="KoPubWorld돋움체_Pro Bold"/>
+            </a:endParaRPr>
+          </a:p>
+        </p:txBody>
+      </p:sp>
+      <p:sp>
+        <p:nvSpPr>
+          <p:cNvPr id="10" name="TextBox 9"/>
+          <p:cNvSpPr txBox="1"/>
+          <p:nvPr/>
+        </p:nvSpPr>
+        <p:spPr>
+          <a:xfrm>
+            <a:off x="683568" y="1340768"/>
+            <a:ext cx="7344816" cy="400110"/>
+          </a:xfrm>
+          <a:prstGeom prst="rect">
+            <a:avLst/>
+          </a:prstGeom>
+          <a:noFill/>
+        </p:spPr>
+        <p:txBody>
+          <a:bodyPr wrap="square" rtlCol="0">
+            <a:spAutoFit/>
+          </a:bodyPr>
+          <a:lstStyle/>
+          <a:p>
+            <a:r>
+              <a:rPr lang="en-US" altLang="ko-KR" sz="2000" b="1" dirty="0">
+                <a:latin typeface="KoPubWorld돋움체_Pro Bold" pitchFamily="50" charset="-127"/>
+                <a:ea typeface="KoPubWorld돋움체_Pro Bold" pitchFamily="50" charset="-127"/>
+                <a:cs typeface="KoPubWorld돋움체_Pro Bold" pitchFamily="50" charset="-127"/>
+              </a:rPr>
+              <a:t>1. </a:t>
+            </a:r>
+            <a:r>
+              <a:rPr lang="ko-KR" altLang="en-US" sz="2000" b="1" dirty="0">
+                <a:latin typeface="KoPubWorld돋움체_Pro Bold" pitchFamily="50" charset="-127"/>
+                <a:ea typeface="KoPubWorld돋움체_Pro Bold" pitchFamily="50" charset="-127"/>
+                <a:cs typeface="KoPubWorld돋움체_Pro Bold" pitchFamily="50" charset="-127"/>
+              </a:rPr>
+              <a:t>대용량 실시간 로그를 처에 특화된 카프카 구현 불가능</a:t>
+            </a:r>
+            <a:endParaRPr lang="en-US" altLang="ko-KR" sz="2000" b="1" dirty="0">
+              <a:latin typeface="KoPubWorld돋움체_Pro Bold" pitchFamily="50" charset="-127"/>
+              <a:ea typeface="KoPubWorld돋움체_Pro Bold" pitchFamily="50" charset="-127"/>
+              <a:cs typeface="KoPubWorld돋움체_Pro Bold" pitchFamily="50" charset="-127"/>
+            </a:endParaRPr>
+          </a:p>
+        </p:txBody>
+      </p:sp>
     </p:spTree>
     <p:extLst>
       <p:ext uri="{BB962C8B-B14F-4D97-AF65-F5344CB8AC3E}">
-        <p14:creationId xmlns:p14="http://schemas.microsoft.com/office/powerpoint/2010/main" val="3227570537"/>
+        <p14:creationId xmlns:p14="http://schemas.microsoft.com/office/powerpoint/2010/main" val="2817086326"/>
       </p:ext>
     </p:extLst>
   </p:cSld>
@@ -8213,7 +6384,7 @@
 </p:sld>
 </file>
 
-<file path=ppt/slides/slide8.xml><?xml version="1.0" encoding="utf-8"?>
+<file path=ppt/slides/slide7.xml><?xml version="1.0" encoding="utf-8"?>
 <p:sld xmlns:a="http://schemas.openxmlformats.org/drawingml/2006/main" xmlns:r="http://schemas.openxmlformats.org/officeDocument/2006/relationships" xmlns:p="http://schemas.openxmlformats.org/presentationml/2006/main">
   <p:cSld>
     <p:spTree>
@@ -8230,51 +6401,16 @@
           <a:chExt cx="0" cy="0"/>
         </a:xfrm>
       </p:grpSpPr>
-      <p:cxnSp>
-        <p:nvCxnSpPr>
-          <p:cNvPr id="3" name="직선 연결선 2"/>
-          <p:cNvCxnSpPr/>
+      <p:sp>
+        <p:nvSpPr>
+          <p:cNvPr id="7" name="TextBox 6"/>
+          <p:cNvSpPr txBox="1"/>
           <p:nvPr/>
-        </p:nvCxnSpPr>
+        </p:nvSpPr>
         <p:spPr>
           <a:xfrm>
-            <a:off x="251520" y="692696"/>
-            <a:ext cx="8892480" cy="0"/>
-          </a:xfrm>
-          <a:prstGeom prst="line">
-            <a:avLst/>
-          </a:prstGeom>
-          <a:ln w="28575">
-            <a:solidFill>
-              <a:srgbClr val="00B0F0"/>
-            </a:solidFill>
-          </a:ln>
-        </p:spPr>
-        <p:style>
-          <a:lnRef idx="1">
-            <a:schemeClr val="accent6"/>
-          </a:lnRef>
-          <a:fillRef idx="0">
-            <a:schemeClr val="accent6"/>
-          </a:fillRef>
-          <a:effectRef idx="0">
-            <a:schemeClr val="accent6"/>
-          </a:effectRef>
-          <a:fontRef idx="minor">
-            <a:schemeClr val="tx1"/>
-          </a:fontRef>
-        </p:style>
-      </p:cxnSp>
-      <p:sp>
-        <p:nvSpPr>
-          <p:cNvPr id="5" name="TextBox 4"/>
-          <p:cNvSpPr txBox="1"/>
-          <p:nvPr/>
-        </p:nvSpPr>
-        <p:spPr>
-          <a:xfrm>
-            <a:off x="467544" y="188640"/>
-            <a:ext cx="2808312" cy="400110"/>
+            <a:off x="0" y="3429000"/>
+            <a:ext cx="9144000" cy="400110"/>
           </a:xfrm>
           <a:prstGeom prst="rect">
             <a:avLst/>
@@ -8287,2654 +6423,22 @@
           </a:bodyPr>
           <a:lstStyle/>
           <a:p>
-            <a:r>
-              <a:rPr lang="ko-KR" altLang="en-US" sz="2000" b="1" dirty="0" smtClean="0">
+            <a:pPr algn="ctr"/>
+            <a:r>
+              <a:rPr lang="en-US" altLang="ko-KR" sz="2000" b="1" dirty="0" smtClean="0">
                 <a:latin typeface="KoPubWorld돋움체_Pro Bold" pitchFamily="50" charset="-127"/>
                 <a:ea typeface="KoPubWorld돋움체_Pro Bold" pitchFamily="50" charset="-127"/>
                 <a:cs typeface="KoPubWorld돋움체_Pro Bold" pitchFamily="50" charset="-127"/>
               </a:rPr>
-              <a:t>결론 및 한계점</a:t>
-            </a:r>
-            <a:endParaRPr lang="en-US" altLang="ko-KR" sz="2000" b="1" dirty="0" smtClean="0">
-              <a:latin typeface="KoPubWorld돋움체_Pro Bold" pitchFamily="50" charset="-127"/>
-              <a:ea typeface="KoPubWorld돋움체_Pro Bold" pitchFamily="50" charset="-127"/>
-              <a:cs typeface="KoPubWorld돋움체_Pro Bold" pitchFamily="50" charset="-127"/>
-            </a:endParaRPr>
-          </a:p>
-        </p:txBody>
-      </p:sp>
-      <p:sp>
-        <p:nvSpPr>
-          <p:cNvPr id="4" name="TextBox 3"/>
-          <p:cNvSpPr txBox="1"/>
-          <p:nvPr/>
-        </p:nvSpPr>
-        <p:spPr>
-          <a:xfrm>
-            <a:off x="619944" y="764704"/>
-            <a:ext cx="3183392" cy="400110"/>
-          </a:xfrm>
-          <a:prstGeom prst="rect">
-            <a:avLst/>
-          </a:prstGeom>
-          <a:noFill/>
-        </p:spPr>
-        <p:txBody>
-          <a:bodyPr wrap="square" rtlCol="0">
-            <a:spAutoFit/>
-          </a:bodyPr>
-          <a:lstStyle/>
-          <a:p>
-            <a:r>
-              <a:rPr lang="ko-KR" altLang="en-US" sz="2000" b="1" dirty="0" smtClean="0">
-                <a:latin typeface="KoPubWorld돋움체_Pro Bold" pitchFamily="50" charset="-127"/>
-                <a:ea typeface="KoPubWorld돋움체_Pro Bold" pitchFamily="50" charset="-127"/>
-                <a:cs typeface="KoPubWorld돋움체_Pro Bold" pitchFamily="50" charset="-127"/>
-              </a:rPr>
-              <a:t>결론</a:t>
-            </a:r>
-          </a:p>
-        </p:txBody>
-      </p:sp>
-      <p:grpSp>
-        <p:nvGrpSpPr>
-          <p:cNvPr id="41" name="그룹 40"/>
-          <p:cNvGrpSpPr/>
-          <p:nvPr/>
-        </p:nvGrpSpPr>
-        <p:grpSpPr>
-          <a:xfrm>
-            <a:off x="144430" y="1556792"/>
-            <a:ext cx="8845936" cy="3176077"/>
-            <a:chOff x="46544" y="1876762"/>
-            <a:chExt cx="8958700" cy="3176077"/>
-          </a:xfrm>
-        </p:grpSpPr>
-        <p:sp>
-          <p:nvSpPr>
-            <p:cNvPr id="19" name="직사각형 18"/>
-            <p:cNvSpPr/>
-            <p:nvPr/>
-          </p:nvSpPr>
-          <p:spPr>
-            <a:xfrm>
-              <a:off x="2211640" y="2430292"/>
-              <a:ext cx="2000320" cy="2622547"/>
-            </a:xfrm>
-            <a:prstGeom prst="rect">
-              <a:avLst/>
-            </a:prstGeom>
-            <a:solidFill>
-              <a:schemeClr val="accent5">
-                <a:lumMod val="75000"/>
-                <a:alpha val="20000"/>
-              </a:schemeClr>
-            </a:solidFill>
-            <a:ln w="19050">
-              <a:solidFill>
-                <a:srgbClr val="00B0F0"/>
-              </a:solidFill>
-            </a:ln>
-          </p:spPr>
-          <p:style>
-            <a:lnRef idx="2">
-              <a:schemeClr val="accent1">
-                <a:shade val="50000"/>
-              </a:schemeClr>
-            </a:lnRef>
-            <a:fillRef idx="1">
-              <a:schemeClr val="accent1"/>
-            </a:fillRef>
-            <a:effectRef idx="0">
-              <a:schemeClr val="accent1"/>
-            </a:effectRef>
-            <a:fontRef idx="minor">
-              <a:schemeClr val="lt1"/>
-            </a:fontRef>
-          </p:style>
-          <p:txBody>
-            <a:bodyPr rtlCol="0" anchor="ctr"/>
-            <a:lstStyle/>
-            <a:p>
-              <a:pPr algn="ctr"/>
-              <a:endParaRPr lang="ko-KR" altLang="en-US" sz="1600" b="1" dirty="0">
-                <a:solidFill>
-                  <a:schemeClr val="tx1"/>
-                </a:solidFill>
-                <a:ea typeface="KoPubWorld돋움체_Pro Bold"/>
-              </a:endParaRPr>
-            </a:p>
-          </p:txBody>
-        </p:sp>
-        <p:sp>
-          <p:nvSpPr>
-            <p:cNvPr id="21" name="직사각형 20"/>
-            <p:cNvSpPr/>
-            <p:nvPr/>
-          </p:nvSpPr>
-          <p:spPr>
-            <a:xfrm>
-              <a:off x="4855832" y="2430292"/>
-              <a:ext cx="1978680" cy="2622547"/>
-            </a:xfrm>
-            <a:prstGeom prst="rect">
-              <a:avLst/>
-            </a:prstGeom>
-            <a:solidFill>
-              <a:schemeClr val="accent5">
-                <a:lumMod val="75000"/>
-                <a:alpha val="20000"/>
-              </a:schemeClr>
-            </a:solidFill>
-            <a:ln w="19050">
-              <a:solidFill>
-                <a:srgbClr val="00B0F0"/>
-              </a:solidFill>
-            </a:ln>
-          </p:spPr>
-          <p:style>
-            <a:lnRef idx="2">
-              <a:schemeClr val="accent1">
-                <a:shade val="50000"/>
-              </a:schemeClr>
-            </a:lnRef>
-            <a:fillRef idx="1">
-              <a:schemeClr val="accent1"/>
-            </a:fillRef>
-            <a:effectRef idx="0">
-              <a:schemeClr val="accent1"/>
-            </a:effectRef>
-            <a:fontRef idx="minor">
-              <a:schemeClr val="lt1"/>
-            </a:fontRef>
-          </p:style>
-          <p:txBody>
-            <a:bodyPr rtlCol="0" anchor="ctr"/>
-            <a:lstStyle/>
-            <a:p>
-              <a:pPr algn="ctr"/>
-              <a:endParaRPr lang="ko-KR" altLang="en-US" sz="1600" b="1" dirty="0">
-                <a:solidFill>
-                  <a:schemeClr val="tx1"/>
-                </a:solidFill>
-                <a:ea typeface="KoPubWorld돋움체_Pro Bold"/>
-              </a:endParaRPr>
-            </a:p>
-          </p:txBody>
-        </p:sp>
-        <p:sp>
-          <p:nvSpPr>
-            <p:cNvPr id="11" name="직사각형 10"/>
-            <p:cNvSpPr/>
-            <p:nvPr/>
-          </p:nvSpPr>
-          <p:spPr>
-            <a:xfrm>
-              <a:off x="46544" y="2564904"/>
-              <a:ext cx="1521920" cy="720080"/>
-            </a:xfrm>
-            <a:prstGeom prst="rect">
-              <a:avLst/>
-            </a:prstGeom>
-            <a:solidFill>
-              <a:schemeClr val="bg1">
-                <a:lumMod val="75000"/>
-                <a:alpha val="20000"/>
-              </a:schemeClr>
-            </a:solidFill>
-            <a:ln w="19050">
-              <a:solidFill>
-                <a:schemeClr val="tx1">
-                  <a:lumMod val="50000"/>
-                  <a:lumOff val="50000"/>
-                </a:schemeClr>
-              </a:solidFill>
-            </a:ln>
-          </p:spPr>
-          <p:style>
-            <a:lnRef idx="2">
-              <a:schemeClr val="accent1">
-                <a:shade val="50000"/>
-              </a:schemeClr>
-            </a:lnRef>
-            <a:fillRef idx="1">
-              <a:schemeClr val="accent1"/>
-            </a:fillRef>
-            <a:effectRef idx="0">
-              <a:schemeClr val="accent1"/>
-            </a:effectRef>
-            <a:fontRef idx="minor">
-              <a:schemeClr val="lt1"/>
-            </a:fontRef>
-          </p:style>
-          <p:txBody>
-            <a:bodyPr rtlCol="0" anchor="ctr"/>
-            <a:lstStyle/>
-            <a:p>
-              <a:pPr algn="ctr"/>
-              <a:r>
-                <a:rPr lang="ko-KR" altLang="en-US" sz="1600" b="1" dirty="0" err="1" smtClean="0">
-                  <a:solidFill>
-                    <a:schemeClr val="tx1"/>
-                  </a:solidFill>
-                  <a:ea typeface="KoPubWorld돋움체_Pro Bold"/>
-                </a:rPr>
-                <a:t>빅데이터</a:t>
-              </a:r>
-              <a:r>
-                <a:rPr lang="ko-KR" altLang="en-US" sz="1600" b="1" dirty="0" smtClean="0">
-                  <a:solidFill>
-                    <a:schemeClr val="tx1"/>
-                  </a:solidFill>
-                  <a:ea typeface="KoPubWorld돋움체_Pro Bold"/>
-                </a:rPr>
-                <a:t> 수집</a:t>
-              </a:r>
-              <a:endParaRPr lang="ko-KR" altLang="en-US" sz="1600" b="1" dirty="0">
-                <a:solidFill>
-                  <a:schemeClr val="tx1"/>
-                </a:solidFill>
-                <a:ea typeface="KoPubWorld돋움체_Pro Bold"/>
-              </a:endParaRPr>
-            </a:p>
-          </p:txBody>
-        </p:sp>
-        <p:sp>
-          <p:nvSpPr>
-            <p:cNvPr id="14" name="직사각형 13"/>
-            <p:cNvSpPr/>
-            <p:nvPr/>
-          </p:nvSpPr>
-          <p:spPr>
-            <a:xfrm>
-              <a:off x="7483324" y="2560591"/>
-              <a:ext cx="1521920" cy="720080"/>
-            </a:xfrm>
-            <a:prstGeom prst="rect">
-              <a:avLst/>
-            </a:prstGeom>
-            <a:solidFill>
-              <a:schemeClr val="bg1">
-                <a:lumMod val="75000"/>
-                <a:alpha val="20000"/>
-              </a:schemeClr>
-            </a:solidFill>
-            <a:ln w="19050">
-              <a:solidFill>
-                <a:schemeClr val="tx1">
-                  <a:lumMod val="50000"/>
-                  <a:lumOff val="50000"/>
-                </a:schemeClr>
-              </a:solidFill>
-            </a:ln>
-          </p:spPr>
-          <p:style>
-            <a:lnRef idx="2">
-              <a:schemeClr val="accent1">
-                <a:shade val="50000"/>
-              </a:schemeClr>
-            </a:lnRef>
-            <a:fillRef idx="1">
-              <a:schemeClr val="accent1"/>
-            </a:fillRef>
-            <a:effectRef idx="0">
-              <a:schemeClr val="accent1"/>
-            </a:effectRef>
-            <a:fontRef idx="minor">
-              <a:schemeClr val="lt1"/>
-            </a:fontRef>
-          </p:style>
-          <p:txBody>
-            <a:bodyPr rtlCol="0" anchor="ctr"/>
-            <a:lstStyle/>
-            <a:p>
-              <a:pPr algn="ctr"/>
-              <a:r>
-                <a:rPr lang="ko-KR" altLang="en-US" sz="1600" b="1" dirty="0" err="1" smtClean="0">
-                  <a:solidFill>
-                    <a:schemeClr val="tx1"/>
-                  </a:solidFill>
-                  <a:ea typeface="KoPubWorld돋움체_Pro Bold"/>
-                </a:rPr>
-                <a:t>빅데이터</a:t>
-              </a:r>
-              <a:endParaRPr lang="en-US" altLang="ko-KR" sz="1600" b="1" dirty="0" smtClean="0">
-                <a:solidFill>
-                  <a:schemeClr val="tx1"/>
-                </a:solidFill>
-                <a:ea typeface="KoPubWorld돋움체_Pro Bold"/>
-              </a:endParaRPr>
-            </a:p>
-            <a:p>
-              <a:pPr algn="ctr"/>
-              <a:r>
-                <a:rPr lang="ko-KR" altLang="en-US" sz="1600" b="1" dirty="0" smtClean="0">
-                  <a:solidFill>
-                    <a:schemeClr val="tx1"/>
-                  </a:solidFill>
-                  <a:ea typeface="KoPubWorld돋움체_Pro Bold"/>
-                </a:rPr>
-                <a:t>시각화</a:t>
-              </a:r>
-              <a:r>
-                <a:rPr lang="en-US" altLang="ko-KR" sz="1600" b="1" dirty="0" smtClean="0">
-                  <a:solidFill>
-                    <a:schemeClr val="tx1"/>
-                  </a:solidFill>
-                  <a:ea typeface="KoPubWorld돋움체_Pro Bold"/>
-                </a:rPr>
-                <a:t>/</a:t>
-              </a:r>
-              <a:r>
-                <a:rPr lang="ko-KR" altLang="en-US" sz="1600" b="1" dirty="0" smtClean="0">
-                  <a:solidFill>
-                    <a:schemeClr val="tx1"/>
-                  </a:solidFill>
-                  <a:ea typeface="KoPubWorld돋움체_Pro Bold"/>
-                </a:rPr>
-                <a:t>정보화</a:t>
-              </a:r>
-              <a:endParaRPr lang="ko-KR" altLang="en-US" sz="1600" b="1" dirty="0">
-                <a:solidFill>
-                  <a:schemeClr val="tx1"/>
-                </a:solidFill>
-                <a:ea typeface="KoPubWorld돋움체_Pro Bold"/>
-              </a:endParaRPr>
-            </a:p>
-          </p:txBody>
-        </p:sp>
-        <p:sp>
-          <p:nvSpPr>
-            <p:cNvPr id="15" name="직사각형 14"/>
-            <p:cNvSpPr/>
-            <p:nvPr/>
-          </p:nvSpPr>
-          <p:spPr>
-            <a:xfrm>
-              <a:off x="2382500" y="2614504"/>
-              <a:ext cx="1709936" cy="639688"/>
-            </a:xfrm>
-            <a:prstGeom prst="rect">
-              <a:avLst/>
-            </a:prstGeom>
-            <a:solidFill>
-              <a:srgbClr val="E4E923">
-                <a:alpha val="20000"/>
-              </a:srgbClr>
-            </a:solidFill>
-            <a:ln w="19050">
-              <a:solidFill>
-                <a:srgbClr val="FFC000"/>
-              </a:solidFill>
-            </a:ln>
-          </p:spPr>
-          <p:style>
-            <a:lnRef idx="2">
-              <a:schemeClr val="accent1">
-                <a:shade val="50000"/>
-              </a:schemeClr>
-            </a:lnRef>
-            <a:fillRef idx="1">
-              <a:schemeClr val="accent1"/>
-            </a:fillRef>
-            <a:effectRef idx="0">
-              <a:schemeClr val="accent1"/>
-            </a:effectRef>
-            <a:fontRef idx="minor">
-              <a:schemeClr val="lt1"/>
-            </a:fontRef>
-          </p:style>
-          <p:txBody>
-            <a:bodyPr rtlCol="0" anchor="ctr"/>
-            <a:lstStyle/>
-            <a:p>
-              <a:pPr algn="ctr"/>
-              <a:r>
-                <a:rPr lang="ko-KR" altLang="en-US" sz="1600" b="1" dirty="0" err="1" smtClean="0">
-                  <a:solidFill>
-                    <a:schemeClr val="tx1"/>
-                  </a:solidFill>
-                  <a:ea typeface="KoPubWorld돋움체_Pro Bold"/>
-                </a:rPr>
-                <a:t>빅데이터</a:t>
-              </a:r>
-              <a:r>
-                <a:rPr lang="ko-KR" altLang="en-US" sz="1600" b="1" dirty="0" smtClean="0">
-                  <a:solidFill>
-                    <a:schemeClr val="tx1"/>
-                  </a:solidFill>
-                  <a:ea typeface="KoPubWorld돋움체_Pro Bold"/>
-                </a:rPr>
-                <a:t> 처리</a:t>
-              </a:r>
-              <a:endParaRPr lang="ko-KR" altLang="en-US" sz="1600" b="1" dirty="0">
-                <a:solidFill>
-                  <a:schemeClr val="tx1"/>
-                </a:solidFill>
-                <a:ea typeface="KoPubWorld돋움체_Pro Bold"/>
-              </a:endParaRPr>
-            </a:p>
-          </p:txBody>
-        </p:sp>
-        <p:sp>
-          <p:nvSpPr>
-            <p:cNvPr id="17" name="직사각형 16"/>
-            <p:cNvSpPr/>
-            <p:nvPr/>
-          </p:nvSpPr>
-          <p:spPr>
-            <a:xfrm>
-              <a:off x="2382500" y="3486984"/>
-              <a:ext cx="1709936" cy="639688"/>
-            </a:xfrm>
-            <a:prstGeom prst="rect">
-              <a:avLst/>
-            </a:prstGeom>
-            <a:solidFill>
-              <a:srgbClr val="E4E923">
-                <a:alpha val="20000"/>
-              </a:srgbClr>
-            </a:solidFill>
-            <a:ln w="19050">
-              <a:solidFill>
-                <a:srgbClr val="FFC000"/>
-              </a:solidFill>
-            </a:ln>
-          </p:spPr>
-          <p:style>
-            <a:lnRef idx="2">
-              <a:schemeClr val="accent1">
-                <a:shade val="50000"/>
-              </a:schemeClr>
-            </a:lnRef>
-            <a:fillRef idx="1">
-              <a:schemeClr val="accent1"/>
-            </a:fillRef>
-            <a:effectRef idx="0">
-              <a:schemeClr val="accent1"/>
-            </a:effectRef>
-            <a:fontRef idx="minor">
-              <a:schemeClr val="lt1"/>
-            </a:fontRef>
-          </p:style>
-          <p:txBody>
-            <a:bodyPr rtlCol="0" anchor="ctr"/>
-            <a:lstStyle/>
-            <a:p>
-              <a:pPr algn="ctr"/>
-              <a:r>
-                <a:rPr lang="ko-KR" altLang="en-US" sz="1600" b="1" dirty="0" err="1" smtClean="0">
-                  <a:solidFill>
-                    <a:schemeClr val="tx1"/>
-                  </a:solidFill>
-                  <a:ea typeface="KoPubWorld돋움체_Pro Bold"/>
-                </a:rPr>
-                <a:t>빅데이터</a:t>
-              </a:r>
-              <a:endParaRPr lang="en-US" altLang="ko-KR" sz="1600" b="1" dirty="0" smtClean="0">
-                <a:solidFill>
-                  <a:schemeClr val="tx1"/>
-                </a:solidFill>
-                <a:ea typeface="KoPubWorld돋움체_Pro Bold"/>
-              </a:endParaRPr>
-            </a:p>
-            <a:p>
-              <a:pPr algn="ctr"/>
-              <a:r>
-                <a:rPr lang="ko-KR" altLang="en-US" sz="1600" b="1" dirty="0" smtClean="0">
-                  <a:solidFill>
-                    <a:schemeClr val="tx1"/>
-                  </a:solidFill>
-                  <a:ea typeface="KoPubWorld돋움체_Pro Bold"/>
-                </a:rPr>
-                <a:t>저장소 선정</a:t>
-              </a:r>
-              <a:endParaRPr lang="ko-KR" altLang="en-US" sz="1600" b="1" dirty="0">
-                <a:solidFill>
-                  <a:schemeClr val="tx1"/>
-                </a:solidFill>
-                <a:ea typeface="KoPubWorld돋움체_Pro Bold"/>
-              </a:endParaRPr>
-            </a:p>
-          </p:txBody>
-        </p:sp>
-        <p:sp>
-          <p:nvSpPr>
-            <p:cNvPr id="20" name="직사각형 19"/>
-            <p:cNvSpPr/>
-            <p:nvPr/>
-          </p:nvSpPr>
-          <p:spPr>
-            <a:xfrm>
-              <a:off x="2382500" y="4300590"/>
-              <a:ext cx="1709936" cy="639688"/>
-            </a:xfrm>
-            <a:prstGeom prst="rect">
-              <a:avLst/>
-            </a:prstGeom>
-            <a:noFill/>
-            <a:ln w="19050">
-              <a:noFill/>
-            </a:ln>
-          </p:spPr>
-          <p:style>
-            <a:lnRef idx="2">
-              <a:schemeClr val="accent1">
-                <a:shade val="50000"/>
-              </a:schemeClr>
-            </a:lnRef>
-            <a:fillRef idx="1">
-              <a:schemeClr val="accent1"/>
-            </a:fillRef>
-            <a:effectRef idx="0">
-              <a:schemeClr val="accent1"/>
-            </a:effectRef>
-            <a:fontRef idx="minor">
-              <a:schemeClr val="lt1"/>
-            </a:fontRef>
-          </p:style>
-          <p:txBody>
-            <a:bodyPr rtlCol="0" anchor="ctr"/>
-            <a:lstStyle/>
-            <a:p>
-              <a:pPr algn="ctr"/>
-              <a:r>
-                <a:rPr lang="ko-KR" altLang="en-US" sz="1600" b="1" dirty="0" err="1" smtClean="0">
-                  <a:solidFill>
-                    <a:schemeClr val="tx1"/>
-                  </a:solidFill>
-                  <a:ea typeface="KoPubWorld돋움체_Pro Bold"/>
-                </a:rPr>
-                <a:t>빅데이터</a:t>
-              </a:r>
-              <a:r>
-                <a:rPr lang="ko-KR" altLang="en-US" sz="1600" b="1" dirty="0" smtClean="0">
-                  <a:solidFill>
-                    <a:schemeClr val="tx1"/>
-                  </a:solidFill>
-                  <a:ea typeface="KoPubWorld돋움체_Pro Bold"/>
-                </a:rPr>
-                <a:t> 전처리</a:t>
-              </a:r>
-              <a:endParaRPr lang="en-US" altLang="ko-KR" sz="1600" b="1" dirty="0">
-                <a:solidFill>
-                  <a:schemeClr val="tx1"/>
-                </a:solidFill>
-                <a:ea typeface="KoPubWorld돋움체_Pro Bold"/>
-              </a:endParaRPr>
-            </a:p>
-          </p:txBody>
-        </p:sp>
-        <p:sp>
-          <p:nvSpPr>
-            <p:cNvPr id="16" name="직사각형 15"/>
-            <p:cNvSpPr/>
-            <p:nvPr/>
-          </p:nvSpPr>
-          <p:spPr>
-            <a:xfrm>
-              <a:off x="4958010" y="2620143"/>
-              <a:ext cx="1709936" cy="638758"/>
-            </a:xfrm>
-            <a:prstGeom prst="rect">
-              <a:avLst/>
-            </a:prstGeom>
-            <a:solidFill>
-              <a:srgbClr val="E4E923">
-                <a:alpha val="20000"/>
-              </a:srgbClr>
-            </a:solidFill>
-            <a:ln w="19050">
-              <a:solidFill>
-                <a:srgbClr val="FFC000"/>
-              </a:solidFill>
-            </a:ln>
-          </p:spPr>
-          <p:style>
-            <a:lnRef idx="2">
-              <a:schemeClr val="accent1">
-                <a:shade val="50000"/>
-              </a:schemeClr>
-            </a:lnRef>
-            <a:fillRef idx="1">
-              <a:schemeClr val="accent1"/>
-            </a:fillRef>
-            <a:effectRef idx="0">
-              <a:schemeClr val="accent1"/>
-            </a:effectRef>
-            <a:fontRef idx="minor">
-              <a:schemeClr val="lt1"/>
-            </a:fontRef>
-          </p:style>
-          <p:txBody>
-            <a:bodyPr rtlCol="0" anchor="ctr"/>
-            <a:lstStyle/>
-            <a:p>
-              <a:pPr algn="ctr"/>
-              <a:r>
-                <a:rPr lang="ko-KR" altLang="en-US" sz="1600" b="1" dirty="0" err="1" smtClean="0">
-                  <a:solidFill>
-                    <a:schemeClr val="tx1"/>
-                  </a:solidFill>
-                  <a:ea typeface="KoPubWorld돋움체_Pro Bold"/>
-                </a:rPr>
-                <a:t>빅데이터</a:t>
-              </a:r>
-              <a:r>
-                <a:rPr lang="ko-KR" altLang="en-US" sz="1600" b="1" dirty="0" smtClean="0">
-                  <a:solidFill>
-                    <a:schemeClr val="tx1"/>
-                  </a:solidFill>
-                  <a:ea typeface="KoPubWorld돋움체_Pro Bold"/>
-                </a:rPr>
-                <a:t> 저장</a:t>
-              </a:r>
-              <a:endParaRPr lang="ko-KR" altLang="en-US" sz="1600" b="1" dirty="0">
-                <a:solidFill>
-                  <a:schemeClr val="tx1"/>
-                </a:solidFill>
-                <a:ea typeface="KoPubWorld돋움체_Pro Bold"/>
-              </a:endParaRPr>
-            </a:p>
-          </p:txBody>
-        </p:sp>
-        <p:sp>
-          <p:nvSpPr>
-            <p:cNvPr id="18" name="직사각형 17"/>
-            <p:cNvSpPr/>
-            <p:nvPr/>
-          </p:nvSpPr>
-          <p:spPr>
-            <a:xfrm>
-              <a:off x="4958010" y="3486586"/>
-              <a:ext cx="1709936" cy="638758"/>
-            </a:xfrm>
-            <a:prstGeom prst="rect">
-              <a:avLst/>
-            </a:prstGeom>
-            <a:solidFill>
-              <a:srgbClr val="E4E923">
-                <a:alpha val="20000"/>
-              </a:srgbClr>
-            </a:solidFill>
-            <a:ln w="19050">
-              <a:solidFill>
-                <a:srgbClr val="FFC000"/>
-              </a:solidFill>
-            </a:ln>
-          </p:spPr>
-          <p:style>
-            <a:lnRef idx="2">
-              <a:schemeClr val="accent1">
-                <a:shade val="50000"/>
-              </a:schemeClr>
-            </a:lnRef>
-            <a:fillRef idx="1">
-              <a:schemeClr val="accent1"/>
-            </a:fillRef>
-            <a:effectRef idx="0">
-              <a:schemeClr val="accent1"/>
-            </a:effectRef>
-            <a:fontRef idx="minor">
-              <a:schemeClr val="lt1"/>
-            </a:fontRef>
-          </p:style>
-          <p:txBody>
-            <a:bodyPr rtlCol="0" anchor="ctr"/>
-            <a:lstStyle/>
-            <a:p>
-              <a:pPr algn="ctr"/>
-              <a:r>
-                <a:rPr lang="ko-KR" altLang="en-US" sz="1600" b="1" dirty="0" err="1" smtClean="0">
-                  <a:solidFill>
-                    <a:schemeClr val="tx1"/>
-                  </a:solidFill>
-                  <a:ea typeface="KoPubWorld돋움체_Pro Bold"/>
-                </a:rPr>
-                <a:t>빅데이터</a:t>
-              </a:r>
-              <a:endParaRPr lang="en-US" altLang="ko-KR" sz="1600" b="1" dirty="0" smtClean="0">
-                <a:solidFill>
-                  <a:schemeClr val="tx1"/>
-                </a:solidFill>
-                <a:ea typeface="KoPubWorld돋움체_Pro Bold"/>
-              </a:endParaRPr>
-            </a:p>
-            <a:p>
-              <a:pPr algn="ctr"/>
-              <a:r>
-                <a:rPr lang="ko-KR" altLang="en-US" sz="1600" b="1" dirty="0" smtClean="0">
-                  <a:solidFill>
-                    <a:schemeClr val="tx1"/>
-                  </a:solidFill>
-                  <a:ea typeface="KoPubWorld돋움체_Pro Bold"/>
-                </a:rPr>
-                <a:t>품질관</a:t>
-              </a:r>
-              <a:r>
-                <a:rPr lang="ko-KR" altLang="en-US" sz="1600" b="1" dirty="0">
-                  <a:solidFill>
-                    <a:schemeClr val="tx1"/>
-                  </a:solidFill>
-                  <a:ea typeface="KoPubWorld돋움체_Pro Bold"/>
-                </a:rPr>
-                <a:t>리</a:t>
-              </a:r>
-            </a:p>
-          </p:txBody>
-        </p:sp>
-        <p:sp>
-          <p:nvSpPr>
-            <p:cNvPr id="22" name="직사각형 21"/>
-            <p:cNvSpPr/>
-            <p:nvPr/>
-          </p:nvSpPr>
-          <p:spPr>
-            <a:xfrm>
-              <a:off x="4962304" y="4301684"/>
-              <a:ext cx="1709936" cy="638758"/>
-            </a:xfrm>
-            <a:prstGeom prst="rect">
-              <a:avLst/>
-            </a:prstGeom>
-            <a:noFill/>
-            <a:ln w="19050">
-              <a:noFill/>
-            </a:ln>
-          </p:spPr>
-          <p:style>
-            <a:lnRef idx="2">
-              <a:schemeClr val="accent1">
-                <a:shade val="50000"/>
-              </a:schemeClr>
-            </a:lnRef>
-            <a:fillRef idx="1">
-              <a:schemeClr val="accent1"/>
-            </a:fillRef>
-            <a:effectRef idx="0">
-              <a:schemeClr val="accent1"/>
-            </a:effectRef>
-            <a:fontRef idx="minor">
-              <a:schemeClr val="lt1"/>
-            </a:fontRef>
-          </p:style>
-          <p:txBody>
-            <a:bodyPr rtlCol="0" anchor="ctr"/>
-            <a:lstStyle/>
-            <a:p>
-              <a:pPr algn="ctr"/>
-              <a:r>
-                <a:rPr lang="ko-KR" altLang="en-US" sz="1600" b="1" dirty="0" err="1" smtClean="0">
-                  <a:solidFill>
-                    <a:schemeClr val="tx1"/>
-                  </a:solidFill>
-                  <a:ea typeface="KoPubWorld돋움체_Pro Bold"/>
-                </a:rPr>
-                <a:t>빅데이터</a:t>
-              </a:r>
-              <a:r>
-                <a:rPr lang="ko-KR" altLang="en-US" sz="1600" b="1" dirty="0" smtClean="0">
-                  <a:solidFill>
-                    <a:schemeClr val="tx1"/>
-                  </a:solidFill>
-                  <a:ea typeface="KoPubWorld돋움체_Pro Bold"/>
-                </a:rPr>
-                <a:t> 후처리</a:t>
-              </a:r>
-              <a:endParaRPr lang="en-US" altLang="ko-KR" sz="1600" b="1" dirty="0">
-                <a:solidFill>
-                  <a:schemeClr val="tx1"/>
-                </a:solidFill>
-                <a:ea typeface="KoPubWorld돋움체_Pro Bold"/>
-              </a:endParaRPr>
-            </a:p>
-          </p:txBody>
-        </p:sp>
-        <p:cxnSp>
-          <p:nvCxnSpPr>
-            <p:cNvPr id="26" name="직선 화살표 연결선 25"/>
-            <p:cNvCxnSpPr>
-              <a:stCxn id="11" idx="3"/>
-            </p:cNvCxnSpPr>
-            <p:nvPr/>
-          </p:nvCxnSpPr>
-          <p:spPr>
-            <a:xfrm>
-              <a:off x="1568464" y="2924944"/>
-              <a:ext cx="638320" cy="0"/>
-            </a:xfrm>
-            <a:prstGeom prst="straightConnector1">
-              <a:avLst/>
-            </a:prstGeom>
-            <a:ln w="19050">
-              <a:solidFill>
-                <a:schemeClr val="tx1">
-                  <a:lumMod val="50000"/>
-                  <a:lumOff val="50000"/>
-                </a:schemeClr>
-              </a:solidFill>
-              <a:tailEnd type="arrow"/>
-            </a:ln>
-          </p:spPr>
-          <p:style>
-            <a:lnRef idx="1">
-              <a:schemeClr val="accent1"/>
-            </a:lnRef>
-            <a:fillRef idx="0">
-              <a:schemeClr val="accent1"/>
-            </a:fillRef>
-            <a:effectRef idx="0">
-              <a:schemeClr val="accent1"/>
-            </a:effectRef>
-            <a:fontRef idx="minor">
-              <a:schemeClr val="tx1"/>
-            </a:fontRef>
-          </p:style>
-        </p:cxnSp>
-        <p:cxnSp>
-          <p:nvCxnSpPr>
-            <p:cNvPr id="30" name="직선 화살표 연결선 29"/>
-            <p:cNvCxnSpPr>
-              <a:endCxn id="14" idx="1"/>
-            </p:cNvCxnSpPr>
-            <p:nvPr/>
-          </p:nvCxnSpPr>
-          <p:spPr>
-            <a:xfrm>
-              <a:off x="6834914" y="2920631"/>
-              <a:ext cx="648410" cy="0"/>
-            </a:xfrm>
-            <a:prstGeom prst="straightConnector1">
-              <a:avLst/>
-            </a:prstGeom>
-            <a:ln w="19050">
-              <a:solidFill>
-                <a:schemeClr val="tx1">
-                  <a:lumMod val="50000"/>
-                  <a:lumOff val="50000"/>
-                </a:schemeClr>
-              </a:solidFill>
-              <a:tailEnd type="arrow"/>
-            </a:ln>
-          </p:spPr>
-          <p:style>
-            <a:lnRef idx="1">
-              <a:schemeClr val="accent1"/>
-            </a:lnRef>
-            <a:fillRef idx="0">
-              <a:schemeClr val="accent1"/>
-            </a:fillRef>
-            <a:effectRef idx="0">
-              <a:schemeClr val="accent1"/>
-            </a:effectRef>
-            <a:fontRef idx="minor">
-              <a:schemeClr val="tx1"/>
-            </a:fontRef>
-          </p:style>
-        </p:cxnSp>
-        <p:cxnSp>
-          <p:nvCxnSpPr>
-            <p:cNvPr id="43" name="직선 화살표 연결선 42"/>
-            <p:cNvCxnSpPr/>
-            <p:nvPr/>
-          </p:nvCxnSpPr>
-          <p:spPr>
-            <a:xfrm>
-              <a:off x="4211960" y="2924944"/>
-              <a:ext cx="643871" cy="0"/>
-            </a:xfrm>
-            <a:prstGeom prst="straightConnector1">
-              <a:avLst/>
-            </a:prstGeom>
-            <a:ln w="19050">
-              <a:solidFill>
-                <a:srgbClr val="FFC000"/>
-              </a:solidFill>
-              <a:tailEnd type="arrow"/>
-            </a:ln>
-          </p:spPr>
-          <p:style>
-            <a:lnRef idx="1">
-              <a:schemeClr val="accent1"/>
-            </a:lnRef>
-            <a:fillRef idx="0">
-              <a:schemeClr val="accent1"/>
-            </a:fillRef>
-            <a:effectRef idx="0">
-              <a:schemeClr val="accent1"/>
-            </a:effectRef>
-            <a:fontRef idx="minor">
-              <a:schemeClr val="tx1"/>
-            </a:fontRef>
-          </p:style>
-        </p:cxnSp>
-        <p:sp>
-          <p:nvSpPr>
-            <p:cNvPr id="45" name="TextBox 44"/>
-            <p:cNvSpPr txBox="1"/>
-            <p:nvPr/>
-          </p:nvSpPr>
-          <p:spPr>
-            <a:xfrm>
-              <a:off x="2944469" y="1876762"/>
-              <a:ext cx="3183392" cy="400110"/>
-            </a:xfrm>
-            <a:prstGeom prst="rect">
-              <a:avLst/>
-            </a:prstGeom>
-            <a:noFill/>
-          </p:spPr>
-          <p:txBody>
-            <a:bodyPr wrap="square" rtlCol="0">
-              <a:spAutoFit/>
-            </a:bodyPr>
-            <a:lstStyle/>
-            <a:p>
-              <a:pPr algn="ctr"/>
-              <a:r>
-                <a:rPr lang="ko-KR" altLang="en-US" sz="2000" b="1" dirty="0" err="1" smtClean="0">
-                  <a:latin typeface="KoPubWorld돋움체_Pro Bold" pitchFamily="50" charset="-127"/>
-                  <a:ea typeface="KoPubWorld돋움체_Pro Bold" pitchFamily="50" charset="-127"/>
-                  <a:cs typeface="KoPubWorld돋움체_Pro Bold" pitchFamily="50" charset="-127"/>
-                </a:rPr>
-                <a:t>빅데이터</a:t>
-              </a:r>
-              <a:r>
-                <a:rPr lang="ko-KR" altLang="en-US" sz="2000" b="1" dirty="0" smtClean="0">
-                  <a:latin typeface="KoPubWorld돋움체_Pro Bold" pitchFamily="50" charset="-127"/>
-                  <a:ea typeface="KoPubWorld돋움체_Pro Bold" pitchFamily="50" charset="-127"/>
-                  <a:cs typeface="KoPubWorld돋움체_Pro Bold" pitchFamily="50" charset="-127"/>
-                </a:rPr>
-                <a:t> 정제</a:t>
-              </a:r>
-            </a:p>
-          </p:txBody>
-        </p:sp>
-      </p:grpSp>
+              <a:t>Q&amp;A</a:t>
+            </a:r>
+          </a:p>
+        </p:txBody>
+      </p:sp>
     </p:spTree>
     <p:extLst>
       <p:ext uri="{BB962C8B-B14F-4D97-AF65-F5344CB8AC3E}">
-        <p14:creationId xmlns:p14="http://schemas.microsoft.com/office/powerpoint/2010/main" val="1613796074"/>
-      </p:ext>
-    </p:extLst>
-  </p:cSld>
-  <p:clrMapOvr>
-    <a:masterClrMapping/>
-  </p:clrMapOvr>
-  <p:timing>
-    <p:tnLst>
-      <p:par>
-        <p:cTn id="1" dur="indefinite" restart="never" nodeType="tmRoot"/>
-      </p:par>
-    </p:tnLst>
-  </p:timing>
-</p:sld>
-</file>
-
-<file path=ppt/slides/slide9.xml><?xml version="1.0" encoding="utf-8"?>
-<p:sld xmlns:a="http://schemas.openxmlformats.org/drawingml/2006/main" xmlns:r="http://schemas.openxmlformats.org/officeDocument/2006/relationships" xmlns:p="http://schemas.openxmlformats.org/presentationml/2006/main">
-  <p:cSld>
-    <p:spTree>
-      <p:nvGrpSpPr>
-        <p:cNvPr id="1" name=""/>
-        <p:cNvGrpSpPr/>
-        <p:nvPr/>
-      </p:nvGrpSpPr>
-      <p:grpSpPr>
-        <a:xfrm>
-          <a:off x="0" y="0"/>
-          <a:ext cx="0" cy="0"/>
-          <a:chOff x="0" y="0"/>
-          <a:chExt cx="0" cy="0"/>
-        </a:xfrm>
-      </p:grpSpPr>
-      <p:cxnSp>
-        <p:nvCxnSpPr>
-          <p:cNvPr id="3" name="직선 연결선 2"/>
-          <p:cNvCxnSpPr/>
-          <p:nvPr/>
-        </p:nvCxnSpPr>
-        <p:spPr>
-          <a:xfrm>
-            <a:off x="251520" y="692696"/>
-            <a:ext cx="8892480" cy="0"/>
-          </a:xfrm>
-          <a:prstGeom prst="line">
-            <a:avLst/>
-          </a:prstGeom>
-          <a:ln w="28575">
-            <a:solidFill>
-              <a:srgbClr val="00B0F0"/>
-            </a:solidFill>
-          </a:ln>
-        </p:spPr>
-        <p:style>
-          <a:lnRef idx="1">
-            <a:schemeClr val="accent6"/>
-          </a:lnRef>
-          <a:fillRef idx="0">
-            <a:schemeClr val="accent6"/>
-          </a:fillRef>
-          <a:effectRef idx="0">
-            <a:schemeClr val="accent6"/>
-          </a:effectRef>
-          <a:fontRef idx="minor">
-            <a:schemeClr val="tx1"/>
-          </a:fontRef>
-        </p:style>
-      </p:cxnSp>
-      <p:sp>
-        <p:nvSpPr>
-          <p:cNvPr id="5" name="TextBox 4"/>
-          <p:cNvSpPr txBox="1"/>
-          <p:nvPr/>
-        </p:nvSpPr>
-        <p:spPr>
-          <a:xfrm>
-            <a:off x="467544" y="188640"/>
-            <a:ext cx="2808312" cy="400110"/>
-          </a:xfrm>
-          <a:prstGeom prst="rect">
-            <a:avLst/>
-          </a:prstGeom>
-          <a:noFill/>
-        </p:spPr>
-        <p:txBody>
-          <a:bodyPr wrap="square" rtlCol="0">
-            <a:spAutoFit/>
-          </a:bodyPr>
-          <a:lstStyle/>
-          <a:p>
-            <a:r>
-              <a:rPr lang="ko-KR" altLang="en-US" sz="2000" b="1" dirty="0" smtClean="0">
-                <a:latin typeface="KoPubWorld돋움체_Pro Bold" pitchFamily="50" charset="-127"/>
-                <a:ea typeface="KoPubWorld돋움체_Pro Bold" pitchFamily="50" charset="-127"/>
-                <a:cs typeface="KoPubWorld돋움체_Pro Bold" pitchFamily="50" charset="-127"/>
-              </a:rPr>
-              <a:t>결론 및 한계점</a:t>
-            </a:r>
-            <a:endParaRPr lang="en-US" altLang="ko-KR" sz="2000" b="1" dirty="0" smtClean="0">
-              <a:latin typeface="KoPubWorld돋움체_Pro Bold" pitchFamily="50" charset="-127"/>
-              <a:ea typeface="KoPubWorld돋움체_Pro Bold" pitchFamily="50" charset="-127"/>
-              <a:cs typeface="KoPubWorld돋움체_Pro Bold" pitchFamily="50" charset="-127"/>
-            </a:endParaRPr>
-          </a:p>
-        </p:txBody>
-      </p:sp>
-      <p:sp>
-        <p:nvSpPr>
-          <p:cNvPr id="4" name="TextBox 3"/>
-          <p:cNvSpPr txBox="1"/>
-          <p:nvPr/>
-        </p:nvSpPr>
-        <p:spPr>
-          <a:xfrm>
-            <a:off x="619944" y="753512"/>
-            <a:ext cx="3183392" cy="400110"/>
-          </a:xfrm>
-          <a:prstGeom prst="rect">
-            <a:avLst/>
-          </a:prstGeom>
-          <a:noFill/>
-        </p:spPr>
-        <p:txBody>
-          <a:bodyPr wrap="square" rtlCol="0">
-            <a:spAutoFit/>
-          </a:bodyPr>
-          <a:lstStyle/>
-          <a:p>
-            <a:r>
-              <a:rPr lang="ko-KR" altLang="en-US" sz="2000" b="1" dirty="0" smtClean="0">
-                <a:latin typeface="KoPubWorld돋움체_Pro Bold" pitchFamily="50" charset="-127"/>
-                <a:ea typeface="KoPubWorld돋움체_Pro Bold" pitchFamily="50" charset="-127"/>
-                <a:cs typeface="KoPubWorld돋움체_Pro Bold" pitchFamily="50" charset="-127"/>
-              </a:rPr>
-              <a:t>한계점</a:t>
-            </a:r>
-          </a:p>
-        </p:txBody>
-      </p:sp>
-      <p:grpSp>
-        <p:nvGrpSpPr>
-          <p:cNvPr id="39" name="그룹 38"/>
-          <p:cNvGrpSpPr/>
-          <p:nvPr/>
-        </p:nvGrpSpPr>
-        <p:grpSpPr>
-          <a:xfrm>
-            <a:off x="757133" y="1668497"/>
-            <a:ext cx="2970584" cy="3897673"/>
-            <a:chOff x="1286441" y="1268050"/>
-            <a:chExt cx="3022258" cy="4745347"/>
-          </a:xfrm>
-        </p:grpSpPr>
-        <p:sp>
-          <p:nvSpPr>
-            <p:cNvPr id="6" name="직사각형 5"/>
-            <p:cNvSpPr/>
-            <p:nvPr/>
-          </p:nvSpPr>
-          <p:spPr>
-            <a:xfrm>
-              <a:off x="2927283" y="1277637"/>
-              <a:ext cx="1381416" cy="3543970"/>
-            </a:xfrm>
-            <a:prstGeom prst="rect">
-              <a:avLst/>
-            </a:prstGeom>
-            <a:noFill/>
-            <a:ln>
-              <a:solidFill>
-                <a:schemeClr val="bg1">
-                  <a:lumMod val="65000"/>
-                </a:schemeClr>
-              </a:solidFill>
-            </a:ln>
-          </p:spPr>
-          <p:style>
-            <a:lnRef idx="2">
-              <a:schemeClr val="accent1">
-                <a:shade val="50000"/>
-              </a:schemeClr>
-            </a:lnRef>
-            <a:fillRef idx="1">
-              <a:schemeClr val="accent1"/>
-            </a:fillRef>
-            <a:effectRef idx="0">
-              <a:schemeClr val="accent1"/>
-            </a:effectRef>
-            <a:fontRef idx="minor">
-              <a:schemeClr val="lt1"/>
-            </a:fontRef>
-          </p:style>
-          <p:txBody>
-            <a:bodyPr rtlCol="0" anchor="ctr"/>
-            <a:lstStyle/>
-            <a:p>
-              <a:pPr algn="ctr"/>
-              <a:endParaRPr lang="ko-KR" altLang="en-US" sz="1400">
-                <a:latin typeface="배달의민족 도현" pitchFamily="50" charset="-127"/>
-                <a:ea typeface="배달의민족 도현" pitchFamily="50" charset="-127"/>
-              </a:endParaRPr>
-            </a:p>
-          </p:txBody>
-        </p:sp>
-        <p:sp>
-          <p:nvSpPr>
-            <p:cNvPr id="11" name="직사각형 10"/>
-            <p:cNvSpPr/>
-            <p:nvPr/>
-          </p:nvSpPr>
-          <p:spPr>
-            <a:xfrm>
-              <a:off x="1286441" y="1277637"/>
-              <a:ext cx="1555964" cy="3543970"/>
-            </a:xfrm>
-            <a:prstGeom prst="rect">
-              <a:avLst/>
-            </a:prstGeom>
-            <a:noFill/>
-            <a:ln>
-              <a:solidFill>
-                <a:schemeClr val="bg1">
-                  <a:lumMod val="65000"/>
-                </a:schemeClr>
-              </a:solidFill>
-            </a:ln>
-          </p:spPr>
-          <p:style>
-            <a:lnRef idx="2">
-              <a:schemeClr val="accent1">
-                <a:shade val="50000"/>
-              </a:schemeClr>
-            </a:lnRef>
-            <a:fillRef idx="1">
-              <a:schemeClr val="accent1"/>
-            </a:fillRef>
-            <a:effectRef idx="0">
-              <a:schemeClr val="accent1"/>
-            </a:effectRef>
-            <a:fontRef idx="minor">
-              <a:schemeClr val="lt1"/>
-            </a:fontRef>
-          </p:style>
-          <p:txBody>
-            <a:bodyPr rtlCol="0" anchor="ctr"/>
-            <a:lstStyle/>
-            <a:p>
-              <a:pPr algn="ctr"/>
-              <a:endParaRPr lang="ko-KR" altLang="en-US" sz="1400">
-                <a:latin typeface="배달의민족 도현" pitchFamily="50" charset="-127"/>
-                <a:ea typeface="배달의민족 도현" pitchFamily="50" charset="-127"/>
-              </a:endParaRPr>
-            </a:p>
-          </p:txBody>
-        </p:sp>
-        <p:sp>
-          <p:nvSpPr>
-            <p:cNvPr id="12" name="직사각형 11"/>
-            <p:cNvSpPr/>
-            <p:nvPr/>
-          </p:nvSpPr>
-          <p:spPr>
-            <a:xfrm>
-              <a:off x="2927283" y="1277638"/>
-              <a:ext cx="1381416" cy="288031"/>
-            </a:xfrm>
-            <a:prstGeom prst="rect">
-              <a:avLst/>
-            </a:prstGeom>
-            <a:solidFill>
-              <a:schemeClr val="accent6">
-                <a:lumMod val="75000"/>
-              </a:schemeClr>
-            </a:solidFill>
-            <a:ln>
-              <a:noFill/>
-            </a:ln>
-          </p:spPr>
-          <p:style>
-            <a:lnRef idx="2">
-              <a:schemeClr val="accent1">
-                <a:shade val="50000"/>
-              </a:schemeClr>
-            </a:lnRef>
-            <a:fillRef idx="1">
-              <a:schemeClr val="accent1"/>
-            </a:fillRef>
-            <a:effectRef idx="0">
-              <a:schemeClr val="accent1"/>
-            </a:effectRef>
-            <a:fontRef idx="minor">
-              <a:schemeClr val="lt1"/>
-            </a:fontRef>
-          </p:style>
-          <p:txBody>
-            <a:bodyPr rtlCol="0" anchor="ctr"/>
-            <a:lstStyle/>
-            <a:p>
-              <a:pPr algn="ctr"/>
-              <a:r>
-                <a:rPr lang="ko-KR" altLang="en-US" sz="1400" dirty="0">
-                  <a:solidFill>
-                    <a:schemeClr val="bg1"/>
-                  </a:solidFill>
-                  <a:latin typeface="배달의민족 도현" pitchFamily="50" charset="-127"/>
-                  <a:ea typeface="배달의민족 도현" pitchFamily="50" charset="-127"/>
-                </a:rPr>
-                <a:t>적재</a:t>
-              </a:r>
-            </a:p>
-          </p:txBody>
-        </p:sp>
-        <p:sp>
-          <p:nvSpPr>
-            <p:cNvPr id="15" name="직사각형 14"/>
-            <p:cNvSpPr/>
-            <p:nvPr/>
-          </p:nvSpPr>
-          <p:spPr>
-            <a:xfrm>
-              <a:off x="1460421" y="2204154"/>
-              <a:ext cx="1124823" cy="2294870"/>
-            </a:xfrm>
-            <a:prstGeom prst="rect">
-              <a:avLst/>
-            </a:prstGeom>
-            <a:solidFill>
-              <a:schemeClr val="bg1"/>
-            </a:solidFill>
-            <a:ln w="19050">
-              <a:solidFill>
-                <a:schemeClr val="tx1"/>
-              </a:solidFill>
-            </a:ln>
-          </p:spPr>
-          <p:style>
-            <a:lnRef idx="2">
-              <a:schemeClr val="accent1">
-                <a:shade val="50000"/>
-              </a:schemeClr>
-            </a:lnRef>
-            <a:fillRef idx="1">
-              <a:schemeClr val="accent1"/>
-            </a:fillRef>
-            <a:effectRef idx="0">
-              <a:schemeClr val="accent1"/>
-            </a:effectRef>
-            <a:fontRef idx="minor">
-              <a:schemeClr val="lt1"/>
-            </a:fontRef>
-          </p:style>
-          <p:txBody>
-            <a:bodyPr rtlCol="0" anchor="ctr"/>
-            <a:lstStyle/>
-            <a:p>
-              <a:pPr algn="ctr"/>
-              <a:r>
-                <a:rPr lang="en-US" altLang="ko-KR" sz="1300" dirty="0" smtClean="0">
-                  <a:solidFill>
-                    <a:schemeClr val="tx1"/>
-                  </a:solidFill>
-                  <a:latin typeface="배달의민족 도현" pitchFamily="50" charset="-127"/>
-                  <a:ea typeface="배달의민족 도현" pitchFamily="50" charset="-127"/>
-                </a:rPr>
-                <a:t>Flume</a:t>
-              </a:r>
-              <a:endParaRPr lang="ko-KR" altLang="en-US" sz="1300" dirty="0">
-                <a:solidFill>
-                  <a:schemeClr val="tx1"/>
-                </a:solidFill>
-                <a:latin typeface="배달의민족 도현" pitchFamily="50" charset="-127"/>
-                <a:ea typeface="배달의민족 도현" pitchFamily="50" charset="-127"/>
-              </a:endParaRPr>
-            </a:p>
-          </p:txBody>
-        </p:sp>
-        <p:sp>
-          <p:nvSpPr>
-            <p:cNvPr id="17" name="직사각형 16"/>
-            <p:cNvSpPr/>
-            <p:nvPr/>
-          </p:nvSpPr>
-          <p:spPr>
-            <a:xfrm>
-              <a:off x="3106067" y="2204154"/>
-              <a:ext cx="1105893" cy="520908"/>
-            </a:xfrm>
-            <a:prstGeom prst="rect">
-              <a:avLst/>
-            </a:prstGeom>
-            <a:solidFill>
-              <a:schemeClr val="bg1"/>
-            </a:solidFill>
-            <a:ln w="19050">
-              <a:solidFill>
-                <a:schemeClr val="tx1"/>
-              </a:solidFill>
-            </a:ln>
-          </p:spPr>
-          <p:style>
-            <a:lnRef idx="2">
-              <a:schemeClr val="accent1">
-                <a:shade val="50000"/>
-              </a:schemeClr>
-            </a:lnRef>
-            <a:fillRef idx="1">
-              <a:schemeClr val="accent1"/>
-            </a:fillRef>
-            <a:effectRef idx="0">
-              <a:schemeClr val="accent1"/>
-            </a:effectRef>
-            <a:fontRef idx="minor">
-              <a:schemeClr val="lt1"/>
-            </a:fontRef>
-          </p:style>
-          <p:txBody>
-            <a:bodyPr rtlCol="0" anchor="ctr"/>
-            <a:lstStyle/>
-            <a:p>
-              <a:pPr algn="ctr"/>
-              <a:r>
-                <a:rPr lang="en-US" altLang="ko-KR" sz="1300" dirty="0">
-                  <a:solidFill>
-                    <a:schemeClr val="tx1"/>
-                  </a:solidFill>
-                  <a:latin typeface="배달의민족 도현" pitchFamily="50" charset="-127"/>
-                  <a:ea typeface="배달의민족 도현" pitchFamily="50" charset="-127"/>
-                </a:rPr>
-                <a:t>Hadoop</a:t>
-              </a:r>
-              <a:endParaRPr lang="ko-KR" altLang="en-US" sz="1300" dirty="0">
-                <a:solidFill>
-                  <a:schemeClr val="tx1"/>
-                </a:solidFill>
-                <a:latin typeface="배달의민족 도현" pitchFamily="50" charset="-127"/>
-                <a:ea typeface="배달의민족 도현" pitchFamily="50" charset="-127"/>
-              </a:endParaRPr>
-            </a:p>
-          </p:txBody>
-        </p:sp>
-        <p:grpSp>
-          <p:nvGrpSpPr>
-            <p:cNvPr id="18" name="그룹 17"/>
-            <p:cNvGrpSpPr/>
-            <p:nvPr/>
-          </p:nvGrpSpPr>
-          <p:grpSpPr>
-            <a:xfrm>
-              <a:off x="1470218" y="5371631"/>
-              <a:ext cx="1372185" cy="641766"/>
-              <a:chOff x="429445" y="5521994"/>
-              <a:chExt cx="1416144" cy="641766"/>
-            </a:xfrm>
-          </p:grpSpPr>
-          <p:sp>
-            <p:nvSpPr>
-              <p:cNvPr id="19" name="순서도: 문서 18"/>
-              <p:cNvSpPr/>
-              <p:nvPr/>
-            </p:nvSpPr>
-            <p:spPr>
-              <a:xfrm>
-                <a:off x="752204" y="5521994"/>
-                <a:ext cx="1093385" cy="444348"/>
-              </a:xfrm>
-              <a:prstGeom prst="flowChartDocument">
-                <a:avLst/>
-              </a:prstGeom>
-              <a:noFill/>
-              <a:ln>
-                <a:solidFill>
-                  <a:schemeClr val="tx1"/>
-                </a:solidFill>
-              </a:ln>
-            </p:spPr>
-            <p:style>
-              <a:lnRef idx="2">
-                <a:schemeClr val="accent1">
-                  <a:shade val="50000"/>
-                </a:schemeClr>
-              </a:lnRef>
-              <a:fillRef idx="1">
-                <a:schemeClr val="accent1"/>
-              </a:fillRef>
-              <a:effectRef idx="0">
-                <a:schemeClr val="accent1"/>
-              </a:effectRef>
-              <a:fontRef idx="minor">
-                <a:schemeClr val="lt1"/>
-              </a:fontRef>
-            </p:style>
-            <p:txBody>
-              <a:bodyPr rtlCol="0" anchor="ctr"/>
-              <a:lstStyle/>
-              <a:p>
-                <a:pPr algn="ctr"/>
-                <a:endParaRPr lang="ko-KR" altLang="en-US" sz="1000" dirty="0">
-                  <a:solidFill>
-                    <a:schemeClr val="tx1"/>
-                  </a:solidFill>
-                  <a:latin typeface="배달의민족 도현" pitchFamily="50" charset="-127"/>
-                  <a:ea typeface="배달의민족 도현" pitchFamily="50" charset="-127"/>
-                </a:endParaRPr>
-              </a:p>
-            </p:txBody>
-          </p:sp>
-          <p:sp>
-            <p:nvSpPr>
-              <p:cNvPr id="20" name="순서도: 문서 19"/>
-              <p:cNvSpPr/>
-              <p:nvPr/>
-            </p:nvSpPr>
-            <p:spPr>
-              <a:xfrm>
-                <a:off x="602882" y="5624778"/>
-                <a:ext cx="1093385" cy="444348"/>
-              </a:xfrm>
-              <a:prstGeom prst="flowChartDocument">
-                <a:avLst/>
-              </a:prstGeom>
-              <a:noFill/>
-              <a:ln>
-                <a:solidFill>
-                  <a:schemeClr val="tx1"/>
-                </a:solidFill>
-              </a:ln>
-            </p:spPr>
-            <p:style>
-              <a:lnRef idx="2">
-                <a:schemeClr val="accent1">
-                  <a:shade val="50000"/>
-                </a:schemeClr>
-              </a:lnRef>
-              <a:fillRef idx="1">
-                <a:schemeClr val="accent1"/>
-              </a:fillRef>
-              <a:effectRef idx="0">
-                <a:schemeClr val="accent1"/>
-              </a:effectRef>
-              <a:fontRef idx="minor">
-                <a:schemeClr val="lt1"/>
-              </a:fontRef>
-            </p:style>
-            <p:txBody>
-              <a:bodyPr rtlCol="0" anchor="ctr"/>
-              <a:lstStyle/>
-              <a:p>
-                <a:pPr algn="ctr"/>
-                <a:endParaRPr lang="ko-KR" altLang="en-US" sz="1000" dirty="0">
-                  <a:solidFill>
-                    <a:schemeClr val="tx1"/>
-                  </a:solidFill>
-                  <a:latin typeface="배달의민족 도현" pitchFamily="50" charset="-127"/>
-                  <a:ea typeface="배달의민족 도현" pitchFamily="50" charset="-127"/>
-                </a:endParaRPr>
-              </a:p>
-            </p:txBody>
-          </p:sp>
-          <p:sp>
-            <p:nvSpPr>
-              <p:cNvPr id="21" name="순서도: 문서 20"/>
-              <p:cNvSpPr/>
-              <p:nvPr/>
-            </p:nvSpPr>
-            <p:spPr>
-              <a:xfrm>
-                <a:off x="429445" y="5719412"/>
-                <a:ext cx="1093385" cy="444348"/>
-              </a:xfrm>
-              <a:prstGeom prst="flowChartDocument">
-                <a:avLst/>
-              </a:prstGeom>
-              <a:solidFill>
-                <a:schemeClr val="bg1"/>
-              </a:solidFill>
-              <a:ln>
-                <a:solidFill>
-                  <a:schemeClr val="tx1"/>
-                </a:solidFill>
-              </a:ln>
-            </p:spPr>
-            <p:style>
-              <a:lnRef idx="2">
-                <a:schemeClr val="accent1">
-                  <a:shade val="50000"/>
-                </a:schemeClr>
-              </a:lnRef>
-              <a:fillRef idx="1">
-                <a:schemeClr val="accent1"/>
-              </a:fillRef>
-              <a:effectRef idx="0">
-                <a:schemeClr val="accent1"/>
-              </a:effectRef>
-              <a:fontRef idx="minor">
-                <a:schemeClr val="lt1"/>
-              </a:fontRef>
-            </p:style>
-            <p:txBody>
-              <a:bodyPr rtlCol="0" anchor="ctr"/>
-              <a:lstStyle/>
-              <a:p>
-                <a:pPr algn="ctr"/>
-                <a:r>
-                  <a:rPr lang="en-US" altLang="ko-KR" sz="1000" dirty="0" err="1" smtClean="0">
-                    <a:solidFill>
-                      <a:schemeClr val="tx1"/>
-                    </a:solidFill>
-                    <a:latin typeface="배달의민족 도현" pitchFamily="50" charset="-127"/>
-                    <a:ea typeface="배달의민족 도현" pitchFamily="50" charset="-127"/>
-                  </a:rPr>
-                  <a:t>SmartMeter</a:t>
-                </a:r>
-                <a:endParaRPr lang="en-US" altLang="ko-KR" sz="1000" dirty="0" smtClean="0">
-                  <a:solidFill>
-                    <a:schemeClr val="tx1"/>
-                  </a:solidFill>
-                  <a:latin typeface="배달의민족 도현" pitchFamily="50" charset="-127"/>
-                  <a:ea typeface="배달의민족 도현" pitchFamily="50" charset="-127"/>
-                </a:endParaRPr>
-              </a:p>
-              <a:p>
-                <a:pPr algn="ctr"/>
-                <a:r>
-                  <a:rPr lang="en-US" altLang="ko-KR" sz="1000" dirty="0">
-                    <a:solidFill>
-                      <a:schemeClr val="tx1"/>
-                    </a:solidFill>
-                    <a:latin typeface="배달의민족 도현" pitchFamily="50" charset="-127"/>
-                    <a:ea typeface="배달의민족 도현" pitchFamily="50" charset="-127"/>
-                  </a:rPr>
-                  <a:t>L</a:t>
-                </a:r>
-                <a:r>
-                  <a:rPr lang="en-US" altLang="ko-KR" sz="1000" dirty="0" smtClean="0">
-                    <a:solidFill>
-                      <a:schemeClr val="tx1"/>
-                    </a:solidFill>
-                    <a:latin typeface="배달의민족 도현" pitchFamily="50" charset="-127"/>
-                    <a:ea typeface="배달의민족 도현" pitchFamily="50" charset="-127"/>
-                  </a:rPr>
-                  <a:t>og</a:t>
-                </a:r>
-                <a:endParaRPr lang="ko-KR" altLang="en-US" sz="1000" dirty="0">
-                  <a:solidFill>
-                    <a:schemeClr val="tx1"/>
-                  </a:solidFill>
-                  <a:latin typeface="배달의민족 도현" pitchFamily="50" charset="-127"/>
-                  <a:ea typeface="배달의민족 도현" pitchFamily="50" charset="-127"/>
-                </a:endParaRPr>
-              </a:p>
-            </p:txBody>
-          </p:sp>
-        </p:grpSp>
-        <p:cxnSp>
-          <p:nvCxnSpPr>
-            <p:cNvPr id="26" name="직선 화살표 연결선 25"/>
-            <p:cNvCxnSpPr>
-              <a:endCxn id="15" idx="2"/>
-            </p:cNvCxnSpPr>
-            <p:nvPr/>
-          </p:nvCxnSpPr>
-          <p:spPr>
-            <a:xfrm flipV="1">
-              <a:off x="2013832" y="4499023"/>
-              <a:ext cx="9001" cy="872613"/>
-            </a:xfrm>
-            <a:prstGeom prst="straightConnector1">
-              <a:avLst/>
-            </a:prstGeom>
-            <a:ln w="22225">
-              <a:solidFill>
-                <a:schemeClr val="tx1"/>
-              </a:solidFill>
-              <a:tailEnd type="arrow"/>
-            </a:ln>
-          </p:spPr>
-          <p:style>
-            <a:lnRef idx="1">
-              <a:schemeClr val="accent1"/>
-            </a:lnRef>
-            <a:fillRef idx="0">
-              <a:schemeClr val="accent1"/>
-            </a:fillRef>
-            <a:effectRef idx="0">
-              <a:schemeClr val="accent1"/>
-            </a:effectRef>
-            <a:fontRef idx="minor">
-              <a:schemeClr val="tx1"/>
-            </a:fontRef>
-          </p:style>
-        </p:cxnSp>
-        <p:cxnSp>
-          <p:nvCxnSpPr>
-            <p:cNvPr id="27" name="직선 화살표 연결선 26"/>
-            <p:cNvCxnSpPr>
-              <a:endCxn id="17" idx="1"/>
-            </p:cNvCxnSpPr>
-            <p:nvPr/>
-          </p:nvCxnSpPr>
-          <p:spPr>
-            <a:xfrm>
-              <a:off x="2585245" y="2464608"/>
-              <a:ext cx="520822" cy="0"/>
-            </a:xfrm>
-            <a:prstGeom prst="straightConnector1">
-              <a:avLst/>
-            </a:prstGeom>
-            <a:ln w="22225">
-              <a:solidFill>
-                <a:schemeClr val="tx1"/>
-              </a:solidFill>
-              <a:tailEnd type="arrow"/>
-            </a:ln>
-          </p:spPr>
-          <p:style>
-            <a:lnRef idx="1">
-              <a:schemeClr val="accent1"/>
-            </a:lnRef>
-            <a:fillRef idx="0">
-              <a:schemeClr val="accent1"/>
-            </a:fillRef>
-            <a:effectRef idx="0">
-              <a:schemeClr val="accent1"/>
-            </a:effectRef>
-            <a:fontRef idx="minor">
-              <a:schemeClr val="tx1"/>
-            </a:fontRef>
-          </p:style>
-        </p:cxnSp>
-        <p:sp>
-          <p:nvSpPr>
-            <p:cNvPr id="35" name="직사각형 34"/>
-            <p:cNvSpPr/>
-            <p:nvPr/>
-          </p:nvSpPr>
-          <p:spPr>
-            <a:xfrm>
-              <a:off x="1286441" y="1268050"/>
-              <a:ext cx="1555963" cy="297619"/>
-            </a:xfrm>
-            <a:prstGeom prst="rect">
-              <a:avLst/>
-            </a:prstGeom>
-            <a:solidFill>
-              <a:schemeClr val="accent6">
-                <a:lumMod val="75000"/>
-              </a:schemeClr>
-            </a:solidFill>
-            <a:ln>
-              <a:noFill/>
-            </a:ln>
-          </p:spPr>
-          <p:style>
-            <a:lnRef idx="2">
-              <a:schemeClr val="accent1">
-                <a:shade val="50000"/>
-              </a:schemeClr>
-            </a:lnRef>
-            <a:fillRef idx="1">
-              <a:schemeClr val="accent1"/>
-            </a:fillRef>
-            <a:effectRef idx="0">
-              <a:schemeClr val="accent1"/>
-            </a:effectRef>
-            <a:fontRef idx="minor">
-              <a:schemeClr val="lt1"/>
-            </a:fontRef>
-          </p:style>
-          <p:txBody>
-            <a:bodyPr rtlCol="0" anchor="ctr"/>
-            <a:lstStyle/>
-            <a:p>
-              <a:pPr algn="ctr"/>
-              <a:r>
-                <a:rPr lang="ko-KR" altLang="en-US" sz="1400" dirty="0" smtClean="0">
-                  <a:solidFill>
-                    <a:schemeClr val="bg1"/>
-                  </a:solidFill>
-                  <a:latin typeface="배달의민족 도현" pitchFamily="50" charset="-127"/>
-                  <a:ea typeface="배달의민족 도현" pitchFamily="50" charset="-127"/>
-                </a:rPr>
-                <a:t>수</a:t>
-              </a:r>
-              <a:r>
-                <a:rPr lang="ko-KR" altLang="en-US" sz="1400" dirty="0">
-                  <a:solidFill>
-                    <a:schemeClr val="bg1"/>
-                  </a:solidFill>
-                  <a:latin typeface="배달의민족 도현" pitchFamily="50" charset="-127"/>
-                  <a:ea typeface="배달의민족 도현" pitchFamily="50" charset="-127"/>
-                </a:rPr>
-                <a:t>집</a:t>
-              </a:r>
-            </a:p>
-          </p:txBody>
-        </p:sp>
-      </p:grpSp>
-      <p:sp>
-        <p:nvSpPr>
-          <p:cNvPr id="43" name="직사각형 42"/>
-          <p:cNvSpPr/>
-          <p:nvPr/>
-        </p:nvSpPr>
-        <p:spPr>
-          <a:xfrm>
-            <a:off x="7102635" y="1676371"/>
-            <a:ext cx="1357797" cy="2910901"/>
-          </a:xfrm>
-          <a:prstGeom prst="rect">
-            <a:avLst/>
-          </a:prstGeom>
-          <a:noFill/>
-          <a:ln>
-            <a:solidFill>
-              <a:schemeClr val="bg1">
-                <a:lumMod val="65000"/>
-              </a:schemeClr>
-            </a:solidFill>
-          </a:ln>
-        </p:spPr>
-        <p:style>
-          <a:lnRef idx="2">
-            <a:schemeClr val="accent1">
-              <a:shade val="50000"/>
-            </a:schemeClr>
-          </a:lnRef>
-          <a:fillRef idx="1">
-            <a:schemeClr val="accent1"/>
-          </a:fillRef>
-          <a:effectRef idx="0">
-            <a:schemeClr val="accent1"/>
-          </a:effectRef>
-          <a:fontRef idx="minor">
-            <a:schemeClr val="lt1"/>
-          </a:fontRef>
-        </p:style>
-        <p:txBody>
-          <a:bodyPr rtlCol="0" anchor="ctr"/>
-          <a:lstStyle/>
-          <a:p>
-            <a:pPr algn="ctr"/>
-            <a:endParaRPr lang="ko-KR" altLang="en-US" sz="1400">
-              <a:latin typeface="배달의민족 도현" pitchFamily="50" charset="-127"/>
-              <a:ea typeface="배달의민족 도현" pitchFamily="50" charset="-127"/>
-            </a:endParaRPr>
-          </a:p>
-        </p:txBody>
-      </p:sp>
-      <p:sp>
-        <p:nvSpPr>
-          <p:cNvPr id="44" name="직사각형 43"/>
-          <p:cNvSpPr/>
-          <p:nvPr/>
-        </p:nvSpPr>
-        <p:spPr>
-          <a:xfrm>
-            <a:off x="4741826" y="1676371"/>
-            <a:ext cx="2278445" cy="2910901"/>
-          </a:xfrm>
-          <a:prstGeom prst="rect">
-            <a:avLst/>
-          </a:prstGeom>
-          <a:noFill/>
-          <a:ln>
-            <a:solidFill>
-              <a:schemeClr val="bg1">
-                <a:lumMod val="65000"/>
-              </a:schemeClr>
-            </a:solidFill>
-          </a:ln>
-        </p:spPr>
-        <p:style>
-          <a:lnRef idx="2">
-            <a:schemeClr val="accent1">
-              <a:shade val="50000"/>
-            </a:schemeClr>
-          </a:lnRef>
-          <a:fillRef idx="1">
-            <a:schemeClr val="accent1"/>
-          </a:fillRef>
-          <a:effectRef idx="0">
-            <a:schemeClr val="accent1"/>
-          </a:effectRef>
-          <a:fontRef idx="minor">
-            <a:schemeClr val="lt1"/>
-          </a:fontRef>
-        </p:style>
-        <p:txBody>
-          <a:bodyPr rtlCol="0" anchor="ctr"/>
-          <a:lstStyle/>
-          <a:p>
-            <a:pPr algn="ctr"/>
-            <a:endParaRPr lang="ko-KR" altLang="en-US" sz="1400">
-              <a:latin typeface="배달의민족 도현" pitchFamily="50" charset="-127"/>
-              <a:ea typeface="배달의민족 도현" pitchFamily="50" charset="-127"/>
-            </a:endParaRPr>
-          </a:p>
-        </p:txBody>
-      </p:sp>
-      <p:sp>
-        <p:nvSpPr>
-          <p:cNvPr id="45" name="직사각형 44"/>
-          <p:cNvSpPr/>
-          <p:nvPr/>
-        </p:nvSpPr>
-        <p:spPr>
-          <a:xfrm>
-            <a:off x="7102635" y="1676372"/>
-            <a:ext cx="1357797" cy="236579"/>
-          </a:xfrm>
-          <a:prstGeom prst="rect">
-            <a:avLst/>
-          </a:prstGeom>
-          <a:solidFill>
-            <a:schemeClr val="accent6">
-              <a:lumMod val="75000"/>
-            </a:schemeClr>
-          </a:solidFill>
-          <a:ln>
-            <a:noFill/>
-          </a:ln>
-        </p:spPr>
-        <p:style>
-          <a:lnRef idx="2">
-            <a:schemeClr val="accent1">
-              <a:shade val="50000"/>
-            </a:schemeClr>
-          </a:lnRef>
-          <a:fillRef idx="1">
-            <a:schemeClr val="accent1"/>
-          </a:fillRef>
-          <a:effectRef idx="0">
-            <a:schemeClr val="accent1"/>
-          </a:effectRef>
-          <a:fontRef idx="minor">
-            <a:schemeClr val="lt1"/>
-          </a:fontRef>
-        </p:style>
-        <p:txBody>
-          <a:bodyPr rtlCol="0" anchor="ctr"/>
-          <a:lstStyle/>
-          <a:p>
-            <a:pPr algn="ctr"/>
-            <a:r>
-              <a:rPr lang="ko-KR" altLang="en-US" sz="1400" dirty="0">
-                <a:solidFill>
-                  <a:schemeClr val="bg1"/>
-                </a:solidFill>
-                <a:latin typeface="배달의민족 도현" pitchFamily="50" charset="-127"/>
-                <a:ea typeface="배달의민족 도현" pitchFamily="50" charset="-127"/>
-              </a:rPr>
-              <a:t>적재</a:t>
-            </a:r>
-          </a:p>
-        </p:txBody>
-      </p:sp>
-      <p:sp>
-        <p:nvSpPr>
-          <p:cNvPr id="46" name="직사각형 45"/>
-          <p:cNvSpPr/>
-          <p:nvPr/>
-        </p:nvSpPr>
-        <p:spPr>
-          <a:xfrm>
-            <a:off x="4912832" y="2437383"/>
-            <a:ext cx="1105592" cy="631577"/>
-          </a:xfrm>
-          <a:prstGeom prst="rect">
-            <a:avLst/>
-          </a:prstGeom>
-          <a:solidFill>
-            <a:schemeClr val="bg1"/>
-          </a:solidFill>
-          <a:ln w="19050">
-            <a:solidFill>
-              <a:schemeClr val="tx1"/>
-            </a:solidFill>
-          </a:ln>
-        </p:spPr>
-        <p:style>
-          <a:lnRef idx="2">
-            <a:schemeClr val="accent1">
-              <a:shade val="50000"/>
-            </a:schemeClr>
-          </a:lnRef>
-          <a:fillRef idx="1">
-            <a:schemeClr val="accent1"/>
-          </a:fillRef>
-          <a:effectRef idx="0">
-            <a:schemeClr val="accent1"/>
-          </a:effectRef>
-          <a:fontRef idx="minor">
-            <a:schemeClr val="lt1"/>
-          </a:fontRef>
-        </p:style>
-        <p:txBody>
-          <a:bodyPr rtlCol="0" anchor="ctr"/>
-          <a:lstStyle/>
-          <a:p>
-            <a:pPr algn="ctr"/>
-            <a:r>
-              <a:rPr lang="en-US" altLang="ko-KR" sz="1300" dirty="0" smtClean="0">
-                <a:solidFill>
-                  <a:schemeClr val="tx1"/>
-                </a:solidFill>
-                <a:latin typeface="배달의민족 도현" pitchFamily="50" charset="-127"/>
-                <a:ea typeface="배달의민족 도현" pitchFamily="50" charset="-127"/>
-              </a:rPr>
-              <a:t>Flume</a:t>
-            </a:r>
-            <a:endParaRPr lang="ko-KR" altLang="en-US" sz="1300" dirty="0">
-              <a:solidFill>
-                <a:schemeClr val="tx1"/>
-              </a:solidFill>
-              <a:latin typeface="배달의민족 도현" pitchFamily="50" charset="-127"/>
-              <a:ea typeface="배달의민족 도현" pitchFamily="50" charset="-127"/>
-            </a:endParaRPr>
-          </a:p>
-        </p:txBody>
-      </p:sp>
-      <p:sp>
-        <p:nvSpPr>
-          <p:cNvPr id="47" name="직사각형 46"/>
-          <p:cNvSpPr/>
-          <p:nvPr/>
-        </p:nvSpPr>
-        <p:spPr>
-          <a:xfrm>
-            <a:off x="7278362" y="2437382"/>
-            <a:ext cx="1086985" cy="427857"/>
-          </a:xfrm>
-          <a:prstGeom prst="rect">
-            <a:avLst/>
-          </a:prstGeom>
-          <a:solidFill>
-            <a:schemeClr val="bg1"/>
-          </a:solidFill>
-          <a:ln w="19050">
-            <a:solidFill>
-              <a:schemeClr val="tx1"/>
-            </a:solidFill>
-          </a:ln>
-        </p:spPr>
-        <p:style>
-          <a:lnRef idx="2">
-            <a:schemeClr val="accent1">
-              <a:shade val="50000"/>
-            </a:schemeClr>
-          </a:lnRef>
-          <a:fillRef idx="1">
-            <a:schemeClr val="accent1"/>
-          </a:fillRef>
-          <a:effectRef idx="0">
-            <a:schemeClr val="accent1"/>
-          </a:effectRef>
-          <a:fontRef idx="minor">
-            <a:schemeClr val="lt1"/>
-          </a:fontRef>
-        </p:style>
-        <p:txBody>
-          <a:bodyPr rtlCol="0" anchor="ctr"/>
-          <a:lstStyle/>
-          <a:p>
-            <a:pPr algn="ctr"/>
-            <a:r>
-              <a:rPr lang="en-US" altLang="ko-KR" sz="1300" dirty="0">
-                <a:solidFill>
-                  <a:schemeClr val="tx1"/>
-                </a:solidFill>
-                <a:latin typeface="배달의민족 도현" pitchFamily="50" charset="-127"/>
-                <a:ea typeface="배달의민족 도현" pitchFamily="50" charset="-127"/>
-              </a:rPr>
-              <a:t>Hadoop</a:t>
-            </a:r>
-            <a:endParaRPr lang="ko-KR" altLang="en-US" sz="1300" dirty="0">
-              <a:solidFill>
-                <a:schemeClr val="tx1"/>
-              </a:solidFill>
-              <a:latin typeface="배달의민족 도현" pitchFamily="50" charset="-127"/>
-              <a:ea typeface="배달의민족 도현" pitchFamily="50" charset="-127"/>
-            </a:endParaRPr>
-          </a:p>
-        </p:txBody>
-      </p:sp>
-      <p:grpSp>
-        <p:nvGrpSpPr>
-          <p:cNvPr id="48" name="그룹 47"/>
-          <p:cNvGrpSpPr/>
-          <p:nvPr/>
-        </p:nvGrpSpPr>
-        <p:grpSpPr>
-          <a:xfrm>
-            <a:off x="4922462" y="5039044"/>
-            <a:ext cx="1348724" cy="527126"/>
-            <a:chOff x="429445" y="5521994"/>
-            <a:chExt cx="1416144" cy="641766"/>
-          </a:xfrm>
-        </p:grpSpPr>
-        <p:sp>
-          <p:nvSpPr>
-            <p:cNvPr id="52" name="순서도: 문서 51"/>
-            <p:cNvSpPr/>
-            <p:nvPr/>
-          </p:nvSpPr>
-          <p:spPr>
-            <a:xfrm>
-              <a:off x="752204" y="5521994"/>
-              <a:ext cx="1093385" cy="444348"/>
-            </a:xfrm>
-            <a:prstGeom prst="flowChartDocument">
-              <a:avLst/>
-            </a:prstGeom>
-            <a:noFill/>
-            <a:ln>
-              <a:solidFill>
-                <a:schemeClr val="tx1"/>
-              </a:solidFill>
-            </a:ln>
-          </p:spPr>
-          <p:style>
-            <a:lnRef idx="2">
-              <a:schemeClr val="accent1">
-                <a:shade val="50000"/>
-              </a:schemeClr>
-            </a:lnRef>
-            <a:fillRef idx="1">
-              <a:schemeClr val="accent1"/>
-            </a:fillRef>
-            <a:effectRef idx="0">
-              <a:schemeClr val="accent1"/>
-            </a:effectRef>
-            <a:fontRef idx="minor">
-              <a:schemeClr val="lt1"/>
-            </a:fontRef>
-          </p:style>
-          <p:txBody>
-            <a:bodyPr rtlCol="0" anchor="ctr"/>
-            <a:lstStyle/>
-            <a:p>
-              <a:pPr algn="ctr"/>
-              <a:endParaRPr lang="ko-KR" altLang="en-US" sz="1000" dirty="0">
-                <a:solidFill>
-                  <a:schemeClr val="tx1"/>
-                </a:solidFill>
-                <a:latin typeface="배달의민족 도현" pitchFamily="50" charset="-127"/>
-                <a:ea typeface="배달의민족 도현" pitchFamily="50" charset="-127"/>
-              </a:endParaRPr>
-            </a:p>
-          </p:txBody>
-        </p:sp>
-        <p:sp>
-          <p:nvSpPr>
-            <p:cNvPr id="53" name="순서도: 문서 52"/>
-            <p:cNvSpPr/>
-            <p:nvPr/>
-          </p:nvSpPr>
-          <p:spPr>
-            <a:xfrm>
-              <a:off x="602882" y="5624778"/>
-              <a:ext cx="1093385" cy="444348"/>
-            </a:xfrm>
-            <a:prstGeom prst="flowChartDocument">
-              <a:avLst/>
-            </a:prstGeom>
-            <a:noFill/>
-            <a:ln>
-              <a:solidFill>
-                <a:schemeClr val="tx1"/>
-              </a:solidFill>
-            </a:ln>
-          </p:spPr>
-          <p:style>
-            <a:lnRef idx="2">
-              <a:schemeClr val="accent1">
-                <a:shade val="50000"/>
-              </a:schemeClr>
-            </a:lnRef>
-            <a:fillRef idx="1">
-              <a:schemeClr val="accent1"/>
-            </a:fillRef>
-            <a:effectRef idx="0">
-              <a:schemeClr val="accent1"/>
-            </a:effectRef>
-            <a:fontRef idx="minor">
-              <a:schemeClr val="lt1"/>
-            </a:fontRef>
-          </p:style>
-          <p:txBody>
-            <a:bodyPr rtlCol="0" anchor="ctr"/>
-            <a:lstStyle/>
-            <a:p>
-              <a:pPr algn="ctr"/>
-              <a:endParaRPr lang="ko-KR" altLang="en-US" sz="1000" dirty="0">
-                <a:solidFill>
-                  <a:schemeClr val="tx1"/>
-                </a:solidFill>
-                <a:latin typeface="배달의민족 도현" pitchFamily="50" charset="-127"/>
-                <a:ea typeface="배달의민족 도현" pitchFamily="50" charset="-127"/>
-              </a:endParaRPr>
-            </a:p>
-          </p:txBody>
-        </p:sp>
-        <p:sp>
-          <p:nvSpPr>
-            <p:cNvPr id="54" name="순서도: 문서 53"/>
-            <p:cNvSpPr/>
-            <p:nvPr/>
-          </p:nvSpPr>
-          <p:spPr>
-            <a:xfrm>
-              <a:off x="429445" y="5719412"/>
-              <a:ext cx="1093385" cy="444348"/>
-            </a:xfrm>
-            <a:prstGeom prst="flowChartDocument">
-              <a:avLst/>
-            </a:prstGeom>
-            <a:solidFill>
-              <a:schemeClr val="bg1"/>
-            </a:solidFill>
-            <a:ln>
-              <a:solidFill>
-                <a:schemeClr val="tx1"/>
-              </a:solidFill>
-            </a:ln>
-          </p:spPr>
-          <p:style>
-            <a:lnRef idx="2">
-              <a:schemeClr val="accent1">
-                <a:shade val="50000"/>
-              </a:schemeClr>
-            </a:lnRef>
-            <a:fillRef idx="1">
-              <a:schemeClr val="accent1"/>
-            </a:fillRef>
-            <a:effectRef idx="0">
-              <a:schemeClr val="accent1"/>
-            </a:effectRef>
-            <a:fontRef idx="minor">
-              <a:schemeClr val="lt1"/>
-            </a:fontRef>
-          </p:style>
-          <p:txBody>
-            <a:bodyPr rtlCol="0" anchor="ctr"/>
-            <a:lstStyle/>
-            <a:p>
-              <a:pPr algn="ctr"/>
-              <a:r>
-                <a:rPr lang="en-US" altLang="ko-KR" sz="1000" dirty="0" err="1">
-                  <a:solidFill>
-                    <a:schemeClr val="tx1"/>
-                  </a:solidFill>
-                  <a:latin typeface="배달의민족 도현" pitchFamily="50" charset="-127"/>
-                  <a:ea typeface="배달의민족 도현" pitchFamily="50" charset="-127"/>
-                </a:rPr>
-                <a:t>SmartMeter</a:t>
-              </a:r>
-              <a:endParaRPr lang="en-US" altLang="ko-KR" sz="1000" dirty="0">
-                <a:solidFill>
-                  <a:schemeClr val="tx1"/>
-                </a:solidFill>
-                <a:latin typeface="배달의민족 도현" pitchFamily="50" charset="-127"/>
-                <a:ea typeface="배달의민족 도현" pitchFamily="50" charset="-127"/>
-              </a:endParaRPr>
-            </a:p>
-            <a:p>
-              <a:pPr algn="ctr"/>
-              <a:r>
-                <a:rPr lang="en-US" altLang="ko-KR" sz="1000" dirty="0">
-                  <a:solidFill>
-                    <a:schemeClr val="tx1"/>
-                  </a:solidFill>
-                  <a:latin typeface="배달의민족 도현" pitchFamily="50" charset="-127"/>
-                  <a:ea typeface="배달의민족 도현" pitchFamily="50" charset="-127"/>
-                </a:rPr>
-                <a:t>Log</a:t>
-              </a:r>
-              <a:endParaRPr lang="ko-KR" altLang="en-US" sz="1000" dirty="0">
-                <a:solidFill>
-                  <a:schemeClr val="tx1"/>
-                </a:solidFill>
-                <a:latin typeface="배달의민족 도현" pitchFamily="50" charset="-127"/>
-                <a:ea typeface="배달의민족 도현" pitchFamily="50" charset="-127"/>
-              </a:endParaRPr>
-            </a:p>
-          </p:txBody>
-        </p:sp>
-      </p:grpSp>
-      <p:cxnSp>
-        <p:nvCxnSpPr>
-          <p:cNvPr id="49" name="직선 화살표 연결선 48"/>
-          <p:cNvCxnSpPr>
-            <a:endCxn id="46" idx="2"/>
-          </p:cNvCxnSpPr>
-          <p:nvPr/>
-        </p:nvCxnSpPr>
-        <p:spPr>
-          <a:xfrm flipV="1">
-            <a:off x="5456781" y="3068960"/>
-            <a:ext cx="8847" cy="1970090"/>
-          </a:xfrm>
-          <a:prstGeom prst="straightConnector1">
-            <a:avLst/>
-          </a:prstGeom>
-          <a:ln w="22225">
-            <a:solidFill>
-              <a:schemeClr val="tx1"/>
-            </a:solidFill>
-            <a:tailEnd type="arrow"/>
-          </a:ln>
-        </p:spPr>
-        <p:style>
-          <a:lnRef idx="1">
-            <a:schemeClr val="accent1"/>
-          </a:lnRef>
-          <a:fillRef idx="0">
-            <a:schemeClr val="accent1"/>
-          </a:fillRef>
-          <a:effectRef idx="0">
-            <a:schemeClr val="accent1"/>
-          </a:effectRef>
-          <a:fontRef idx="minor">
-            <a:schemeClr val="tx1"/>
-          </a:fontRef>
-        </p:style>
-      </p:cxnSp>
-      <p:cxnSp>
-        <p:nvCxnSpPr>
-          <p:cNvPr id="50" name="직선 화살표 연결선 49"/>
-          <p:cNvCxnSpPr>
-            <a:endCxn id="47" idx="1"/>
-          </p:cNvCxnSpPr>
-          <p:nvPr/>
-        </p:nvCxnSpPr>
-        <p:spPr>
-          <a:xfrm>
-            <a:off x="6018424" y="2651310"/>
-            <a:ext cx="1259938" cy="1"/>
-          </a:xfrm>
-          <a:prstGeom prst="straightConnector1">
-            <a:avLst/>
-          </a:prstGeom>
-          <a:ln w="22225">
-            <a:solidFill>
-              <a:schemeClr val="tx1"/>
-            </a:solidFill>
-            <a:tailEnd type="arrow"/>
-          </a:ln>
-        </p:spPr>
-        <p:style>
-          <a:lnRef idx="1">
-            <a:schemeClr val="accent1"/>
-          </a:lnRef>
-          <a:fillRef idx="0">
-            <a:schemeClr val="accent1"/>
-          </a:fillRef>
-          <a:effectRef idx="0">
-            <a:schemeClr val="accent1"/>
-          </a:effectRef>
-          <a:fontRef idx="minor">
-            <a:schemeClr val="tx1"/>
-          </a:fontRef>
-        </p:style>
-      </p:cxnSp>
-      <p:sp>
-        <p:nvSpPr>
-          <p:cNvPr id="51" name="직사각형 50"/>
-          <p:cNvSpPr/>
-          <p:nvPr/>
-        </p:nvSpPr>
-        <p:spPr>
-          <a:xfrm>
-            <a:off x="4741827" y="1668497"/>
-            <a:ext cx="2278444" cy="244455"/>
-          </a:xfrm>
-          <a:prstGeom prst="rect">
-            <a:avLst/>
-          </a:prstGeom>
-          <a:solidFill>
-            <a:schemeClr val="accent6">
-              <a:lumMod val="75000"/>
-            </a:schemeClr>
-          </a:solidFill>
-          <a:ln>
-            <a:noFill/>
-          </a:ln>
-        </p:spPr>
-        <p:style>
-          <a:lnRef idx="2">
-            <a:schemeClr val="accent1">
-              <a:shade val="50000"/>
-            </a:schemeClr>
-          </a:lnRef>
-          <a:fillRef idx="1">
-            <a:schemeClr val="accent1"/>
-          </a:fillRef>
-          <a:effectRef idx="0">
-            <a:schemeClr val="accent1"/>
-          </a:effectRef>
-          <a:fontRef idx="minor">
-            <a:schemeClr val="lt1"/>
-          </a:fontRef>
-        </p:style>
-        <p:txBody>
-          <a:bodyPr rtlCol="0" anchor="ctr"/>
-          <a:lstStyle/>
-          <a:p>
-            <a:pPr algn="ctr"/>
-            <a:r>
-              <a:rPr lang="ko-KR" altLang="en-US" sz="1400" dirty="0" smtClean="0">
-                <a:solidFill>
-                  <a:schemeClr val="bg1"/>
-                </a:solidFill>
-                <a:latin typeface="배달의민족 도현" pitchFamily="50" charset="-127"/>
-                <a:ea typeface="배달의민족 도현" pitchFamily="50" charset="-127"/>
-              </a:rPr>
-              <a:t>수</a:t>
-            </a:r>
-            <a:r>
-              <a:rPr lang="ko-KR" altLang="en-US" sz="1400" dirty="0">
-                <a:solidFill>
-                  <a:schemeClr val="bg1"/>
-                </a:solidFill>
-                <a:latin typeface="배달의민족 도현" pitchFamily="50" charset="-127"/>
-                <a:ea typeface="배달의민족 도현" pitchFamily="50" charset="-127"/>
-              </a:rPr>
-              <a:t>집</a:t>
-            </a:r>
-          </a:p>
-        </p:txBody>
-      </p:sp>
-      <p:sp>
-        <p:nvSpPr>
-          <p:cNvPr id="58" name="직사각형 57"/>
-          <p:cNvSpPr/>
-          <p:nvPr/>
-        </p:nvSpPr>
-        <p:spPr>
-          <a:xfrm>
-            <a:off x="6018424" y="3379847"/>
-            <a:ext cx="898561" cy="542038"/>
-          </a:xfrm>
-          <a:prstGeom prst="rect">
-            <a:avLst/>
-          </a:prstGeom>
-          <a:solidFill>
-            <a:schemeClr val="bg1"/>
-          </a:solidFill>
-          <a:ln w="19050">
-            <a:solidFill>
-              <a:schemeClr val="tx1"/>
-            </a:solidFill>
-          </a:ln>
-        </p:spPr>
-        <p:style>
-          <a:lnRef idx="2">
-            <a:schemeClr val="accent1">
-              <a:shade val="50000"/>
-            </a:schemeClr>
-          </a:lnRef>
-          <a:fillRef idx="1">
-            <a:schemeClr val="accent1"/>
-          </a:fillRef>
-          <a:effectRef idx="0">
-            <a:schemeClr val="accent1"/>
-          </a:effectRef>
-          <a:fontRef idx="minor">
-            <a:schemeClr val="lt1"/>
-          </a:fontRef>
-        </p:style>
-        <p:txBody>
-          <a:bodyPr rtlCol="0" anchor="ctr"/>
-          <a:lstStyle/>
-          <a:p>
-            <a:pPr algn="ctr"/>
-            <a:r>
-              <a:rPr lang="en-US" altLang="ko-KR" sz="1300" dirty="0" smtClean="0">
-                <a:solidFill>
-                  <a:schemeClr val="tx1"/>
-                </a:solidFill>
-                <a:latin typeface="배달의민족 도현" pitchFamily="50" charset="-127"/>
-                <a:ea typeface="배달의민족 도현" pitchFamily="50" charset="-127"/>
-              </a:rPr>
-              <a:t>Kafka</a:t>
-            </a:r>
-            <a:endParaRPr lang="ko-KR" altLang="en-US" sz="1300" dirty="0">
-              <a:solidFill>
-                <a:schemeClr val="tx1"/>
-              </a:solidFill>
-              <a:latin typeface="배달의민족 도현" pitchFamily="50" charset="-127"/>
-              <a:ea typeface="배달의민족 도현" pitchFamily="50" charset="-127"/>
-            </a:endParaRPr>
-          </a:p>
-        </p:txBody>
-      </p:sp>
-      <p:cxnSp>
-        <p:nvCxnSpPr>
-          <p:cNvPr id="60" name="꺾인 연결선 59"/>
-          <p:cNvCxnSpPr>
-            <a:stCxn id="46" idx="3"/>
-            <a:endCxn id="58" idx="0"/>
-          </p:cNvCxnSpPr>
-          <p:nvPr/>
-        </p:nvCxnSpPr>
-        <p:spPr>
-          <a:xfrm>
-            <a:off x="6018424" y="2753172"/>
-            <a:ext cx="449281" cy="626675"/>
-          </a:xfrm>
-          <a:prstGeom prst="bentConnector2">
-            <a:avLst/>
-          </a:prstGeom>
-          <a:ln w="22225">
-            <a:solidFill>
-              <a:schemeClr val="tx1"/>
-            </a:solidFill>
-            <a:tailEnd type="arrow"/>
-          </a:ln>
-        </p:spPr>
-        <p:style>
-          <a:lnRef idx="1">
-            <a:schemeClr val="accent1"/>
-          </a:lnRef>
-          <a:fillRef idx="0">
-            <a:schemeClr val="accent1"/>
-          </a:fillRef>
-          <a:effectRef idx="0">
-            <a:schemeClr val="accent1"/>
-          </a:effectRef>
-          <a:fontRef idx="minor">
-            <a:schemeClr val="tx1"/>
-          </a:fontRef>
-        </p:style>
-      </p:cxnSp>
-      <p:sp>
-        <p:nvSpPr>
-          <p:cNvPr id="66" name="직사각형 65"/>
-          <p:cNvSpPr/>
-          <p:nvPr/>
-        </p:nvSpPr>
-        <p:spPr>
-          <a:xfrm>
-            <a:off x="7279875" y="3436937"/>
-            <a:ext cx="1086985" cy="427857"/>
-          </a:xfrm>
-          <a:prstGeom prst="rect">
-            <a:avLst/>
-          </a:prstGeom>
-          <a:solidFill>
-            <a:schemeClr val="bg1"/>
-          </a:solidFill>
-          <a:ln w="19050">
-            <a:solidFill>
-              <a:schemeClr val="tx1"/>
-            </a:solidFill>
-          </a:ln>
-        </p:spPr>
-        <p:style>
-          <a:lnRef idx="2">
-            <a:schemeClr val="accent1">
-              <a:shade val="50000"/>
-            </a:schemeClr>
-          </a:lnRef>
-          <a:fillRef idx="1">
-            <a:schemeClr val="accent1"/>
-          </a:fillRef>
-          <a:effectRef idx="0">
-            <a:schemeClr val="accent1"/>
-          </a:effectRef>
-          <a:fontRef idx="minor">
-            <a:schemeClr val="lt1"/>
-          </a:fontRef>
-        </p:style>
-        <p:txBody>
-          <a:bodyPr rtlCol="0" anchor="ctr"/>
-          <a:lstStyle/>
-          <a:p>
-            <a:pPr algn="ctr"/>
-            <a:r>
-              <a:rPr lang="en-US" altLang="ko-KR" sz="1300" dirty="0">
-                <a:solidFill>
-                  <a:schemeClr val="tx1"/>
-                </a:solidFill>
-                <a:latin typeface="배달의민족 도현" pitchFamily="50" charset="-127"/>
-                <a:ea typeface="배달의민족 도현" pitchFamily="50" charset="-127"/>
-              </a:rPr>
-              <a:t>Hadoop</a:t>
-            </a:r>
-            <a:endParaRPr lang="ko-KR" altLang="en-US" sz="1300" dirty="0">
-              <a:solidFill>
-                <a:schemeClr val="tx1"/>
-              </a:solidFill>
-              <a:latin typeface="배달의민족 도현" pitchFamily="50" charset="-127"/>
-              <a:ea typeface="배달의민족 도현" pitchFamily="50" charset="-127"/>
-            </a:endParaRPr>
-          </a:p>
-        </p:txBody>
-      </p:sp>
-      <p:cxnSp>
-        <p:nvCxnSpPr>
-          <p:cNvPr id="67" name="직선 화살표 연결선 66"/>
-          <p:cNvCxnSpPr>
-            <a:stCxn id="58" idx="3"/>
-            <a:endCxn id="66" idx="1"/>
-          </p:cNvCxnSpPr>
-          <p:nvPr/>
-        </p:nvCxnSpPr>
-        <p:spPr>
-          <a:xfrm>
-            <a:off x="6916985" y="3650866"/>
-            <a:ext cx="362890" cy="0"/>
-          </a:xfrm>
-          <a:prstGeom prst="straightConnector1">
-            <a:avLst/>
-          </a:prstGeom>
-          <a:ln w="22225">
-            <a:solidFill>
-              <a:schemeClr val="tx1"/>
-            </a:solidFill>
-            <a:tailEnd type="arrow"/>
-          </a:ln>
-        </p:spPr>
-        <p:style>
-          <a:lnRef idx="1">
-            <a:schemeClr val="accent1"/>
-          </a:lnRef>
-          <a:fillRef idx="0">
-            <a:schemeClr val="accent1"/>
-          </a:fillRef>
-          <a:effectRef idx="0">
-            <a:schemeClr val="accent1"/>
-          </a:effectRef>
-          <a:fontRef idx="minor">
-            <a:schemeClr val="tx1"/>
-          </a:fontRef>
-        </p:style>
-      </p:cxnSp>
-      <p:cxnSp>
-        <p:nvCxnSpPr>
-          <p:cNvPr id="71" name="직선 화살표 연결선 70"/>
-          <p:cNvCxnSpPr>
-            <a:stCxn id="47" idx="2"/>
-            <a:endCxn id="66" idx="0"/>
-          </p:cNvCxnSpPr>
-          <p:nvPr/>
-        </p:nvCxnSpPr>
-        <p:spPr>
-          <a:xfrm>
-            <a:off x="7821855" y="2865239"/>
-            <a:ext cx="1513" cy="571698"/>
-          </a:xfrm>
-          <a:prstGeom prst="straightConnector1">
-            <a:avLst/>
-          </a:prstGeom>
-          <a:ln w="22225">
-            <a:solidFill>
-              <a:schemeClr val="tx1"/>
-            </a:solidFill>
-            <a:headEnd type="arrow"/>
-            <a:tailEnd type="arrow"/>
-          </a:ln>
-        </p:spPr>
-        <p:style>
-          <a:lnRef idx="1">
-            <a:schemeClr val="accent1"/>
-          </a:lnRef>
-          <a:fillRef idx="0">
-            <a:schemeClr val="accent1"/>
-          </a:fillRef>
-          <a:effectRef idx="0">
-            <a:schemeClr val="accent1"/>
-          </a:effectRef>
-          <a:fontRef idx="minor">
-            <a:schemeClr val="tx1"/>
-          </a:fontRef>
-        </p:style>
-      </p:cxnSp>
-    </p:spTree>
-    <p:extLst>
-      <p:ext uri="{BB962C8B-B14F-4D97-AF65-F5344CB8AC3E}">
-        <p14:creationId xmlns:p14="http://schemas.microsoft.com/office/powerpoint/2010/main" val="1017374529"/>
+        <p14:creationId xmlns:p14="http://schemas.microsoft.com/office/powerpoint/2010/main" val="1716019209"/>
       </p:ext>
     </p:extLst>
   </p:cSld>

--- a/보고서/보고서_뒷부분.pptx
+++ b/보고서/보고서_뒷부분.pptx
@@ -5,7 +5,7 @@
     <p:sldMasterId id="2147483648" r:id="rId1"/>
   </p:sldMasterIdLst>
   <p:notesMasterIdLst>
-    <p:notesMasterId r:id="rId9"/>
+    <p:notesMasterId r:id="rId8"/>
   </p:notesMasterIdLst>
   <p:sldIdLst>
     <p:sldId id="256" r:id="rId2"/>
@@ -13,8 +13,7 @@
     <p:sldId id="270" r:id="rId4"/>
     <p:sldId id="271" r:id="rId5"/>
     <p:sldId id="279" r:id="rId6"/>
-    <p:sldId id="281" r:id="rId7"/>
-    <p:sldId id="280" r:id="rId8"/>
+    <p:sldId id="280" r:id="rId7"/>
   </p:sldIdLst>
   <p:sldSz cx="9144000" cy="6858000" type="screen4x3"/>
   <p:notesSz cx="6858000" cy="9144000"/>
@@ -252,11 +251,11 @@
         </c:dLbls>
         <c:marker val="1"/>
         <c:smooth val="0"/>
-        <c:axId val="119750144"/>
-        <c:axId val="90924736"/>
+        <c:axId val="119174656"/>
+        <c:axId val="94725824"/>
       </c:lineChart>
       <c:catAx>
-        <c:axId val="119750144"/>
+        <c:axId val="119174656"/>
         <c:scaling>
           <c:orientation val="minMax"/>
         </c:scaling>
@@ -277,7 +276,7 @@
             <a:endParaRPr lang="ko-KR"/>
           </a:p>
         </c:txPr>
-        <c:crossAx val="90924736"/>
+        <c:crossAx val="94725824"/>
         <c:crosses val="autoZero"/>
         <c:auto val="1"/>
         <c:lblAlgn val="ctr"/>
@@ -285,7 +284,7 @@
         <c:noMultiLvlLbl val="0"/>
       </c:catAx>
       <c:valAx>
-        <c:axId val="90924736"/>
+        <c:axId val="94725824"/>
         <c:scaling>
           <c:orientation val="minMax"/>
         </c:scaling>
@@ -309,7 +308,7 @@
             <a:endParaRPr lang="ko-KR"/>
           </a:p>
         </c:txPr>
-        <c:crossAx val="119750144"/>
+        <c:crossAx val="119174656"/>
         <c:crosses val="autoZero"/>
         <c:crossBetween val="between"/>
       </c:valAx>
@@ -459,11 +458,11 @@
           <c:showBubbleSize val="0"/>
         </c:dLbls>
         <c:gapWidth val="150"/>
-        <c:axId val="118070784"/>
-        <c:axId val="90927040"/>
+        <c:axId val="93451776"/>
+        <c:axId val="94728128"/>
       </c:barChart>
       <c:catAx>
-        <c:axId val="118070784"/>
+        <c:axId val="93451776"/>
         <c:scaling>
           <c:orientation val="minMax"/>
         </c:scaling>
@@ -482,7 +481,7 @@
             <a:endParaRPr lang="ko-KR"/>
           </a:p>
         </c:txPr>
-        <c:crossAx val="90927040"/>
+        <c:crossAx val="94728128"/>
         <c:crosses val="autoZero"/>
         <c:auto val="1"/>
         <c:lblAlgn val="ctr"/>
@@ -490,7 +489,7 @@
         <c:noMultiLvlLbl val="0"/>
       </c:catAx>
       <c:valAx>
-        <c:axId val="90927040"/>
+        <c:axId val="94728128"/>
         <c:scaling>
           <c:orientation val="minMax"/>
         </c:scaling>
@@ -511,7 +510,7 @@
             <a:endParaRPr lang="ko-KR"/>
           </a:p>
         </c:txPr>
-        <c:crossAx val="118070784"/>
+        <c:crossAx val="93451776"/>
         <c:crosses val="autoZero"/>
         <c:crossBetween val="between"/>
       </c:valAx>
@@ -608,7 +607,7 @@
           <a:p>
             <a:fld id="{77AA00C3-B075-4AD8-BDD5-B7395045C280}" type="datetimeFigureOut">
               <a:rPr lang="ko-KR" altLang="en-US" smtClean="0"/>
-              <a:t>2019-11-06</a:t>
+              <a:t>2019-11-07</a:t>
             </a:fld>
             <a:endParaRPr lang="ko-KR" altLang="en-US"/>
           </a:p>
@@ -1057,7 +1056,7 @@
           <a:p>
             <a:fld id="{E9E89039-DA1B-4BDE-B419-63F4CA33CB7A}" type="datetimeFigureOut">
               <a:rPr lang="ko-KR" altLang="en-US" smtClean="0"/>
-              <a:t>2019-11-06</a:t>
+              <a:t>2019-11-07</a:t>
             </a:fld>
             <a:endParaRPr lang="ko-KR" altLang="en-US"/>
           </a:p>
@@ -1227,7 +1226,7 @@
           <a:p>
             <a:fld id="{E9E89039-DA1B-4BDE-B419-63F4CA33CB7A}" type="datetimeFigureOut">
               <a:rPr lang="ko-KR" altLang="en-US" smtClean="0"/>
-              <a:t>2019-11-06</a:t>
+              <a:t>2019-11-07</a:t>
             </a:fld>
             <a:endParaRPr lang="ko-KR" altLang="en-US"/>
           </a:p>
@@ -1407,7 +1406,7 @@
           <a:p>
             <a:fld id="{E9E89039-DA1B-4BDE-B419-63F4CA33CB7A}" type="datetimeFigureOut">
               <a:rPr lang="ko-KR" altLang="en-US" smtClean="0"/>
-              <a:t>2019-11-06</a:t>
+              <a:t>2019-11-07</a:t>
             </a:fld>
             <a:endParaRPr lang="ko-KR" altLang="en-US"/>
           </a:p>
@@ -1577,7 +1576,7 @@
           <a:p>
             <a:fld id="{E9E89039-DA1B-4BDE-B419-63F4CA33CB7A}" type="datetimeFigureOut">
               <a:rPr lang="ko-KR" altLang="en-US" smtClean="0"/>
-              <a:t>2019-11-06</a:t>
+              <a:t>2019-11-07</a:t>
             </a:fld>
             <a:endParaRPr lang="ko-KR" altLang="en-US"/>
           </a:p>
@@ -1823,7 +1822,7 @@
           <a:p>
             <a:fld id="{E9E89039-DA1B-4BDE-B419-63F4CA33CB7A}" type="datetimeFigureOut">
               <a:rPr lang="ko-KR" altLang="en-US" smtClean="0"/>
-              <a:t>2019-11-06</a:t>
+              <a:t>2019-11-07</a:t>
             </a:fld>
             <a:endParaRPr lang="ko-KR" altLang="en-US"/>
           </a:p>
@@ -2111,7 +2110,7 @@
           <a:p>
             <a:fld id="{E9E89039-DA1B-4BDE-B419-63F4CA33CB7A}" type="datetimeFigureOut">
               <a:rPr lang="ko-KR" altLang="en-US" smtClean="0"/>
-              <a:t>2019-11-06</a:t>
+              <a:t>2019-11-07</a:t>
             </a:fld>
             <a:endParaRPr lang="ko-KR" altLang="en-US"/>
           </a:p>
@@ -2533,7 +2532,7 @@
           <a:p>
             <a:fld id="{E9E89039-DA1B-4BDE-B419-63F4CA33CB7A}" type="datetimeFigureOut">
               <a:rPr lang="ko-KR" altLang="en-US" smtClean="0"/>
-              <a:t>2019-11-06</a:t>
+              <a:t>2019-11-07</a:t>
             </a:fld>
             <a:endParaRPr lang="ko-KR" altLang="en-US"/>
           </a:p>
@@ -2651,7 +2650,7 @@
           <a:p>
             <a:fld id="{E9E89039-DA1B-4BDE-B419-63F4CA33CB7A}" type="datetimeFigureOut">
               <a:rPr lang="ko-KR" altLang="en-US" smtClean="0"/>
-              <a:t>2019-11-06</a:t>
+              <a:t>2019-11-07</a:t>
             </a:fld>
             <a:endParaRPr lang="ko-KR" altLang="en-US"/>
           </a:p>
@@ -2746,7 +2745,7 @@
           <a:p>
             <a:fld id="{E9E89039-DA1B-4BDE-B419-63F4CA33CB7A}" type="datetimeFigureOut">
               <a:rPr lang="ko-KR" altLang="en-US" smtClean="0"/>
-              <a:t>2019-11-06</a:t>
+              <a:t>2019-11-07</a:t>
             </a:fld>
             <a:endParaRPr lang="ko-KR" altLang="en-US"/>
           </a:p>
@@ -3023,7 +3022,7 @@
           <a:p>
             <a:fld id="{E9E89039-DA1B-4BDE-B419-63F4CA33CB7A}" type="datetimeFigureOut">
               <a:rPr lang="ko-KR" altLang="en-US" smtClean="0"/>
-              <a:t>2019-11-06</a:t>
+              <a:t>2019-11-07</a:t>
             </a:fld>
             <a:endParaRPr lang="ko-KR" altLang="en-US"/>
           </a:p>
@@ -3276,7 +3275,7 @@
           <a:p>
             <a:fld id="{E9E89039-DA1B-4BDE-B419-63F4CA33CB7A}" type="datetimeFigureOut">
               <a:rPr lang="ko-KR" altLang="en-US" smtClean="0"/>
-              <a:t>2019-11-06</a:t>
+              <a:t>2019-11-07</a:t>
             </a:fld>
             <a:endParaRPr lang="ko-KR" altLang="en-US"/>
           </a:p>
@@ -3489,7 +3488,7 @@
           <a:p>
             <a:fld id="{E9E89039-DA1B-4BDE-B419-63F4CA33CB7A}" type="datetimeFigureOut">
               <a:rPr lang="ko-KR" altLang="en-US" smtClean="0"/>
-              <a:t>2019-11-06</a:t>
+              <a:t>2019-11-07</a:t>
             </a:fld>
             <a:endParaRPr lang="ko-KR" altLang="en-US"/>
           </a:p>
@@ -5706,39 +5705,6 @@
       </p:sp>
       <p:sp>
         <p:nvSpPr>
-          <p:cNvPr id="15" name="TextBox 14"/>
-          <p:cNvSpPr txBox="1"/>
-          <p:nvPr/>
-        </p:nvSpPr>
-        <p:spPr>
-          <a:xfrm>
-            <a:off x="619944" y="753512"/>
-            <a:ext cx="3183392" cy="400110"/>
-          </a:xfrm>
-          <a:prstGeom prst="rect">
-            <a:avLst/>
-          </a:prstGeom>
-          <a:noFill/>
-        </p:spPr>
-        <p:txBody>
-          <a:bodyPr wrap="square" rtlCol="0">
-            <a:spAutoFit/>
-          </a:bodyPr>
-          <a:lstStyle/>
-          <a:p>
-            <a:r>
-              <a:rPr lang="ko-KR" altLang="en-US" sz="2000" b="1" dirty="0" smtClean="0">
-                <a:latin typeface="KoPubWorld돋움체_Pro Bold" pitchFamily="50" charset="-127"/>
-                <a:ea typeface="KoPubWorld돋움체_Pro Bold" pitchFamily="50" charset="-127"/>
-                <a:cs typeface="KoPubWorld돋움체_Pro Bold" pitchFamily="50" charset="-127"/>
-              </a:rPr>
-              <a:t>결론</a:t>
-            </a:r>
-          </a:p>
-        </p:txBody>
-      </p:sp>
-      <p:sp>
-        <p:nvSpPr>
           <p:cNvPr id="2" name="직사각형 1"/>
           <p:cNvSpPr/>
           <p:nvPr/>
@@ -5970,13 +5936,128 @@
       </p:sp>
       <p:sp>
         <p:nvSpPr>
-          <p:cNvPr id="10" name="TextBox 9"/>
+          <p:cNvPr id="9" name="직사각형 8"/>
+          <p:cNvSpPr/>
+          <p:nvPr/>
+        </p:nvSpPr>
+        <p:spPr>
+          <a:xfrm>
+            <a:off x="1043608" y="4327936"/>
+            <a:ext cx="6984776" cy="1477328"/>
+          </a:xfrm>
+          <a:prstGeom prst="rect">
+            <a:avLst/>
+          </a:prstGeom>
+        </p:spPr>
+        <p:txBody>
+          <a:bodyPr wrap="square">
+            <a:spAutoFit/>
+          </a:bodyPr>
+          <a:lstStyle/>
+          <a:p>
+            <a:r>
+              <a:rPr lang="en-US" altLang="ko-KR" dirty="0" err="1" smtClean="0">
+                <a:ea typeface="KoPubWorld돋움체_Pro Bold"/>
+              </a:rPr>
+              <a:t>RabbitMQ</a:t>
+            </a:r>
+            <a:r>
+              <a:rPr lang="ko-KR" altLang="en-US" dirty="0" smtClean="0">
+                <a:ea typeface="KoPubWorld돋움체_Pro Bold"/>
+              </a:rPr>
+              <a:t>나 </a:t>
+            </a:r>
+            <a:r>
+              <a:rPr lang="en-US" altLang="ko-KR" dirty="0" err="1" smtClean="0">
+                <a:ea typeface="KoPubWorld돋움체_Pro Bold"/>
+              </a:rPr>
+              <a:t>ActiveMQ</a:t>
+            </a:r>
+            <a:r>
+              <a:rPr lang="en-US" altLang="ko-KR" dirty="0" smtClean="0">
+                <a:ea typeface="KoPubWorld돋움체_Pro Bold"/>
+              </a:rPr>
+              <a:t> </a:t>
+            </a:r>
+            <a:r>
+              <a:rPr lang="ko-KR" altLang="en-US" dirty="0" smtClean="0">
+                <a:ea typeface="KoPubWorld돋움체_Pro Bold"/>
+              </a:rPr>
+              <a:t>효율적이며 구성하기 쉽지만 대용량을 </a:t>
+            </a:r>
+            <a:r>
+              <a:rPr lang="ko-KR" altLang="en-US" dirty="0" err="1" smtClean="0">
+                <a:ea typeface="KoPubWorld돋움체_Pro Bold"/>
+              </a:rPr>
+              <a:t>처리하는것에는</a:t>
+            </a:r>
+            <a:r>
+              <a:rPr lang="ko-KR" altLang="en-US" dirty="0" smtClean="0">
+                <a:ea typeface="KoPubWorld돋움체_Pro Bold"/>
+              </a:rPr>
+              <a:t> </a:t>
+            </a:r>
+            <a:r>
+              <a:rPr lang="en-US" altLang="ko-KR" dirty="0" smtClean="0">
+                <a:ea typeface="KoPubWorld돋움체_Pro Bold"/>
+              </a:rPr>
+              <a:t>Kafka</a:t>
+            </a:r>
+            <a:r>
+              <a:rPr lang="ko-KR" altLang="en-US" dirty="0" smtClean="0">
+                <a:ea typeface="KoPubWorld돋움체_Pro Bold"/>
+              </a:rPr>
+              <a:t>가 더 뛰어남</a:t>
+            </a:r>
+            <a:endParaRPr lang="en-US" altLang="ko-KR" dirty="0" smtClean="0">
+              <a:ea typeface="KoPubWorld돋움체_Pro Bold"/>
+            </a:endParaRPr>
+          </a:p>
+          <a:p>
+            <a:endParaRPr lang="en-US" altLang="ko-KR" dirty="0">
+              <a:ea typeface="KoPubWorld돋움체_Pro Bold"/>
+            </a:endParaRPr>
+          </a:p>
+          <a:p>
+            <a:r>
+              <a:rPr lang="ko-KR" altLang="en-US" dirty="0" err="1" smtClean="0">
+                <a:ea typeface="KoPubWorld돋움체_Pro Bold"/>
+              </a:rPr>
+              <a:t>플럼에서</a:t>
+            </a:r>
+            <a:r>
+              <a:rPr lang="ko-KR" altLang="en-US" dirty="0" smtClean="0">
+                <a:ea typeface="KoPubWorld돋움체_Pro Bold"/>
+              </a:rPr>
+              <a:t> 바로 </a:t>
+            </a:r>
+            <a:r>
+              <a:rPr lang="ko-KR" altLang="en-US" dirty="0" err="1" smtClean="0">
+                <a:ea typeface="KoPubWorld돋움체_Pro Bold"/>
+              </a:rPr>
+              <a:t>하둡으로</a:t>
+            </a:r>
+            <a:r>
+              <a:rPr lang="ko-KR" altLang="en-US" dirty="0" smtClean="0">
+                <a:ea typeface="KoPubWorld돋움체_Pro Bold"/>
+              </a:rPr>
+              <a:t> 적재하려고 시도했으나 과부하가 걸리면서 데이터 유실 발생</a:t>
+            </a:r>
+            <a:endParaRPr lang="ko-KR" altLang="en-US" dirty="0">
+              <a:ea typeface="KoPubWorld돋움체_Pro Bold"/>
+            </a:endParaRPr>
+          </a:p>
+        </p:txBody>
+      </p:sp>
+      <p:sp>
+        <p:nvSpPr>
+          <p:cNvPr id="13" name="TextBox 12"/>
           <p:cNvSpPr txBox="1"/>
           <p:nvPr/>
         </p:nvSpPr>
         <p:spPr>
           <a:xfrm>
-            <a:off x="683568" y="3789040"/>
+            <a:off x="683568" y="3751872"/>
             <a:ext cx="7344816" cy="400110"/>
           </a:xfrm>
           <a:prstGeom prst="rect">
@@ -6007,50 +6088,17 @@
               <a:t>. </a:t>
             </a:r>
             <a:r>
-              <a:rPr lang="ko-KR" altLang="en-US" sz="2000" b="1" dirty="0" smtClean="0">
+              <a:rPr lang="ko-KR" altLang="en-US" sz="2000" b="1" dirty="0">
                 <a:latin typeface="KoPubWorld돋움체_Pro Bold" pitchFamily="50" charset="-127"/>
                 <a:ea typeface="KoPubWorld돋움체_Pro Bold" pitchFamily="50" charset="-127"/>
                 <a:cs typeface="KoPubWorld돋움체_Pro Bold" pitchFamily="50" charset="-127"/>
               </a:rPr>
-              <a:t>다양한 기술 습득</a:t>
+              <a:t>대용량 실시간 로그를 처에 특화된 카프카 구현 불가능</a:t>
             </a:r>
             <a:endParaRPr lang="en-US" altLang="ko-KR" sz="2000" b="1" dirty="0">
               <a:latin typeface="KoPubWorld돋움체_Pro Bold" pitchFamily="50" charset="-127"/>
               <a:ea typeface="KoPubWorld돋움체_Pro Bold" pitchFamily="50" charset="-127"/>
               <a:cs typeface="KoPubWorld돋움체_Pro Bold" pitchFamily="50" charset="-127"/>
-            </a:endParaRPr>
-          </a:p>
-        </p:txBody>
-      </p:sp>
-      <p:sp>
-        <p:nvSpPr>
-          <p:cNvPr id="12" name="직사각형 11"/>
-          <p:cNvSpPr/>
-          <p:nvPr/>
-        </p:nvSpPr>
-        <p:spPr>
-          <a:xfrm>
-            <a:off x="1043608" y="4277995"/>
-            <a:ext cx="6984776" cy="369332"/>
-          </a:xfrm>
-          <a:prstGeom prst="rect">
-            <a:avLst/>
-          </a:prstGeom>
-        </p:spPr>
-        <p:txBody>
-          <a:bodyPr wrap="square">
-            <a:spAutoFit/>
-          </a:bodyPr>
-          <a:lstStyle/>
-          <a:p>
-            <a:r>
-              <a:rPr lang="ko-KR" altLang="en-US" dirty="0" err="1" smtClean="0">
-                <a:ea typeface="KoPubWorld돋움체_Pro Bold"/>
-              </a:rPr>
-              <a:t>ㅁㄴㅇ리ㅏㅓㅣㅏㅓㅏ어ㅑ</a:t>
-            </a:r>
-            <a:endParaRPr lang="ko-KR" altLang="en-US" dirty="0">
-              <a:ea typeface="KoPubWorld돋움체_Pro Bold"/>
             </a:endParaRPr>
           </a:p>
         </p:txBody>
@@ -6076,315 +6124,6 @@
 </file>
 
 <file path=ppt/slides/slide6.xml><?xml version="1.0" encoding="utf-8"?>
-<p:sld xmlns:a="http://schemas.openxmlformats.org/drawingml/2006/main" xmlns:r="http://schemas.openxmlformats.org/officeDocument/2006/relationships" xmlns:p="http://schemas.openxmlformats.org/presentationml/2006/main">
-  <p:cSld>
-    <p:spTree>
-      <p:nvGrpSpPr>
-        <p:cNvPr id="1" name=""/>
-        <p:cNvGrpSpPr/>
-        <p:nvPr/>
-      </p:nvGrpSpPr>
-      <p:grpSpPr>
-        <a:xfrm>
-          <a:off x="0" y="0"/>
-          <a:ext cx="0" cy="0"/>
-          <a:chOff x="0" y="0"/>
-          <a:chExt cx="0" cy="0"/>
-        </a:xfrm>
-      </p:grpSpPr>
-      <p:cxnSp>
-        <p:nvCxnSpPr>
-          <p:cNvPr id="4" name="직선 연결선 3"/>
-          <p:cNvCxnSpPr/>
-          <p:nvPr/>
-        </p:nvCxnSpPr>
-        <p:spPr>
-          <a:xfrm>
-            <a:off x="251520" y="692696"/>
-            <a:ext cx="8892480" cy="0"/>
-          </a:xfrm>
-          <a:prstGeom prst="line">
-            <a:avLst/>
-          </a:prstGeom>
-          <a:ln w="28575">
-            <a:solidFill>
-              <a:srgbClr val="00B0F0"/>
-            </a:solidFill>
-          </a:ln>
-        </p:spPr>
-        <p:style>
-          <a:lnRef idx="1">
-            <a:schemeClr val="accent6"/>
-          </a:lnRef>
-          <a:fillRef idx="0">
-            <a:schemeClr val="accent6"/>
-          </a:fillRef>
-          <a:effectRef idx="0">
-            <a:schemeClr val="accent6"/>
-          </a:effectRef>
-          <a:fontRef idx="minor">
-            <a:schemeClr val="tx1"/>
-          </a:fontRef>
-        </p:style>
-      </p:cxnSp>
-      <p:sp>
-        <p:nvSpPr>
-          <p:cNvPr id="7" name="TextBox 6"/>
-          <p:cNvSpPr txBox="1"/>
-          <p:nvPr/>
-        </p:nvSpPr>
-        <p:spPr>
-          <a:xfrm>
-            <a:off x="467544" y="188640"/>
-            <a:ext cx="2808312" cy="400110"/>
-          </a:xfrm>
-          <a:prstGeom prst="rect">
-            <a:avLst/>
-          </a:prstGeom>
-          <a:noFill/>
-        </p:spPr>
-        <p:txBody>
-          <a:bodyPr wrap="square" rtlCol="0">
-            <a:spAutoFit/>
-          </a:bodyPr>
-          <a:lstStyle/>
-          <a:p>
-            <a:r>
-              <a:rPr lang="ko-KR" altLang="en-US" sz="2000" b="1" dirty="0" smtClean="0">
-                <a:latin typeface="KoPubWorld돋움체_Pro Bold" pitchFamily="50" charset="-127"/>
-                <a:ea typeface="KoPubWorld돋움체_Pro Bold" pitchFamily="50" charset="-127"/>
-                <a:cs typeface="KoPubWorld돋움체_Pro Bold" pitchFamily="50" charset="-127"/>
-              </a:rPr>
-              <a:t>결론 및 한계점</a:t>
-            </a:r>
-            <a:endParaRPr lang="en-US" altLang="ko-KR" sz="2000" b="1" dirty="0" smtClean="0">
-              <a:latin typeface="KoPubWorld돋움체_Pro Bold" pitchFamily="50" charset="-127"/>
-              <a:ea typeface="KoPubWorld돋움체_Pro Bold" pitchFamily="50" charset="-127"/>
-              <a:cs typeface="KoPubWorld돋움체_Pro Bold" pitchFamily="50" charset="-127"/>
-            </a:endParaRPr>
-          </a:p>
-        </p:txBody>
-      </p:sp>
-      <p:sp>
-        <p:nvSpPr>
-          <p:cNvPr id="15" name="TextBox 14"/>
-          <p:cNvSpPr txBox="1"/>
-          <p:nvPr/>
-        </p:nvSpPr>
-        <p:spPr>
-          <a:xfrm>
-            <a:off x="619944" y="753512"/>
-            <a:ext cx="3183392" cy="400110"/>
-          </a:xfrm>
-          <a:prstGeom prst="rect">
-            <a:avLst/>
-          </a:prstGeom>
-          <a:noFill/>
-        </p:spPr>
-        <p:txBody>
-          <a:bodyPr wrap="square" rtlCol="0">
-            <a:spAutoFit/>
-          </a:bodyPr>
-          <a:lstStyle/>
-          <a:p>
-            <a:r>
-              <a:rPr lang="ko-KR" altLang="en-US" sz="2000" b="1" dirty="0" smtClean="0">
-                <a:latin typeface="KoPubWorld돋움체_Pro Bold" pitchFamily="50" charset="-127"/>
-                <a:ea typeface="KoPubWorld돋움체_Pro Bold" pitchFamily="50" charset="-127"/>
-                <a:cs typeface="KoPubWorld돋움체_Pro Bold" pitchFamily="50" charset="-127"/>
-              </a:rPr>
-              <a:t>한계점</a:t>
-            </a:r>
-            <a:endParaRPr lang="en-US" altLang="ko-KR" sz="2000" b="1" dirty="0" smtClean="0">
-              <a:latin typeface="KoPubWorld돋움체_Pro Bold" pitchFamily="50" charset="-127"/>
-              <a:ea typeface="KoPubWorld돋움체_Pro Bold" pitchFamily="50" charset="-127"/>
-              <a:cs typeface="KoPubWorld돋움체_Pro Bold" pitchFamily="50" charset="-127"/>
-            </a:endParaRPr>
-          </a:p>
-        </p:txBody>
-      </p:sp>
-      <p:sp>
-        <p:nvSpPr>
-          <p:cNvPr id="18" name="직사각형 17"/>
-          <p:cNvSpPr/>
-          <p:nvPr/>
-        </p:nvSpPr>
-        <p:spPr>
-          <a:xfrm>
-            <a:off x="1043608" y="1916832"/>
-            <a:ext cx="6984776" cy="1477328"/>
-          </a:xfrm>
-          <a:prstGeom prst="rect">
-            <a:avLst/>
-          </a:prstGeom>
-        </p:spPr>
-        <p:txBody>
-          <a:bodyPr wrap="square">
-            <a:spAutoFit/>
-          </a:bodyPr>
-          <a:lstStyle/>
-          <a:p>
-            <a:r>
-              <a:rPr lang="en-US" altLang="ko-KR" dirty="0" err="1" smtClean="0">
-                <a:ea typeface="KoPubWorld돋움체_Pro Bold"/>
-              </a:rPr>
-              <a:t>RabbitMQ</a:t>
-            </a:r>
-            <a:r>
-              <a:rPr lang="ko-KR" altLang="en-US" dirty="0" smtClean="0">
-                <a:ea typeface="KoPubWorld돋움체_Pro Bold"/>
-              </a:rPr>
-              <a:t>나 </a:t>
-            </a:r>
-            <a:r>
-              <a:rPr lang="en-US" altLang="ko-KR" dirty="0" err="1" smtClean="0">
-                <a:ea typeface="KoPubWorld돋움체_Pro Bold"/>
-              </a:rPr>
-              <a:t>ActiveMQ</a:t>
-            </a:r>
-            <a:r>
-              <a:rPr lang="en-US" altLang="ko-KR" dirty="0" smtClean="0">
-                <a:ea typeface="KoPubWorld돋움체_Pro Bold"/>
-              </a:rPr>
-              <a:t> </a:t>
-            </a:r>
-            <a:r>
-              <a:rPr lang="ko-KR" altLang="en-US" dirty="0" smtClean="0">
-                <a:ea typeface="KoPubWorld돋움체_Pro Bold"/>
-              </a:rPr>
-              <a:t>효율적이며 구성하기 쉽지만 대용량을 </a:t>
-            </a:r>
-            <a:r>
-              <a:rPr lang="ko-KR" altLang="en-US" dirty="0" err="1" smtClean="0">
-                <a:ea typeface="KoPubWorld돋움체_Pro Bold"/>
-              </a:rPr>
-              <a:t>처리하는것에는</a:t>
-            </a:r>
-            <a:r>
-              <a:rPr lang="ko-KR" altLang="en-US" dirty="0" smtClean="0">
-                <a:ea typeface="KoPubWorld돋움체_Pro Bold"/>
-              </a:rPr>
-              <a:t> </a:t>
-            </a:r>
-            <a:r>
-              <a:rPr lang="en-US" altLang="ko-KR" dirty="0" smtClean="0">
-                <a:ea typeface="KoPubWorld돋움체_Pro Bold"/>
-              </a:rPr>
-              <a:t>Kafka</a:t>
-            </a:r>
-            <a:r>
-              <a:rPr lang="ko-KR" altLang="en-US" dirty="0" smtClean="0">
-                <a:ea typeface="KoPubWorld돋움체_Pro Bold"/>
-              </a:rPr>
-              <a:t>가 더 뛰어남</a:t>
-            </a:r>
-            <a:endParaRPr lang="en-US" altLang="ko-KR" dirty="0" smtClean="0">
-              <a:ea typeface="KoPubWorld돋움체_Pro Bold"/>
-            </a:endParaRPr>
-          </a:p>
-          <a:p>
-            <a:endParaRPr lang="en-US" altLang="ko-KR" dirty="0">
-              <a:ea typeface="KoPubWorld돋움체_Pro Bold"/>
-            </a:endParaRPr>
-          </a:p>
-          <a:p>
-            <a:r>
-              <a:rPr lang="ko-KR" altLang="en-US" dirty="0" err="1" smtClean="0">
-                <a:ea typeface="KoPubWorld돋움체_Pro Bold"/>
-              </a:rPr>
-              <a:t>플럼에서</a:t>
-            </a:r>
-            <a:r>
-              <a:rPr lang="ko-KR" altLang="en-US" dirty="0" smtClean="0">
-                <a:ea typeface="KoPubWorld돋움체_Pro Bold"/>
-              </a:rPr>
-              <a:t> 바로 </a:t>
-            </a:r>
-            <a:r>
-              <a:rPr lang="ko-KR" altLang="en-US" dirty="0" err="1" smtClean="0">
-                <a:ea typeface="KoPubWorld돋움체_Pro Bold"/>
-              </a:rPr>
-              <a:t>하둡으로</a:t>
-            </a:r>
-            <a:r>
-              <a:rPr lang="ko-KR" altLang="en-US" dirty="0" smtClean="0">
-                <a:ea typeface="KoPubWorld돋움체_Pro Bold"/>
-              </a:rPr>
-              <a:t> 적재하려고 시도했으나 과부하가 걸리면서 데이터 유실 발생</a:t>
-            </a:r>
-            <a:endParaRPr lang="ko-KR" altLang="en-US" dirty="0">
-              <a:ea typeface="KoPubWorld돋움체_Pro Bold"/>
-            </a:endParaRPr>
-          </a:p>
-        </p:txBody>
-      </p:sp>
-      <p:sp>
-        <p:nvSpPr>
-          <p:cNvPr id="10" name="TextBox 9"/>
-          <p:cNvSpPr txBox="1"/>
-          <p:nvPr/>
-        </p:nvSpPr>
-        <p:spPr>
-          <a:xfrm>
-            <a:off x="683568" y="1340768"/>
-            <a:ext cx="7344816" cy="400110"/>
-          </a:xfrm>
-          <a:prstGeom prst="rect">
-            <a:avLst/>
-          </a:prstGeom>
-          <a:noFill/>
-        </p:spPr>
-        <p:txBody>
-          <a:bodyPr wrap="square" rtlCol="0">
-            <a:spAutoFit/>
-          </a:bodyPr>
-          <a:lstStyle/>
-          <a:p>
-            <a:r>
-              <a:rPr lang="en-US" altLang="ko-KR" sz="2000" b="1" dirty="0">
-                <a:latin typeface="KoPubWorld돋움체_Pro Bold" pitchFamily="50" charset="-127"/>
-                <a:ea typeface="KoPubWorld돋움체_Pro Bold" pitchFamily="50" charset="-127"/>
-                <a:cs typeface="KoPubWorld돋움체_Pro Bold" pitchFamily="50" charset="-127"/>
-              </a:rPr>
-              <a:t>1. </a:t>
-            </a:r>
-            <a:r>
-              <a:rPr lang="ko-KR" altLang="en-US" sz="2000" b="1" dirty="0">
-                <a:latin typeface="KoPubWorld돋움체_Pro Bold" pitchFamily="50" charset="-127"/>
-                <a:ea typeface="KoPubWorld돋움체_Pro Bold" pitchFamily="50" charset="-127"/>
-                <a:cs typeface="KoPubWorld돋움체_Pro Bold" pitchFamily="50" charset="-127"/>
-              </a:rPr>
-              <a:t>대용량 실시간 로그를 처에 특화된 카프카 구현 불가능</a:t>
-            </a:r>
-            <a:endParaRPr lang="en-US" altLang="ko-KR" sz="2000" b="1" dirty="0">
-              <a:latin typeface="KoPubWorld돋움체_Pro Bold" pitchFamily="50" charset="-127"/>
-              <a:ea typeface="KoPubWorld돋움체_Pro Bold" pitchFamily="50" charset="-127"/>
-              <a:cs typeface="KoPubWorld돋움체_Pro Bold" pitchFamily="50" charset="-127"/>
-            </a:endParaRPr>
-          </a:p>
-        </p:txBody>
-      </p:sp>
-    </p:spTree>
-    <p:extLst>
-      <p:ext uri="{BB962C8B-B14F-4D97-AF65-F5344CB8AC3E}">
-        <p14:creationId xmlns:p14="http://schemas.microsoft.com/office/powerpoint/2010/main" val="2817086326"/>
-      </p:ext>
-    </p:extLst>
-  </p:cSld>
-  <p:clrMapOvr>
-    <a:masterClrMapping/>
-  </p:clrMapOvr>
-  <p:timing>
-    <p:tnLst>
-      <p:par>
-        <p:cTn id="1" dur="indefinite" restart="never" nodeType="tmRoot"/>
-      </p:par>
-    </p:tnLst>
-  </p:timing>
-</p:sld>
-</file>
-
-<file path=ppt/slides/slide7.xml><?xml version="1.0" encoding="utf-8"?>
 <p:sld xmlns:a="http://schemas.openxmlformats.org/drawingml/2006/main" xmlns:r="http://schemas.openxmlformats.org/officeDocument/2006/relationships" xmlns:p="http://schemas.openxmlformats.org/presentationml/2006/main">
   <p:cSld>
     <p:spTree>
